--- a/NumericalAnalysis.pptx
+++ b/NumericalAnalysis.pptx
@@ -10,6 +10,9 @@
     <p:sldId id="258" r:id="rId4"/>
     <p:sldId id="259" r:id="rId5"/>
     <p:sldId id="260" r:id="rId6"/>
+    <p:sldId id="261" r:id="rId7"/>
+    <p:sldId id="262" r:id="rId8"/>
+    <p:sldId id="263" r:id="rId9"/>
   </p:sldIdLst>
   <p:sldSz cx="8686800" cy="12192000"/>
   <p:notesSz cx="6858000" cy="9144000"/>
@@ -117,14 +120,24 @@
             <p14:sldId id="257"/>
           </p14:sldIdLst>
         </p14:section>
-        <p14:section name="Chapter 1" id="{46ABEB66-E44A-47B6-A2B3-23606B8834D4}">
+        <p14:section name="Chapter 1: Introduction" id="{46ABEB66-E44A-47B6-A2B3-23606B8834D4}">
           <p14:sldIdLst>
             <p14:sldId id="258"/>
             <p14:sldId id="259"/>
             <p14:sldId id="260"/>
           </p14:sldIdLst>
         </p14:section>
+        <p14:section name="Chapter 2: MATLAB" id="{465AB567-21E0-4AC2-A2F4-6921787F4A08}">
+          <p14:sldIdLst>
+            <p14:sldId id="261"/>
+            <p14:sldId id="262"/>
+            <p14:sldId id="263"/>
+          </p14:sldIdLst>
+        </p14:section>
       </p14:sectionLst>
+    </p:ext>
+    <p:ext uri="{EFAFB233-063F-42B5-8137-9DF3F51BA10A}">
+      <p15:sldGuideLst xmlns:p15="http://schemas.microsoft.com/office/powerpoint/2012/main"/>
     </p:ext>
   </p:extLst>
 </p:presentation>
@@ -261,7 +274,7 @@
           <a:p>
             <a:fld id="{67157E4C-E9FC-4B27-8390-C5DE454F8950}" type="datetimeFigureOut">
               <a:rPr lang="en-US" smtClean="0"/>
-              <a:t>8/20/2024</a:t>
+              <a:t>8/21/2024</a:t>
             </a:fld>
             <a:endParaRPr lang="en-US"/>
           </a:p>
@@ -431,7 +444,7 @@
           <a:p>
             <a:fld id="{67157E4C-E9FC-4B27-8390-C5DE454F8950}" type="datetimeFigureOut">
               <a:rPr lang="en-US" smtClean="0"/>
-              <a:t>8/20/2024</a:t>
+              <a:t>8/21/2024</a:t>
             </a:fld>
             <a:endParaRPr lang="en-US"/>
           </a:p>
@@ -611,7 +624,7 @@
           <a:p>
             <a:fld id="{67157E4C-E9FC-4B27-8390-C5DE454F8950}" type="datetimeFigureOut">
               <a:rPr lang="en-US" smtClean="0"/>
-              <a:t>8/20/2024</a:t>
+              <a:t>8/21/2024</a:t>
             </a:fld>
             <a:endParaRPr lang="en-US"/>
           </a:p>
@@ -781,7 +794,7 @@
           <a:p>
             <a:fld id="{67157E4C-E9FC-4B27-8390-C5DE454F8950}" type="datetimeFigureOut">
               <a:rPr lang="en-US" smtClean="0"/>
-              <a:t>8/20/2024</a:t>
+              <a:t>8/21/2024</a:t>
             </a:fld>
             <a:endParaRPr lang="en-US"/>
           </a:p>
@@ -1027,7 +1040,7 @@
           <a:p>
             <a:fld id="{67157E4C-E9FC-4B27-8390-C5DE454F8950}" type="datetimeFigureOut">
               <a:rPr lang="en-US" smtClean="0"/>
-              <a:t>8/20/2024</a:t>
+              <a:t>8/21/2024</a:t>
             </a:fld>
             <a:endParaRPr lang="en-US"/>
           </a:p>
@@ -1259,7 +1272,7 @@
           <a:p>
             <a:fld id="{67157E4C-E9FC-4B27-8390-C5DE454F8950}" type="datetimeFigureOut">
               <a:rPr lang="en-US" smtClean="0"/>
-              <a:t>8/20/2024</a:t>
+              <a:t>8/21/2024</a:t>
             </a:fld>
             <a:endParaRPr lang="en-US"/>
           </a:p>
@@ -1626,7 +1639,7 @@
           <a:p>
             <a:fld id="{67157E4C-E9FC-4B27-8390-C5DE454F8950}" type="datetimeFigureOut">
               <a:rPr lang="en-US" smtClean="0"/>
-              <a:t>8/20/2024</a:t>
+              <a:t>8/21/2024</a:t>
             </a:fld>
             <a:endParaRPr lang="en-US"/>
           </a:p>
@@ -1744,7 +1757,7 @@
           <a:p>
             <a:fld id="{67157E4C-E9FC-4B27-8390-C5DE454F8950}" type="datetimeFigureOut">
               <a:rPr lang="en-US" smtClean="0"/>
-              <a:t>8/20/2024</a:t>
+              <a:t>8/21/2024</a:t>
             </a:fld>
             <a:endParaRPr lang="en-US"/>
           </a:p>
@@ -1839,7 +1852,7 @@
           <a:p>
             <a:fld id="{67157E4C-E9FC-4B27-8390-C5DE454F8950}" type="datetimeFigureOut">
               <a:rPr lang="en-US" smtClean="0"/>
-              <a:t>8/20/2024</a:t>
+              <a:t>8/21/2024</a:t>
             </a:fld>
             <a:endParaRPr lang="en-US"/>
           </a:p>
@@ -2116,7 +2129,7 @@
           <a:p>
             <a:fld id="{67157E4C-E9FC-4B27-8390-C5DE454F8950}" type="datetimeFigureOut">
               <a:rPr lang="en-US" smtClean="0"/>
-              <a:t>8/20/2024</a:t>
+              <a:t>8/21/2024</a:t>
             </a:fld>
             <a:endParaRPr lang="en-US"/>
           </a:p>
@@ -2373,7 +2386,7 @@
           <a:p>
             <a:fld id="{67157E4C-E9FC-4B27-8390-C5DE454F8950}" type="datetimeFigureOut">
               <a:rPr lang="en-US" smtClean="0"/>
-              <a:t>8/20/2024</a:t>
+              <a:t>8/21/2024</a:t>
             </a:fld>
             <a:endParaRPr lang="en-US"/>
           </a:p>
@@ -2586,7 +2599,7 @@
           <a:p>
             <a:fld id="{67157E4C-E9FC-4B27-8390-C5DE454F8950}" type="datetimeFigureOut">
               <a:rPr lang="en-US" smtClean="0"/>
-              <a:t>8/20/2024</a:t>
+              <a:t>8/21/2024</a:t>
             </a:fld>
             <a:endParaRPr lang="en-US"/>
           </a:p>
@@ -4180,8 +4193,8 @@
         </p:nvSpPr>
         <p:spPr>
           <a:xfrm>
-            <a:off x="1564594" y="189186"/>
-            <a:ext cx="5557612" cy="830997"/>
+            <a:off x="1163785" y="184148"/>
+            <a:ext cx="6376874" cy="830997"/>
           </a:xfrm>
           <a:prstGeom prst="rect">
             <a:avLst/>
@@ -4196,7 +4209,7 @@
           <a:p>
             <a:r>
               <a:rPr lang="en-US" sz="4800" dirty="0"/>
-              <a:t>Chapter 1: Overview</a:t>
+              <a:t>Chapter 1: Introduction</a:t>
             </a:r>
           </a:p>
         </p:txBody>
@@ -4236,8 +4249,8 @@
           </a:p>
         </p:txBody>
       </p:sp>
-      <mc:AlternateContent xmlns:mc="http://schemas.openxmlformats.org/markup-compatibility/2006">
-        <mc:Choice xmlns:a14="http://schemas.microsoft.com/office/drawing/2010/main" Requires="a14">
+      <mc:AlternateContent xmlns:mc="http://schemas.openxmlformats.org/markup-compatibility/2006" xmlns:a14="http://schemas.microsoft.com/office/drawing/2010/main">
+        <mc:Choice Requires="a14">
           <p:sp>
             <p:nvSpPr>
               <p:cNvPr id="5" name="TextBox 4">
@@ -4266,6 +4279,7 @@
               </a:bodyPr>
               <a:lstStyle/>
               <a:p>
+                <a:pPr/>
                 <a14:m>
                   <m:oMathPara xmlns:m="http://schemas.openxmlformats.org/officeDocument/2006/math">
                     <m:oMathParaPr>
@@ -4333,7 +4347,7 @@
             </p:txBody>
           </p:sp>
         </mc:Choice>
-        <mc:Fallback>
+        <mc:Fallback xmlns="">
           <p:sp>
             <p:nvSpPr>
               <p:cNvPr id="5" name="TextBox 4">
@@ -4483,8 +4497,8 @@
           </a:p>
         </p:txBody>
       </p:sp>
-      <mc:AlternateContent xmlns:mc="http://schemas.openxmlformats.org/markup-compatibility/2006">
-        <mc:Choice xmlns:a14="http://schemas.microsoft.com/office/drawing/2010/main" Requires="a14">
+      <mc:AlternateContent xmlns:mc="http://schemas.openxmlformats.org/markup-compatibility/2006" xmlns:a14="http://schemas.microsoft.com/office/drawing/2010/main">
+        <mc:Choice Requires="a14">
           <p:sp>
             <p:nvSpPr>
               <p:cNvPr id="9" name="TextBox 8">
@@ -4513,6 +4527,7 @@
               </a:bodyPr>
               <a:lstStyle/>
               <a:p>
+                <a:pPr/>
                 <a14:m>
                   <m:oMathPara xmlns:m="http://schemas.openxmlformats.org/officeDocument/2006/math">
                     <m:oMathParaPr>
@@ -4614,7 +4629,7 @@
             </p:txBody>
           </p:sp>
         </mc:Choice>
-        <mc:Fallback>
+        <mc:Fallback xmlns="">
           <p:sp>
             <p:nvSpPr>
               <p:cNvPr id="9" name="TextBox 8">
@@ -4732,8 +4747,8 @@
           </a:p>
         </p:txBody>
       </p:sp>
-      <mc:AlternateContent xmlns:mc="http://schemas.openxmlformats.org/markup-compatibility/2006">
-        <mc:Choice xmlns:a14="http://schemas.microsoft.com/office/drawing/2010/main" Requires="a14">
+      <mc:AlternateContent xmlns:mc="http://schemas.openxmlformats.org/markup-compatibility/2006" xmlns:a14="http://schemas.microsoft.com/office/drawing/2010/main">
+        <mc:Choice Requires="a14">
           <p:sp>
             <p:nvSpPr>
               <p:cNvPr id="12" name="TextBox 11">
@@ -4762,6 +4777,7 @@
               </a:bodyPr>
               <a:lstStyle/>
               <a:p>
+                <a:pPr/>
                 <a14:m>
                   <m:oMathPara xmlns:m="http://schemas.openxmlformats.org/officeDocument/2006/math">
                     <m:oMathParaPr>
@@ -4870,7 +4886,7 @@
             </p:txBody>
           </p:sp>
         </mc:Choice>
-        <mc:Fallback>
+        <mc:Fallback xmlns="">
           <p:sp>
             <p:nvSpPr>
               <p:cNvPr id="12" name="TextBox 11">
@@ -4950,8 +4966,8 @@
           </a:p>
         </p:txBody>
       </p:sp>
-      <mc:AlternateContent xmlns:mc="http://schemas.openxmlformats.org/markup-compatibility/2006">
-        <mc:Choice xmlns:a14="http://schemas.microsoft.com/office/drawing/2010/main" Requires="a14">
+      <mc:AlternateContent xmlns:mc="http://schemas.openxmlformats.org/markup-compatibility/2006" xmlns:a14="http://schemas.microsoft.com/office/drawing/2010/main">
+        <mc:Choice Requires="a14">
           <p:sp>
             <p:nvSpPr>
               <p:cNvPr id="14" name="TextBox 13">
@@ -4980,6 +4996,7 @@
               </a:bodyPr>
               <a:lstStyle/>
               <a:p>
+                <a:pPr/>
                 <a14:m>
                   <m:oMathPara xmlns:m="http://schemas.openxmlformats.org/officeDocument/2006/math">
                     <m:oMathParaPr>
@@ -5113,7 +5130,7 @@
             </p:txBody>
           </p:sp>
         </mc:Choice>
-        <mc:Fallback>
+        <mc:Fallback xmlns="">
           <p:sp>
             <p:nvSpPr>
               <p:cNvPr id="14" name="TextBox 13">
@@ -5430,10 +5447,10 @@
       </p:sp>
       <p:sp>
         <p:nvSpPr>
-          <p:cNvPr id="8" name="TextBox 7">
+          <p:cNvPr id="5" name="TextBox 4">
             <a:extLst>
               <a:ext uri="{FF2B5EF4-FFF2-40B4-BE49-F238E27FC236}">
-                <a16:creationId xmlns:a16="http://schemas.microsoft.com/office/drawing/2014/main" id="{C399CD43-C12F-933C-5620-AEBDA7B44BFF}"/>
+                <a16:creationId xmlns:a16="http://schemas.microsoft.com/office/drawing/2014/main" id="{FED2FCD1-7A1A-4FC3-048D-BE72F224F034}"/>
               </a:ext>
             </a:extLst>
           </p:cNvPr>
@@ -5442,8 +5459,8 @@
         </p:nvSpPr>
         <p:spPr>
           <a:xfrm>
-            <a:off x="-1" y="5394920"/>
-            <a:ext cx="7816242" cy="461665"/>
+            <a:off x="0" y="5302587"/>
+            <a:ext cx="8686799" cy="646331"/>
           </a:xfrm>
           <a:prstGeom prst="rect">
             <a:avLst/>
@@ -5451,41 +5468,6 @@
           <a:noFill/>
         </p:spPr>
         <p:txBody>
-          <a:bodyPr wrap="none" rtlCol="0">
-            <a:spAutoFit/>
-          </a:bodyPr>
-          <a:lstStyle/>
-          <a:p>
-            <a:r>
-              <a:rPr lang="en-US" sz="2400" dirty="0"/>
-              <a:t>Fundamental mathematics to know: Vectors and Matrices</a:t>
-            </a:r>
-          </a:p>
-        </p:txBody>
-      </p:sp>
-      <p:sp>
-        <p:nvSpPr>
-          <p:cNvPr id="9" name="TextBox 8">
-            <a:extLst>
-              <a:ext uri="{FF2B5EF4-FFF2-40B4-BE49-F238E27FC236}">
-                <a16:creationId xmlns:a16="http://schemas.microsoft.com/office/drawing/2014/main" id="{0AADD4ED-B52E-A46D-A552-9D638E979823}"/>
-              </a:ext>
-            </a:extLst>
-          </p:cNvPr>
-          <p:cNvSpPr txBox="1"/>
-          <p:nvPr/>
-        </p:nvSpPr>
-        <p:spPr>
-          <a:xfrm>
-            <a:off x="0" y="6091935"/>
-            <a:ext cx="4707555" cy="1200329"/>
-          </a:xfrm>
-          <a:prstGeom prst="rect">
-            <a:avLst/>
-          </a:prstGeom>
-          <a:noFill/>
-        </p:spPr>
-        <p:txBody>
           <a:bodyPr wrap="square" rtlCol="0">
             <a:spAutoFit/>
           </a:bodyPr>
@@ -5493,17 +5475,17 @@
           <a:p>
             <a:r>
               <a:rPr lang="en-US" dirty="0"/>
-              <a:t>A matrix is characterized by the number of rows and columns it has.  Rows are the horizontal elements and columns are the vertical elements.</a:t>
+              <a:t>Cancellation error: comes when there is a massive difference between the expected and calculated answers</a:t>
             </a:r>
           </a:p>
         </p:txBody>
       </p:sp>
       <p:pic>
         <p:nvPicPr>
-          <p:cNvPr id="13" name="Picture 12">
+          <p:cNvPr id="11" name="Picture 10">
             <a:extLst>
               <a:ext uri="{FF2B5EF4-FFF2-40B4-BE49-F238E27FC236}">
-                <a16:creationId xmlns:a16="http://schemas.microsoft.com/office/drawing/2014/main" id="{399404D0-CDB7-1D28-E83D-8809F0C1F08B}"/>
+                <a16:creationId xmlns:a16="http://schemas.microsoft.com/office/drawing/2014/main" id="{6B714752-ECD8-4721-CB7C-34DF35A4F1F7}"/>
               </a:ext>
             </a:extLst>
           </p:cNvPr>
@@ -5520,8 +5502,8 @@
         </p:blipFill>
         <p:spPr>
           <a:xfrm>
-            <a:off x="4707556" y="5922349"/>
-            <a:ext cx="3370885" cy="2405937"/>
+            <a:off x="0" y="6519273"/>
+            <a:ext cx="5368159" cy="1696906"/>
           </a:xfrm>
           <a:prstGeom prst="rect">
             <a:avLst/>
@@ -5530,10 +5512,10 @@
       </p:pic>
       <p:sp>
         <p:nvSpPr>
-          <p:cNvPr id="14" name="TextBox 13">
+          <p:cNvPr id="12" name="TextBox 11">
             <a:extLst>
               <a:ext uri="{FF2B5EF4-FFF2-40B4-BE49-F238E27FC236}">
-                <a16:creationId xmlns:a16="http://schemas.microsoft.com/office/drawing/2014/main" id="{AADC5E97-FDB6-8728-DF3D-E9ADCF9CF64E}"/>
+                <a16:creationId xmlns:a16="http://schemas.microsoft.com/office/drawing/2014/main" id="{3C19F3E8-3355-EB75-4611-AB2D2F6A9D4C}"/>
               </a:ext>
             </a:extLst>
           </p:cNvPr>
@@ -5542,8 +5524,8 @@
         </p:nvSpPr>
         <p:spPr>
           <a:xfrm>
-            <a:off x="4726201" y="8435751"/>
-            <a:ext cx="3090040" cy="646331"/>
+            <a:off x="0" y="6149941"/>
+            <a:ext cx="7755778" cy="369332"/>
           </a:xfrm>
           <a:prstGeom prst="rect">
             <a:avLst/>
@@ -5551,25 +5533,94 @@
           <a:noFill/>
         </p:spPr>
         <p:txBody>
+          <a:bodyPr wrap="none" rtlCol="0">
+            <a:spAutoFit/>
+          </a:bodyPr>
+          <a:lstStyle/>
+          <a:p>
+            <a:r>
+              <a:rPr lang="en-US" dirty="0"/>
+              <a:t>EX: consider a situation when your square root function only goes to 4 digits</a:t>
+            </a:r>
+          </a:p>
+        </p:txBody>
+      </p:sp>
+      <p:sp>
+        <p:nvSpPr>
+          <p:cNvPr id="15" name="TextBox 14">
+            <a:extLst>
+              <a:ext uri="{FF2B5EF4-FFF2-40B4-BE49-F238E27FC236}">
+                <a16:creationId xmlns:a16="http://schemas.microsoft.com/office/drawing/2014/main" id="{2A8FC4C5-F84D-FFCA-4947-56E64E04D775}"/>
+              </a:ext>
+            </a:extLst>
+          </p:cNvPr>
+          <p:cNvSpPr txBox="1"/>
+          <p:nvPr/>
+        </p:nvSpPr>
+        <p:spPr>
+          <a:xfrm>
+            <a:off x="5517932" y="6684579"/>
+            <a:ext cx="3019096" cy="1200329"/>
+          </a:xfrm>
+          <a:prstGeom prst="rect">
+            <a:avLst/>
+          </a:prstGeom>
+          <a:noFill/>
+        </p:spPr>
+        <p:txBody>
           <a:bodyPr wrap="square" rtlCol="0">
             <a:spAutoFit/>
           </a:bodyPr>
           <a:lstStyle/>
           <a:p>
-            <a:pPr algn="ctr"/>
-            <a:r>
-              <a:rPr lang="en-US" dirty="0"/>
-              <a:t>General matrix with m rows and n columns</a:t>
+            <a:r>
+              <a:rPr lang="en-US" dirty="0"/>
+              <a:t>One solution is only off by 0.04%, but due to a cancelation error, the other one is off by 100%</a:t>
+            </a:r>
+          </a:p>
+        </p:txBody>
+      </p:sp>
+      <p:sp>
+        <p:nvSpPr>
+          <p:cNvPr id="20" name="TextBox 19">
+            <a:extLst>
+              <a:ext uri="{FF2B5EF4-FFF2-40B4-BE49-F238E27FC236}">
+                <a16:creationId xmlns:a16="http://schemas.microsoft.com/office/drawing/2014/main" id="{82B24E08-03FB-7A2D-CA91-080F6FE001B3}"/>
+              </a:ext>
+            </a:extLst>
+          </p:cNvPr>
+          <p:cNvSpPr txBox="1"/>
+          <p:nvPr/>
+        </p:nvSpPr>
+        <p:spPr>
+          <a:xfrm>
+            <a:off x="378372" y="8529145"/>
+            <a:ext cx="5667577" cy="369332"/>
+          </a:xfrm>
+          <a:prstGeom prst="rect">
+            <a:avLst/>
+          </a:prstGeom>
+          <a:noFill/>
+        </p:spPr>
+        <p:txBody>
+          <a:bodyPr wrap="none" rtlCol="0">
+            <a:spAutoFit/>
+          </a:bodyPr>
+          <a:lstStyle/>
+          <a:p>
+            <a:r>
+              <a:rPr lang="en-US" dirty="0"/>
+              <a:t>You can reformulate the equation to get a better answer</a:t>
             </a:r>
           </a:p>
         </p:txBody>
       </p:sp>
       <p:pic>
         <p:nvPicPr>
-          <p:cNvPr id="16" name="Picture 15">
+          <p:cNvPr id="22" name="Picture 21">
             <a:extLst>
               <a:ext uri="{FF2B5EF4-FFF2-40B4-BE49-F238E27FC236}">
-                <a16:creationId xmlns:a16="http://schemas.microsoft.com/office/drawing/2014/main" id="{4D8898E8-0F81-1ED8-76D7-54045C03BC1B}"/>
+                <a16:creationId xmlns:a16="http://schemas.microsoft.com/office/drawing/2014/main" id="{09D4244F-20D7-255B-12C0-B1186C1803A3}"/>
               </a:ext>
             </a:extLst>
           </p:cNvPr>
@@ -5586,44 +5637,49 @@
         </p:blipFill>
         <p:spPr>
           <a:xfrm>
-            <a:off x="189187" y="7525961"/>
-            <a:ext cx="3862552" cy="1819579"/>
+            <a:off x="1499789" y="8860416"/>
+            <a:ext cx="5687219" cy="2152950"/>
           </a:xfrm>
           <a:prstGeom prst="rect">
             <a:avLst/>
           </a:prstGeom>
         </p:spPr>
       </p:pic>
-      <p:pic>
-        <p:nvPicPr>
-          <p:cNvPr id="18" name="Picture 17">
+      <p:sp>
+        <p:nvSpPr>
+          <p:cNvPr id="23" name="TextBox 22">
             <a:extLst>
               <a:ext uri="{FF2B5EF4-FFF2-40B4-BE49-F238E27FC236}">
-                <a16:creationId xmlns:a16="http://schemas.microsoft.com/office/drawing/2014/main" id="{5D5BD57A-6293-C513-D8D6-33C4B4AAD398}"/>
+                <a16:creationId xmlns:a16="http://schemas.microsoft.com/office/drawing/2014/main" id="{91BB28B4-B097-FBA5-F0DD-45DF107CF08E}"/>
               </a:ext>
             </a:extLst>
           </p:cNvPr>
-          <p:cNvPicPr>
-            <a:picLocks noChangeAspect="1"/>
-          </p:cNvPicPr>
+          <p:cNvSpPr txBox="1"/>
           <p:nvPr/>
-        </p:nvPicPr>
-        <p:blipFill>
-          <a:blip r:embed="rId5"/>
-          <a:stretch>
-            <a:fillRect/>
-          </a:stretch>
-        </p:blipFill>
-        <p:spPr>
-          <a:xfrm>
-            <a:off x="922283" y="9579237"/>
-            <a:ext cx="6842234" cy="2346492"/>
+        </p:nvSpPr>
+        <p:spPr>
+          <a:xfrm>
+            <a:off x="283779" y="11241680"/>
+            <a:ext cx="8119242" cy="646331"/>
           </a:xfrm>
           <a:prstGeom prst="rect">
             <a:avLst/>
           </a:prstGeom>
-        </p:spPr>
-      </p:pic>
+          <a:noFill/>
+        </p:spPr>
+        <p:txBody>
+          <a:bodyPr wrap="square" rtlCol="0">
+            <a:spAutoFit/>
+          </a:bodyPr>
+          <a:lstStyle/>
+          <a:p>
+            <a:r>
+              <a:rPr lang="en-US" dirty="0"/>
+              <a:t>This may not be very useful now because most function in the computer have a higher accuracy, but later, for differential equations, this becomes more useful</a:t>
+            </a:r>
+          </a:p>
+        </p:txBody>
+      </p:sp>
     </p:spTree>
     <p:extLst>
       <p:ext uri="{BB962C8B-B14F-4D97-AF65-F5344CB8AC3E}">
@@ -5668,7 +5724,7 @@
         </p:nvSpPr>
         <p:spPr>
           <a:xfrm>
-            <a:off x="0" y="236483"/>
+            <a:off x="0" y="6371039"/>
             <a:ext cx="2540952" cy="461665"/>
           </a:xfrm>
           <a:prstGeom prst="rect">
@@ -5703,7 +5759,7 @@
         </p:nvSpPr>
         <p:spPr>
           <a:xfrm>
-            <a:off x="0" y="867105"/>
+            <a:off x="0" y="6955362"/>
             <a:ext cx="8686800" cy="646331"/>
           </a:xfrm>
           <a:prstGeom prst="rect">
@@ -5771,7 +5827,7 @@
         </p:nvSpPr>
         <p:spPr>
           <a:xfrm>
-            <a:off x="0" y="1907628"/>
+            <a:off x="0" y="7724351"/>
             <a:ext cx="8686800" cy="646331"/>
           </a:xfrm>
           <a:prstGeom prst="rect">
@@ -5870,8 +5926,8 @@
         </p:nvSpPr>
         <p:spPr>
           <a:xfrm>
-            <a:off x="0" y="2948151"/>
-            <a:ext cx="8686800" cy="646331"/>
+            <a:off x="0" y="8862805"/>
+            <a:ext cx="4343400" cy="1200329"/>
           </a:xfrm>
           <a:prstGeom prst="rect">
             <a:avLst/>
@@ -5977,7 +6033,7 @@
         </p:blipFill>
         <p:spPr>
           <a:xfrm>
-            <a:off x="4343400" y="3719509"/>
+            <a:off x="4343400" y="8416981"/>
             <a:ext cx="3778469" cy="3569304"/>
           </a:xfrm>
           <a:prstGeom prst="rect">
@@ -5999,7 +6055,7 @@
         </p:nvSpPr>
         <p:spPr>
           <a:xfrm>
-            <a:off x="0" y="3972905"/>
+            <a:off x="0" y="10508957"/>
             <a:ext cx="4343400" cy="1477328"/>
           </a:xfrm>
           <a:prstGeom prst="rect">
@@ -6020,10 +6076,1410 @@
           </a:p>
         </p:txBody>
       </p:sp>
+      <p:pic>
+        <p:nvPicPr>
+          <p:cNvPr id="18" name="Picture 17">
+            <a:extLst>
+              <a:ext uri="{FF2B5EF4-FFF2-40B4-BE49-F238E27FC236}">
+                <a16:creationId xmlns:a16="http://schemas.microsoft.com/office/drawing/2014/main" id="{5D5BD57A-6293-C513-D8D6-33C4B4AAD398}"/>
+              </a:ext>
+            </a:extLst>
+          </p:cNvPr>
+          <p:cNvPicPr>
+            <a:picLocks noChangeAspect="1"/>
+          </p:cNvPicPr>
+          <p:nvPr/>
+        </p:nvPicPr>
+        <p:blipFill>
+          <a:blip r:embed="rId3"/>
+          <a:stretch>
+            <a:fillRect/>
+          </a:stretch>
+        </p:blipFill>
+        <p:spPr>
+          <a:xfrm>
+            <a:off x="922283" y="4056932"/>
+            <a:ext cx="6842234" cy="2346492"/>
+          </a:xfrm>
+          <a:prstGeom prst="rect">
+            <a:avLst/>
+          </a:prstGeom>
+        </p:spPr>
+      </p:pic>
+      <p:sp>
+        <p:nvSpPr>
+          <p:cNvPr id="8" name="TextBox 7">
+            <a:extLst>
+              <a:ext uri="{FF2B5EF4-FFF2-40B4-BE49-F238E27FC236}">
+                <a16:creationId xmlns:a16="http://schemas.microsoft.com/office/drawing/2014/main" id="{C399CD43-C12F-933C-5620-AEBDA7B44BFF}"/>
+              </a:ext>
+            </a:extLst>
+          </p:cNvPr>
+          <p:cNvSpPr txBox="1"/>
+          <p:nvPr/>
+        </p:nvSpPr>
+        <p:spPr>
+          <a:xfrm>
+            <a:off x="0" y="-1153"/>
+            <a:ext cx="7816242" cy="461665"/>
+          </a:xfrm>
+          <a:prstGeom prst="rect">
+            <a:avLst/>
+          </a:prstGeom>
+          <a:noFill/>
+        </p:spPr>
+        <p:txBody>
+          <a:bodyPr wrap="none" rtlCol="0">
+            <a:spAutoFit/>
+          </a:bodyPr>
+          <a:lstStyle/>
+          <a:p>
+            <a:r>
+              <a:rPr lang="en-US" sz="2400" dirty="0"/>
+              <a:t>Fundamental mathematics to know: Vectors and Matrices</a:t>
+            </a:r>
+          </a:p>
+        </p:txBody>
+      </p:sp>
+      <p:sp>
+        <p:nvSpPr>
+          <p:cNvPr id="9" name="TextBox 8">
+            <a:extLst>
+              <a:ext uri="{FF2B5EF4-FFF2-40B4-BE49-F238E27FC236}">
+                <a16:creationId xmlns:a16="http://schemas.microsoft.com/office/drawing/2014/main" id="{0AADD4ED-B52E-A46D-A552-9D638E979823}"/>
+              </a:ext>
+            </a:extLst>
+          </p:cNvPr>
+          <p:cNvSpPr txBox="1"/>
+          <p:nvPr/>
+        </p:nvSpPr>
+        <p:spPr>
+          <a:xfrm>
+            <a:off x="1" y="695862"/>
+            <a:ext cx="4707555" cy="1200329"/>
+          </a:xfrm>
+          <a:prstGeom prst="rect">
+            <a:avLst/>
+          </a:prstGeom>
+          <a:noFill/>
+        </p:spPr>
+        <p:txBody>
+          <a:bodyPr wrap="square" rtlCol="0">
+            <a:spAutoFit/>
+          </a:bodyPr>
+          <a:lstStyle/>
+          <a:p>
+            <a:r>
+              <a:rPr lang="en-US" dirty="0"/>
+              <a:t>A matrix is characterized by the number of rows and columns it has.  Rows are the horizontal elements and columns are the vertical elements.</a:t>
+            </a:r>
+          </a:p>
+        </p:txBody>
+      </p:sp>
+      <p:pic>
+        <p:nvPicPr>
+          <p:cNvPr id="13" name="Picture 12">
+            <a:extLst>
+              <a:ext uri="{FF2B5EF4-FFF2-40B4-BE49-F238E27FC236}">
+                <a16:creationId xmlns:a16="http://schemas.microsoft.com/office/drawing/2014/main" id="{399404D0-CDB7-1D28-E83D-8809F0C1F08B}"/>
+              </a:ext>
+            </a:extLst>
+          </p:cNvPr>
+          <p:cNvPicPr>
+            <a:picLocks noChangeAspect="1"/>
+          </p:cNvPicPr>
+          <p:nvPr/>
+        </p:nvPicPr>
+        <p:blipFill>
+          <a:blip r:embed="rId4"/>
+          <a:stretch>
+            <a:fillRect/>
+          </a:stretch>
+        </p:blipFill>
+        <p:spPr>
+          <a:xfrm>
+            <a:off x="4707557" y="526276"/>
+            <a:ext cx="3370885" cy="2405937"/>
+          </a:xfrm>
+          <a:prstGeom prst="rect">
+            <a:avLst/>
+          </a:prstGeom>
+        </p:spPr>
+      </p:pic>
+      <p:sp>
+        <p:nvSpPr>
+          <p:cNvPr id="14" name="TextBox 13">
+            <a:extLst>
+              <a:ext uri="{FF2B5EF4-FFF2-40B4-BE49-F238E27FC236}">
+                <a16:creationId xmlns:a16="http://schemas.microsoft.com/office/drawing/2014/main" id="{AADC5E97-FDB6-8728-DF3D-E9ADCF9CF64E}"/>
+              </a:ext>
+            </a:extLst>
+          </p:cNvPr>
+          <p:cNvSpPr txBox="1"/>
+          <p:nvPr/>
+        </p:nvSpPr>
+        <p:spPr>
+          <a:xfrm>
+            <a:off x="4726202" y="3039678"/>
+            <a:ext cx="3090040" cy="646331"/>
+          </a:xfrm>
+          <a:prstGeom prst="rect">
+            <a:avLst/>
+          </a:prstGeom>
+          <a:noFill/>
+        </p:spPr>
+        <p:txBody>
+          <a:bodyPr wrap="square" rtlCol="0">
+            <a:spAutoFit/>
+          </a:bodyPr>
+          <a:lstStyle/>
+          <a:p>
+            <a:pPr algn="ctr"/>
+            <a:r>
+              <a:rPr lang="en-US" dirty="0"/>
+              <a:t>General matrix with m rows and n columns</a:t>
+            </a:r>
+          </a:p>
+        </p:txBody>
+      </p:sp>
+      <p:pic>
+        <p:nvPicPr>
+          <p:cNvPr id="16" name="Picture 15">
+            <a:extLst>
+              <a:ext uri="{FF2B5EF4-FFF2-40B4-BE49-F238E27FC236}">
+                <a16:creationId xmlns:a16="http://schemas.microsoft.com/office/drawing/2014/main" id="{4D8898E8-0F81-1ED8-76D7-54045C03BC1B}"/>
+              </a:ext>
+            </a:extLst>
+          </p:cNvPr>
+          <p:cNvPicPr>
+            <a:picLocks noChangeAspect="1"/>
+          </p:cNvPicPr>
+          <p:nvPr/>
+        </p:nvPicPr>
+        <p:blipFill>
+          <a:blip r:embed="rId5"/>
+          <a:stretch>
+            <a:fillRect/>
+          </a:stretch>
+        </p:blipFill>
+        <p:spPr>
+          <a:xfrm>
+            <a:off x="189188" y="2129888"/>
+            <a:ext cx="3862552" cy="1819579"/>
+          </a:xfrm>
+          <a:prstGeom prst="rect">
+            <a:avLst/>
+          </a:prstGeom>
+        </p:spPr>
+      </p:pic>
     </p:spTree>
     <p:extLst>
       <p:ext uri="{BB962C8B-B14F-4D97-AF65-F5344CB8AC3E}">
         <p14:creationId xmlns:p14="http://schemas.microsoft.com/office/powerpoint/2010/main" val="2668114465"/>
+      </p:ext>
+    </p:extLst>
+  </p:cSld>
+  <p:clrMapOvr>
+    <a:masterClrMapping/>
+  </p:clrMapOvr>
+</p:sld>
+</file>
+
+<file path=ppt/slides/slide6.xml><?xml version="1.0" encoding="utf-8"?>
+<p:sld xmlns:a="http://schemas.openxmlformats.org/drawingml/2006/main" xmlns:r="http://schemas.openxmlformats.org/officeDocument/2006/relationships" xmlns:p="http://schemas.openxmlformats.org/presentationml/2006/main">
+  <p:cSld>
+    <p:spTree>
+      <p:nvGrpSpPr>
+        <p:cNvPr id="1" name=""/>
+        <p:cNvGrpSpPr/>
+        <p:nvPr/>
+      </p:nvGrpSpPr>
+      <p:grpSpPr>
+        <a:xfrm>
+          <a:off x="0" y="0"/>
+          <a:ext cx="0" cy="0"/>
+          <a:chOff x="0" y="0"/>
+          <a:chExt cx="0" cy="0"/>
+        </a:xfrm>
+      </p:grpSpPr>
+      <p:sp>
+        <p:nvSpPr>
+          <p:cNvPr id="2" name="TextBox 1">
+            <a:extLst>
+              <a:ext uri="{FF2B5EF4-FFF2-40B4-BE49-F238E27FC236}">
+                <a16:creationId xmlns:a16="http://schemas.microsoft.com/office/drawing/2014/main" id="{EAEEC3F7-6ABD-2435-C5D2-7489825E90EB}"/>
+              </a:ext>
+            </a:extLst>
+          </p:cNvPr>
+          <p:cNvSpPr txBox="1"/>
+          <p:nvPr/>
+        </p:nvSpPr>
+        <p:spPr>
+          <a:xfrm>
+            <a:off x="1710179" y="215679"/>
+            <a:ext cx="5266442" cy="830997"/>
+          </a:xfrm>
+          <a:prstGeom prst="rect">
+            <a:avLst/>
+          </a:prstGeom>
+          <a:noFill/>
+        </p:spPr>
+        <p:txBody>
+          <a:bodyPr wrap="none" rtlCol="0">
+            <a:spAutoFit/>
+          </a:bodyPr>
+          <a:lstStyle/>
+          <a:p>
+            <a:r>
+              <a:rPr lang="en-US" sz="4800" dirty="0"/>
+              <a:t>Chapter 2: MATLAB</a:t>
+            </a:r>
+          </a:p>
+        </p:txBody>
+      </p:sp>
+      <p:sp>
+        <p:nvSpPr>
+          <p:cNvPr id="3" name="TextBox 2">
+            <a:extLst>
+              <a:ext uri="{FF2B5EF4-FFF2-40B4-BE49-F238E27FC236}">
+                <a16:creationId xmlns:a16="http://schemas.microsoft.com/office/drawing/2014/main" id="{B38A0FE9-6808-5F34-0F94-FC132651BBD2}"/>
+              </a:ext>
+            </a:extLst>
+          </p:cNvPr>
+          <p:cNvSpPr txBox="1"/>
+          <p:nvPr/>
+        </p:nvSpPr>
+        <p:spPr>
+          <a:xfrm>
+            <a:off x="0" y="1046676"/>
+            <a:ext cx="7554825" cy="6740307"/>
+          </a:xfrm>
+          <a:prstGeom prst="rect">
+            <a:avLst/>
+          </a:prstGeom>
+          <a:noFill/>
+        </p:spPr>
+        <p:txBody>
+          <a:bodyPr wrap="none" rtlCol="0">
+            <a:spAutoFit/>
+          </a:bodyPr>
+          <a:lstStyle/>
+          <a:p>
+            <a:r>
+              <a:rPr lang="en-US" dirty="0"/>
+              <a:t>Variables</a:t>
+            </a:r>
+          </a:p>
+          <a:p>
+            <a:pPr marL="285750" indent="-285750">
+              <a:buFont typeface="Arial" panose="020B0604020202020204" pitchFamily="34" charset="0"/>
+              <a:buChar char="•"/>
+            </a:pPr>
+            <a:r>
+              <a:rPr lang="en-US" dirty="0"/>
+              <a:t>Can store numbers, strings or unknown quantities</a:t>
+            </a:r>
+          </a:p>
+          <a:p>
+            <a:pPr marL="285750" indent="-285750">
+              <a:buFont typeface="Arial" panose="020B0604020202020204" pitchFamily="34" charset="0"/>
+              <a:buChar char="•"/>
+            </a:pPr>
+            <a:r>
+              <a:rPr lang="en-US" dirty="0"/>
+              <a:t>Variable names operate like python, assignments are like python as well</a:t>
+            </a:r>
+          </a:p>
+          <a:p>
+            <a:pPr marL="285750" indent="-285750">
+              <a:buFont typeface="Arial" panose="020B0604020202020204" pitchFamily="34" charset="0"/>
+              <a:buChar char="•"/>
+            </a:pPr>
+            <a:r>
+              <a:rPr lang="en-US" dirty="0"/>
+              <a:t>Globally defined</a:t>
+            </a:r>
+          </a:p>
+          <a:p>
+            <a:pPr marL="285750" indent="-285750">
+              <a:buFont typeface="Arial" panose="020B0604020202020204" pitchFamily="34" charset="0"/>
+              <a:buChar char="•"/>
+            </a:pPr>
+            <a:r>
+              <a:rPr lang="en-US" dirty="0"/>
+              <a:t>Floats are double by default</a:t>
+            </a:r>
+          </a:p>
+          <a:p>
+            <a:pPr marL="285750" indent="-285750">
+              <a:buFont typeface="Arial" panose="020B0604020202020204" pitchFamily="34" charset="0"/>
+              <a:buChar char="•"/>
+            </a:pPr>
+            <a:endParaRPr lang="en-US" dirty="0"/>
+          </a:p>
+          <a:p>
+            <a:r>
+              <a:rPr lang="en-US" dirty="0"/>
+              <a:t>Operators</a:t>
+            </a:r>
+          </a:p>
+          <a:p>
+            <a:pPr marL="285750" indent="-285750">
+              <a:buFont typeface="Arial" panose="020B0604020202020204" pitchFamily="34" charset="0"/>
+              <a:buChar char="•"/>
+            </a:pPr>
+            <a:r>
+              <a:rPr lang="en-US" dirty="0"/>
+              <a:t>‘+’ addition</a:t>
+            </a:r>
+          </a:p>
+          <a:p>
+            <a:pPr marL="285750" indent="-285750">
+              <a:buFont typeface="Arial" panose="020B0604020202020204" pitchFamily="34" charset="0"/>
+              <a:buChar char="•"/>
+            </a:pPr>
+            <a:r>
+              <a:rPr lang="en-US" dirty="0"/>
+              <a:t>‘-’ subtraction</a:t>
+            </a:r>
+          </a:p>
+          <a:p>
+            <a:pPr marL="285750" indent="-285750">
+              <a:buFont typeface="Arial" panose="020B0604020202020204" pitchFamily="34" charset="0"/>
+              <a:buChar char="•"/>
+            </a:pPr>
+            <a:r>
+              <a:rPr lang="en-US" dirty="0"/>
+              <a:t>‘*’ multiplication</a:t>
+            </a:r>
+          </a:p>
+          <a:p>
+            <a:pPr marL="285750" indent="-285750">
+              <a:buFont typeface="Arial" panose="020B0604020202020204" pitchFamily="34" charset="0"/>
+              <a:buChar char="•"/>
+            </a:pPr>
+            <a:r>
+              <a:rPr lang="en-US" dirty="0"/>
+              <a:t>‘/’ division</a:t>
+            </a:r>
+          </a:p>
+          <a:p>
+            <a:pPr marL="285750" indent="-285750">
+              <a:buFont typeface="Arial" panose="020B0604020202020204" pitchFamily="34" charset="0"/>
+              <a:buChar char="•"/>
+            </a:pPr>
+            <a:r>
+              <a:rPr lang="en-US" dirty="0"/>
+              <a:t>‘^’ exponentiation</a:t>
+            </a:r>
+          </a:p>
+          <a:p>
+            <a:pPr marL="285750" indent="-285750">
+              <a:buFont typeface="Arial" panose="020B0604020202020204" pitchFamily="34" charset="0"/>
+              <a:buChar char="•"/>
+            </a:pPr>
+            <a:endParaRPr lang="en-US" dirty="0"/>
+          </a:p>
+          <a:p>
+            <a:r>
+              <a:rPr lang="en-US" dirty="0"/>
+              <a:t>Syntax special variables</a:t>
+            </a:r>
+          </a:p>
+          <a:p>
+            <a:pPr marL="285750" indent="-285750">
+              <a:buFont typeface="Arial" panose="020B0604020202020204" pitchFamily="34" charset="0"/>
+              <a:buChar char="•"/>
+            </a:pPr>
+            <a:r>
+              <a:rPr lang="en-US" dirty="0"/>
+              <a:t>‘ans’ used to store the result of an expression</a:t>
+            </a:r>
+          </a:p>
+          <a:p>
+            <a:pPr marL="285750" indent="-285750">
+              <a:buFont typeface="Arial" panose="020B0604020202020204" pitchFamily="34" charset="0"/>
+              <a:buChar char="•"/>
+            </a:pPr>
+            <a:r>
+              <a:rPr lang="en-US" dirty="0"/>
+              <a:t>‘clock’ variable that contains the current time</a:t>
+            </a:r>
+          </a:p>
+          <a:p>
+            <a:pPr marL="285750" indent="-285750">
+              <a:buFont typeface="Arial" panose="020B0604020202020204" pitchFamily="34" charset="0"/>
+              <a:buChar char="•"/>
+            </a:pPr>
+            <a:r>
+              <a:rPr lang="en-US" dirty="0"/>
+              <a:t>‘date’ contains the current day</a:t>
+            </a:r>
+          </a:p>
+          <a:p>
+            <a:pPr marL="285750" indent="-285750">
+              <a:buFont typeface="Arial" panose="020B0604020202020204" pitchFamily="34" charset="0"/>
+              <a:buChar char="•"/>
+            </a:pPr>
+            <a:r>
+              <a:rPr lang="en-US" dirty="0"/>
+              <a:t>‘i’ sqrt(-1)</a:t>
+            </a:r>
+          </a:p>
+          <a:p>
+            <a:pPr marL="285750" indent="-285750">
+              <a:buFont typeface="Arial" panose="020B0604020202020204" pitchFamily="34" charset="0"/>
+              <a:buChar char="•"/>
+            </a:pPr>
+            <a:r>
+              <a:rPr lang="en-US" dirty="0"/>
+              <a:t>‘Inf’ when a number exceeds the maximum or minimum number</a:t>
+            </a:r>
+          </a:p>
+          <a:p>
+            <a:pPr marL="742950" lvl="1" indent="-285750">
+              <a:buFont typeface="Arial" panose="020B0604020202020204" pitchFamily="34" charset="0"/>
+              <a:buChar char="•"/>
+            </a:pPr>
+            <a:r>
+              <a:rPr lang="en-US" dirty="0"/>
+              <a:t>&gt;1.7E308 or &lt;-1.7E308</a:t>
+            </a:r>
+          </a:p>
+          <a:p>
+            <a:pPr marL="285750" indent="-285750">
+              <a:buFont typeface="Arial" panose="020B0604020202020204" pitchFamily="34" charset="0"/>
+              <a:buChar char="•"/>
+            </a:pPr>
+            <a:r>
+              <a:rPr lang="en-US" dirty="0"/>
+              <a:t>‘j’ sqrt(-1)</a:t>
+            </a:r>
+          </a:p>
+          <a:p>
+            <a:pPr marL="285750" indent="-285750">
+              <a:buFont typeface="Arial" panose="020B0604020202020204" pitchFamily="34" charset="0"/>
+              <a:buChar char="•"/>
+            </a:pPr>
+            <a:r>
+              <a:rPr lang="en-US" dirty="0"/>
+              <a:t>‘NaN’ stands for not a number</a:t>
+            </a:r>
+          </a:p>
+          <a:p>
+            <a:pPr marL="742950" lvl="1" indent="-285750">
+              <a:buFont typeface="Arial" panose="020B0604020202020204" pitchFamily="34" charset="0"/>
+              <a:buChar char="•"/>
+            </a:pPr>
+            <a:r>
+              <a:rPr lang="en-US" dirty="0"/>
+              <a:t>Usually, the result of an undefined math operation (0/0 or log(-2))</a:t>
+            </a:r>
+          </a:p>
+          <a:p>
+            <a:pPr marL="285750" indent="-285750">
+              <a:buFont typeface="Arial" panose="020B0604020202020204" pitchFamily="34" charset="0"/>
+              <a:buChar char="•"/>
+            </a:pPr>
+            <a:r>
+              <a:rPr lang="en-US" dirty="0"/>
+              <a:t>‘pi’ pi to 15 sig digits</a:t>
+            </a:r>
+          </a:p>
+        </p:txBody>
+      </p:sp>
+      <p:pic>
+        <p:nvPicPr>
+          <p:cNvPr id="5" name="Picture 4">
+            <a:extLst>
+              <a:ext uri="{FF2B5EF4-FFF2-40B4-BE49-F238E27FC236}">
+                <a16:creationId xmlns:a16="http://schemas.microsoft.com/office/drawing/2014/main" id="{C373702F-BCA4-ADAB-8CFC-8D59DCFB2F2B}"/>
+              </a:ext>
+            </a:extLst>
+          </p:cNvPr>
+          <p:cNvPicPr>
+            <a:picLocks noChangeAspect="1"/>
+          </p:cNvPicPr>
+          <p:nvPr/>
+        </p:nvPicPr>
+        <p:blipFill>
+          <a:blip r:embed="rId2"/>
+          <a:stretch>
+            <a:fillRect/>
+          </a:stretch>
+        </p:blipFill>
+        <p:spPr>
+          <a:xfrm>
+            <a:off x="649528" y="8029040"/>
+            <a:ext cx="6905297" cy="3688139"/>
+          </a:xfrm>
+          <a:prstGeom prst="rect">
+            <a:avLst/>
+          </a:prstGeom>
+        </p:spPr>
+      </p:pic>
+    </p:spTree>
+    <p:extLst>
+      <p:ext uri="{BB962C8B-B14F-4D97-AF65-F5344CB8AC3E}">
+        <p14:creationId xmlns:p14="http://schemas.microsoft.com/office/powerpoint/2010/main" val="2443503639"/>
+      </p:ext>
+    </p:extLst>
+  </p:cSld>
+  <p:clrMapOvr>
+    <a:masterClrMapping/>
+  </p:clrMapOvr>
+</p:sld>
+</file>
+
+<file path=ppt/slides/slide7.xml><?xml version="1.0" encoding="utf-8"?>
+<p:sld xmlns:a="http://schemas.openxmlformats.org/drawingml/2006/main" xmlns:r="http://schemas.openxmlformats.org/officeDocument/2006/relationships" xmlns:p="http://schemas.openxmlformats.org/presentationml/2006/main">
+  <p:cSld>
+    <p:spTree>
+      <p:nvGrpSpPr>
+        <p:cNvPr id="1" name=""/>
+        <p:cNvGrpSpPr/>
+        <p:nvPr/>
+      </p:nvGrpSpPr>
+      <p:grpSpPr>
+        <a:xfrm>
+          <a:off x="0" y="0"/>
+          <a:ext cx="0" cy="0"/>
+          <a:chOff x="0" y="0"/>
+          <a:chExt cx="0" cy="0"/>
+        </a:xfrm>
+      </p:grpSpPr>
+      <p:pic>
+        <p:nvPicPr>
+          <p:cNvPr id="3" name="Picture 2">
+            <a:extLst>
+              <a:ext uri="{FF2B5EF4-FFF2-40B4-BE49-F238E27FC236}">
+                <a16:creationId xmlns:a16="http://schemas.microsoft.com/office/drawing/2014/main" id="{E9AABF43-1270-4988-9A69-7F4A9212BA13}"/>
+              </a:ext>
+            </a:extLst>
+          </p:cNvPr>
+          <p:cNvPicPr>
+            <a:picLocks noChangeAspect="1"/>
+          </p:cNvPicPr>
+          <p:nvPr/>
+        </p:nvPicPr>
+        <p:blipFill>
+          <a:blip r:embed="rId2"/>
+          <a:stretch>
+            <a:fillRect/>
+          </a:stretch>
+        </p:blipFill>
+        <p:spPr>
+          <a:xfrm>
+            <a:off x="2375830" y="105405"/>
+            <a:ext cx="3935139" cy="3540882"/>
+          </a:xfrm>
+          <a:prstGeom prst="rect">
+            <a:avLst/>
+          </a:prstGeom>
+        </p:spPr>
+      </p:pic>
+      <p:pic>
+        <p:nvPicPr>
+          <p:cNvPr id="7" name="Picture 6">
+            <a:extLst>
+              <a:ext uri="{FF2B5EF4-FFF2-40B4-BE49-F238E27FC236}">
+                <a16:creationId xmlns:a16="http://schemas.microsoft.com/office/drawing/2014/main" id="{B11B3BC2-D5D5-F664-29E8-FBA51CE6ACDE}"/>
+              </a:ext>
+            </a:extLst>
+          </p:cNvPr>
+          <p:cNvPicPr>
+            <a:picLocks noChangeAspect="1"/>
+          </p:cNvPicPr>
+          <p:nvPr/>
+        </p:nvPicPr>
+        <p:blipFill>
+          <a:blip r:embed="rId3"/>
+          <a:stretch>
+            <a:fillRect/>
+          </a:stretch>
+        </p:blipFill>
+        <p:spPr>
+          <a:xfrm>
+            <a:off x="0" y="3768761"/>
+            <a:ext cx="8686800" cy="2636492"/>
+          </a:xfrm>
+          <a:prstGeom prst="rect">
+            <a:avLst/>
+          </a:prstGeom>
+        </p:spPr>
+      </p:pic>
+      <p:sp>
+        <p:nvSpPr>
+          <p:cNvPr id="8" name="TextBox 7">
+            <a:extLst>
+              <a:ext uri="{FF2B5EF4-FFF2-40B4-BE49-F238E27FC236}">
+                <a16:creationId xmlns:a16="http://schemas.microsoft.com/office/drawing/2014/main" id="{DF04E402-9DE9-73DC-5745-EBC5C88BA713}"/>
+              </a:ext>
+            </a:extLst>
+          </p:cNvPr>
+          <p:cNvSpPr txBox="1"/>
+          <p:nvPr/>
+        </p:nvSpPr>
+        <p:spPr>
+          <a:xfrm>
+            <a:off x="0" y="7092262"/>
+            <a:ext cx="8686800" cy="923330"/>
+          </a:xfrm>
+          <a:prstGeom prst="rect">
+            <a:avLst/>
+          </a:prstGeom>
+          <a:noFill/>
+        </p:spPr>
+        <p:txBody>
+          <a:bodyPr wrap="square" rtlCol="0">
+            <a:spAutoFit/>
+          </a:bodyPr>
+          <a:lstStyle/>
+          <a:p>
+            <a:pPr marL="285750" indent="-285750">
+              <a:buFont typeface="Arial" panose="020B0604020202020204" pitchFamily="34" charset="0"/>
+              <a:buChar char="•"/>
+            </a:pPr>
+            <a:r>
+              <a:rPr lang="en-US" dirty="0"/>
+              <a:t>Use a semicolon at the end of a line to prevent it from printing on the command line</a:t>
+            </a:r>
+          </a:p>
+          <a:p>
+            <a:pPr marL="285750" indent="-285750">
+              <a:buFont typeface="Arial" panose="020B0604020202020204" pitchFamily="34" charset="0"/>
+              <a:buChar char="•"/>
+            </a:pPr>
+            <a:r>
+              <a:rPr lang="en-US" dirty="0"/>
+              <a:t>Use ‘%’ to comment</a:t>
+            </a:r>
+          </a:p>
+          <a:p>
+            <a:pPr marL="285750" indent="-285750">
+              <a:buFont typeface="Arial" panose="020B0604020202020204" pitchFamily="34" charset="0"/>
+              <a:buChar char="•"/>
+            </a:pPr>
+            <a:r>
+              <a:rPr lang="en-US" dirty="0"/>
+              <a:t>Use ‘%%’ to designate sections</a:t>
+            </a:r>
+          </a:p>
+        </p:txBody>
+      </p:sp>
+      <p:sp>
+        <p:nvSpPr>
+          <p:cNvPr id="9" name="TextBox 8">
+            <a:extLst>
+              <a:ext uri="{FF2B5EF4-FFF2-40B4-BE49-F238E27FC236}">
+                <a16:creationId xmlns:a16="http://schemas.microsoft.com/office/drawing/2014/main" id="{FBBFAFBF-8BF7-2899-492A-ECB482595691}"/>
+              </a:ext>
+            </a:extLst>
+          </p:cNvPr>
+          <p:cNvSpPr txBox="1"/>
+          <p:nvPr/>
+        </p:nvSpPr>
+        <p:spPr>
+          <a:xfrm>
+            <a:off x="0" y="6629795"/>
+            <a:ext cx="1560042" cy="461665"/>
+          </a:xfrm>
+          <a:prstGeom prst="rect">
+            <a:avLst/>
+          </a:prstGeom>
+          <a:noFill/>
+        </p:spPr>
+        <p:txBody>
+          <a:bodyPr wrap="none" rtlCol="0">
+            <a:spAutoFit/>
+          </a:bodyPr>
+          <a:lstStyle/>
+          <a:p>
+            <a:r>
+              <a:rPr lang="en-US" sz="2400" dirty="0"/>
+              <a:t>Some Tips</a:t>
+            </a:r>
+          </a:p>
+        </p:txBody>
+      </p:sp>
+    </p:spTree>
+    <p:extLst>
+      <p:ext uri="{BB962C8B-B14F-4D97-AF65-F5344CB8AC3E}">
+        <p14:creationId xmlns:p14="http://schemas.microsoft.com/office/powerpoint/2010/main" val="3295380382"/>
+      </p:ext>
+    </p:extLst>
+  </p:cSld>
+  <p:clrMapOvr>
+    <a:masterClrMapping/>
+  </p:clrMapOvr>
+</p:sld>
+</file>
+
+<file path=ppt/slides/slide8.xml><?xml version="1.0" encoding="utf-8"?>
+<p:sld xmlns:a="http://schemas.openxmlformats.org/drawingml/2006/main" xmlns:r="http://schemas.openxmlformats.org/officeDocument/2006/relationships" xmlns:p="http://schemas.openxmlformats.org/presentationml/2006/main">
+  <p:cSld>
+    <p:spTree>
+      <p:nvGrpSpPr>
+        <p:cNvPr id="1" name=""/>
+        <p:cNvGrpSpPr/>
+        <p:nvPr/>
+      </p:nvGrpSpPr>
+      <p:grpSpPr>
+        <a:xfrm>
+          <a:off x="0" y="0"/>
+          <a:ext cx="0" cy="0"/>
+          <a:chOff x="0" y="0"/>
+          <a:chExt cx="0" cy="0"/>
+        </a:xfrm>
+      </p:grpSpPr>
+      <p:sp>
+        <p:nvSpPr>
+          <p:cNvPr id="2" name="TextBox 1">
+            <a:extLst>
+              <a:ext uri="{FF2B5EF4-FFF2-40B4-BE49-F238E27FC236}">
+                <a16:creationId xmlns:a16="http://schemas.microsoft.com/office/drawing/2014/main" id="{93AA76E8-040E-34F4-315D-92C6FF39AC8B}"/>
+              </a:ext>
+            </a:extLst>
+          </p:cNvPr>
+          <p:cNvSpPr txBox="1"/>
+          <p:nvPr/>
+        </p:nvSpPr>
+        <p:spPr>
+          <a:xfrm>
+            <a:off x="0" y="0"/>
+            <a:ext cx="3443956" cy="523220"/>
+          </a:xfrm>
+          <a:prstGeom prst="rect">
+            <a:avLst/>
+          </a:prstGeom>
+          <a:noFill/>
+        </p:spPr>
+        <p:txBody>
+          <a:bodyPr wrap="none" rtlCol="0">
+            <a:spAutoFit/>
+          </a:bodyPr>
+          <a:lstStyle/>
+          <a:p>
+            <a:r>
+              <a:rPr lang="en-US" sz="2800" dirty="0"/>
+              <a:t>Matrices and Vectors</a:t>
+            </a:r>
+          </a:p>
+        </p:txBody>
+      </p:sp>
+      <p:sp>
+        <p:nvSpPr>
+          <p:cNvPr id="3" name="TextBox 2">
+            <a:extLst>
+              <a:ext uri="{FF2B5EF4-FFF2-40B4-BE49-F238E27FC236}">
+                <a16:creationId xmlns:a16="http://schemas.microsoft.com/office/drawing/2014/main" id="{7ED9BEFA-0357-8C60-116E-72B7EA619A73}"/>
+              </a:ext>
+            </a:extLst>
+          </p:cNvPr>
+          <p:cNvSpPr txBox="1"/>
+          <p:nvPr/>
+        </p:nvSpPr>
+        <p:spPr>
+          <a:xfrm>
+            <a:off x="1" y="523220"/>
+            <a:ext cx="4343400" cy="2862322"/>
+          </a:xfrm>
+          <a:prstGeom prst="rect">
+            <a:avLst/>
+          </a:prstGeom>
+          <a:noFill/>
+        </p:spPr>
+        <p:txBody>
+          <a:bodyPr wrap="square" rtlCol="0">
+            <a:spAutoFit/>
+          </a:bodyPr>
+          <a:lstStyle/>
+          <a:p>
+            <a:r>
+              <a:rPr lang="en-US" dirty="0"/>
+              <a:t>Creating vectors</a:t>
+            </a:r>
+          </a:p>
+          <a:p>
+            <a:pPr marL="285750" indent="-285750">
+              <a:buFont typeface="Arial" panose="020B0604020202020204" pitchFamily="34" charset="0"/>
+              <a:buChar char="•"/>
+            </a:pPr>
+            <a:r>
+              <a:rPr lang="en-US" dirty="0"/>
+              <a:t>Creating a row vector: v = [1, 2, 3]</a:t>
+            </a:r>
+          </a:p>
+          <a:p>
+            <a:pPr marL="285750" indent="-285750">
+              <a:buFont typeface="Arial" panose="020B0604020202020204" pitchFamily="34" charset="0"/>
+              <a:buChar char="•"/>
+            </a:pPr>
+            <a:r>
+              <a:rPr lang="en-US" dirty="0"/>
+              <a:t>Creating a column vector: v=[1; 2; 3]</a:t>
+            </a:r>
+          </a:p>
+          <a:p>
+            <a:pPr marL="285750" indent="-285750">
+              <a:buFont typeface="Arial" panose="020B0604020202020204" pitchFamily="34" charset="0"/>
+              <a:buChar char="•"/>
+            </a:pPr>
+            <a:endParaRPr lang="en-US" dirty="0"/>
+          </a:p>
+          <a:p>
+            <a:pPr marL="285750" indent="-285750">
+              <a:buFont typeface="Arial" panose="020B0604020202020204" pitchFamily="34" charset="0"/>
+              <a:buChar char="•"/>
+            </a:pPr>
+            <a:r>
+              <a:rPr lang="en-US" dirty="0"/>
+              <a:t>Creating a larger vector:</a:t>
+            </a:r>
+          </a:p>
+          <a:p>
+            <a:pPr marL="742950" lvl="1" indent="-285750">
+              <a:buFont typeface="Arial" panose="020B0604020202020204" pitchFamily="34" charset="0"/>
+              <a:buChar char="•"/>
+            </a:pPr>
+            <a:r>
+              <a:rPr lang="en-US" dirty="0"/>
+              <a:t>v = [start:step:stop]</a:t>
+            </a:r>
+          </a:p>
+          <a:p>
+            <a:pPr marL="1200150" lvl="2" indent="-285750">
+              <a:buFont typeface="Arial" panose="020B0604020202020204" pitchFamily="34" charset="0"/>
+              <a:buChar char="•"/>
+            </a:pPr>
+            <a:r>
+              <a:rPr lang="en-US" dirty="0"/>
+              <a:t>The stop is inclusive</a:t>
+            </a:r>
+          </a:p>
+          <a:p>
+            <a:pPr marL="742950" lvl="1" indent="-285750">
+              <a:buFont typeface="Arial" panose="020B0604020202020204" pitchFamily="34" charset="0"/>
+              <a:buChar char="•"/>
+            </a:pPr>
+            <a:r>
+              <a:rPr lang="en-US" dirty="0"/>
+              <a:t>v = Linspace(start, stop, # of indices)</a:t>
+            </a:r>
+          </a:p>
+          <a:p>
+            <a:pPr marL="742950" lvl="1" indent="-285750">
+              <a:buFont typeface="Arial" panose="020B0604020202020204" pitchFamily="34" charset="0"/>
+              <a:buChar char="•"/>
+            </a:pPr>
+            <a:endParaRPr lang="en-US" dirty="0"/>
+          </a:p>
+        </p:txBody>
+      </p:sp>
+      <p:sp>
+        <p:nvSpPr>
+          <p:cNvPr id="4" name="TextBox 3">
+            <a:extLst>
+              <a:ext uri="{FF2B5EF4-FFF2-40B4-BE49-F238E27FC236}">
+                <a16:creationId xmlns:a16="http://schemas.microsoft.com/office/drawing/2014/main" id="{ECAF3E1B-1BAF-FFCD-2508-8D6B70807EDB}"/>
+              </a:ext>
+            </a:extLst>
+          </p:cNvPr>
+          <p:cNvSpPr txBox="1"/>
+          <p:nvPr/>
+        </p:nvSpPr>
+        <p:spPr>
+          <a:xfrm>
+            <a:off x="4343399" y="0"/>
+            <a:ext cx="4343400" cy="3972910"/>
+          </a:xfrm>
+          <a:prstGeom prst="rect">
+            <a:avLst/>
+          </a:prstGeom>
+          <a:noFill/>
+        </p:spPr>
+        <p:txBody>
+          <a:bodyPr wrap="square" rtlCol="0">
+            <a:spAutoFit/>
+          </a:bodyPr>
+          <a:lstStyle/>
+          <a:p>
+            <a:endParaRPr lang="en-US"/>
+          </a:p>
+          <a:p>
+            <a:r>
+              <a:rPr lang="en-US"/>
+              <a:t>Transposing Vectors</a:t>
+            </a:r>
+          </a:p>
+          <a:p>
+            <a:pPr marL="285750" indent="-285750">
+              <a:buFont typeface="Arial" panose="020B0604020202020204" pitchFamily="34" charset="0"/>
+              <a:buChar char="•"/>
+            </a:pPr>
+            <a:r>
+              <a:rPr lang="en-US"/>
+              <a:t>v = v’</a:t>
+            </a:r>
+          </a:p>
+          <a:p>
+            <a:pPr marL="285750" indent="-285750">
+              <a:buFont typeface="Arial" panose="020B0604020202020204" pitchFamily="34" charset="0"/>
+              <a:buChar char="•"/>
+            </a:pPr>
+            <a:endParaRPr lang="en-US"/>
+          </a:p>
+          <a:p>
+            <a:r>
+              <a:rPr lang="en-US"/>
+              <a:t>Some Vector info</a:t>
+            </a:r>
+          </a:p>
+          <a:p>
+            <a:pPr marL="285750" indent="-285750">
+              <a:buFont typeface="Arial" panose="020B0604020202020204" pitchFamily="34" charset="0"/>
+              <a:buChar char="•"/>
+            </a:pPr>
+            <a:r>
+              <a:rPr lang="en-US"/>
+              <a:t>Get a certain value from a vector</a:t>
+            </a:r>
+          </a:p>
+          <a:p>
+            <a:pPr marL="742950" lvl="1" indent="-285750">
+              <a:buFont typeface="Arial" panose="020B0604020202020204" pitchFamily="34" charset="0"/>
+              <a:buChar char="•"/>
+            </a:pPr>
+            <a:r>
+              <a:rPr lang="en-US"/>
+              <a:t>v(index)</a:t>
+            </a:r>
+          </a:p>
+          <a:p>
+            <a:pPr marL="1200150" lvl="2" indent="-285750">
+              <a:buFont typeface="Arial" panose="020B0604020202020204" pitchFamily="34" charset="0"/>
+              <a:buChar char="•"/>
+            </a:pPr>
+            <a:r>
+              <a:rPr lang="en-US"/>
+              <a:t>Indices start at 1, not 0</a:t>
+            </a:r>
+          </a:p>
+          <a:p>
+            <a:pPr marL="285750" indent="-285750">
+              <a:buFont typeface="Arial" panose="020B0604020202020204" pitchFamily="34" charset="0"/>
+              <a:buChar char="•"/>
+            </a:pPr>
+            <a:r>
+              <a:rPr lang="en-US"/>
+              <a:t>Max and min</a:t>
+            </a:r>
+          </a:p>
+          <a:p>
+            <a:pPr marL="742950" lvl="1" indent="-285750">
+              <a:buFont typeface="Arial" panose="020B0604020202020204" pitchFamily="34" charset="0"/>
+              <a:buChar char="•"/>
+            </a:pPr>
+            <a:r>
+              <a:rPr lang="en-US"/>
+              <a:t>[value, index] = max(v)</a:t>
+            </a:r>
+          </a:p>
+          <a:p>
+            <a:pPr marL="742950" lvl="1" indent="-285750">
+              <a:buFont typeface="Arial" panose="020B0604020202020204" pitchFamily="34" charset="0"/>
+              <a:buChar char="•"/>
+            </a:pPr>
+            <a:r>
+              <a:rPr lang="en-US"/>
+              <a:t>[value, index] = min(v)</a:t>
+            </a:r>
+          </a:p>
+          <a:p>
+            <a:pPr marL="742950" lvl="1" indent="-285750">
+              <a:buFont typeface="Arial" panose="020B0604020202020204" pitchFamily="34" charset="0"/>
+              <a:buChar char="•"/>
+            </a:pPr>
+            <a:endParaRPr lang="en-US"/>
+          </a:p>
+          <a:p>
+            <a:pPr marL="285750" indent="-285750">
+              <a:buFont typeface="Arial" panose="020B0604020202020204" pitchFamily="34" charset="0"/>
+              <a:buChar char="•"/>
+            </a:pPr>
+            <a:r>
+              <a:rPr lang="en-US"/>
+              <a:t>Length</a:t>
+            </a:r>
+          </a:p>
+          <a:p>
+            <a:pPr marL="742950" lvl="1" indent="-285750">
+              <a:buFont typeface="Arial" panose="020B0604020202020204" pitchFamily="34" charset="0"/>
+              <a:buChar char="•"/>
+            </a:pPr>
+            <a:r>
+              <a:rPr lang="en-US"/>
+              <a:t>v_length = length(v)</a:t>
+            </a:r>
+            <a:endParaRPr lang="en-US" dirty="0"/>
+          </a:p>
+        </p:txBody>
+      </p:sp>
+      <p:sp>
+        <p:nvSpPr>
+          <p:cNvPr id="5" name="TextBox 4">
+            <a:extLst>
+              <a:ext uri="{FF2B5EF4-FFF2-40B4-BE49-F238E27FC236}">
+                <a16:creationId xmlns:a16="http://schemas.microsoft.com/office/drawing/2014/main" id="{9A1E4592-42AC-B3CE-E77F-50799EBD8089}"/>
+              </a:ext>
+            </a:extLst>
+          </p:cNvPr>
+          <p:cNvSpPr txBox="1"/>
+          <p:nvPr/>
+        </p:nvSpPr>
+        <p:spPr>
+          <a:xfrm>
+            <a:off x="0" y="4099035"/>
+            <a:ext cx="4343399" cy="6740307"/>
+          </a:xfrm>
+          <a:prstGeom prst="rect">
+            <a:avLst/>
+          </a:prstGeom>
+          <a:noFill/>
+        </p:spPr>
+        <p:txBody>
+          <a:bodyPr wrap="square" rtlCol="0">
+            <a:spAutoFit/>
+          </a:bodyPr>
+          <a:lstStyle/>
+          <a:p>
+            <a:r>
+              <a:rPr lang="en-US" dirty="0"/>
+              <a:t>Creating Matrices</a:t>
+            </a:r>
+          </a:p>
+          <a:p>
+            <a:pPr marL="285750" indent="-285750">
+              <a:buFont typeface="Arial" panose="020B0604020202020204" pitchFamily="34" charset="0"/>
+              <a:buChar char="•"/>
+            </a:pPr>
+            <a:r>
+              <a:rPr lang="en-US" dirty="0"/>
+              <a:t>M = [1, 2, 3; 4, 5, 6]</a:t>
+            </a:r>
+          </a:p>
+          <a:p>
+            <a:pPr marL="742950" lvl="1" indent="-285750">
+              <a:buFont typeface="Arial" panose="020B0604020202020204" pitchFamily="34" charset="0"/>
+              <a:buChar char="•"/>
+            </a:pPr>
+            <a:r>
+              <a:rPr lang="en-US" dirty="0"/>
+              <a:t>To make matrices easier to read in the code, use ‘…’ after the row, and proceed to the next row. This will make it so your matrix looks as it functions in the code.</a:t>
+            </a:r>
+          </a:p>
+          <a:p>
+            <a:pPr marL="285750" indent="-285750">
+              <a:buFont typeface="Arial" panose="020B0604020202020204" pitchFamily="34" charset="0"/>
+              <a:buChar char="•"/>
+            </a:pPr>
+            <a:r>
+              <a:rPr lang="en-US" dirty="0"/>
+              <a:t>You can also create them by using vector variables</a:t>
+            </a:r>
+          </a:p>
+          <a:p>
+            <a:pPr marL="742950" lvl="1" indent="-285750">
+              <a:buFont typeface="Arial" panose="020B0604020202020204" pitchFamily="34" charset="0"/>
+              <a:buChar char="•"/>
+            </a:pPr>
+            <a:r>
+              <a:rPr lang="en-US" dirty="0"/>
+              <a:t>M = [r1; r2; r3]</a:t>
+            </a:r>
+          </a:p>
+          <a:p>
+            <a:pPr marL="285750" indent="-285750">
+              <a:buFont typeface="Arial" panose="020B0604020202020204" pitchFamily="34" charset="0"/>
+              <a:buChar char="•"/>
+            </a:pPr>
+            <a:r>
+              <a:rPr lang="en-US" dirty="0"/>
+              <a:t>Or you can make them with a collection of columns</a:t>
+            </a:r>
+          </a:p>
+          <a:p>
+            <a:pPr marL="742950" lvl="1" indent="-285750">
+              <a:buFont typeface="Arial" panose="020B0604020202020204" pitchFamily="34" charset="0"/>
+              <a:buChar char="•"/>
+            </a:pPr>
+            <a:r>
+              <a:rPr lang="en-US" dirty="0"/>
+              <a:t>M = [c1, c2, c3]</a:t>
+            </a:r>
+          </a:p>
+          <a:p>
+            <a:pPr marL="742950" lvl="1" indent="-285750">
+              <a:buFont typeface="Arial" panose="020B0604020202020204" pitchFamily="34" charset="0"/>
+              <a:buChar char="•"/>
+            </a:pPr>
+            <a:endParaRPr lang="en-US" dirty="0"/>
+          </a:p>
+          <a:p>
+            <a:pPr marL="285750" indent="-285750">
+              <a:buFont typeface="Arial" panose="020B0604020202020204" pitchFamily="34" charset="0"/>
+              <a:buChar char="•"/>
+            </a:pPr>
+            <a:r>
+              <a:rPr lang="en-US" dirty="0"/>
+              <a:t>Vector with sequences: </a:t>
+            </a:r>
+          </a:p>
+          <a:p>
+            <a:pPr marL="742950" lvl="1" indent="-285750">
+              <a:buFont typeface="Arial" panose="020B0604020202020204" pitchFamily="34" charset="0"/>
+              <a:buChar char="•"/>
+            </a:pPr>
+            <a:r>
+              <a:rPr lang="en-US" dirty="0"/>
+              <a:t>M = [start:step:stop; …]</a:t>
+            </a:r>
+          </a:p>
+          <a:p>
+            <a:pPr marL="285750" indent="-285750">
+              <a:buFont typeface="Arial" panose="020B0604020202020204" pitchFamily="34" charset="0"/>
+              <a:buChar char="•"/>
+            </a:pPr>
+            <a:endParaRPr lang="en-US" dirty="0"/>
+          </a:p>
+          <a:p>
+            <a:pPr marL="285750" indent="-285750">
+              <a:buFont typeface="Arial" panose="020B0604020202020204" pitchFamily="34" charset="0"/>
+              <a:buChar char="•"/>
+            </a:pPr>
+            <a:r>
+              <a:rPr lang="en-US" dirty="0"/>
+              <a:t>Vector with all 1’s or 0’s</a:t>
+            </a:r>
+          </a:p>
+          <a:p>
+            <a:pPr marL="742950" lvl="1" indent="-285750">
+              <a:buFont typeface="Arial" panose="020B0604020202020204" pitchFamily="34" charset="0"/>
+              <a:buChar char="•"/>
+            </a:pPr>
+            <a:r>
+              <a:rPr lang="en-US" dirty="0"/>
+              <a:t>M = ones(height, width)</a:t>
+            </a:r>
+          </a:p>
+          <a:p>
+            <a:pPr marL="742950" lvl="1" indent="-285750">
+              <a:buFont typeface="Arial" panose="020B0604020202020204" pitchFamily="34" charset="0"/>
+              <a:buChar char="•"/>
+            </a:pPr>
+            <a:r>
+              <a:rPr lang="en-US" dirty="0"/>
+              <a:t>M = zeros(height, width)</a:t>
+            </a:r>
+          </a:p>
+          <a:p>
+            <a:pPr marL="742950" lvl="1" indent="-285750">
+              <a:buFont typeface="Arial" panose="020B0604020202020204" pitchFamily="34" charset="0"/>
+              <a:buChar char="•"/>
+            </a:pPr>
+            <a:endParaRPr lang="en-US" dirty="0"/>
+          </a:p>
+          <a:p>
+            <a:pPr marL="285750" indent="-285750">
+              <a:buFont typeface="Arial" panose="020B0604020202020204" pitchFamily="34" charset="0"/>
+              <a:buChar char="•"/>
+            </a:pPr>
+            <a:r>
+              <a:rPr lang="en-US" dirty="0"/>
+              <a:t>Identity matrix</a:t>
+            </a:r>
+          </a:p>
+          <a:p>
+            <a:pPr marL="742950" lvl="1" indent="-285750">
+              <a:buFont typeface="Arial" panose="020B0604020202020204" pitchFamily="34" charset="0"/>
+              <a:buChar char="•"/>
+            </a:pPr>
+            <a:r>
+              <a:rPr lang="en-US" dirty="0"/>
+              <a:t>M = eye(size)</a:t>
+            </a:r>
+          </a:p>
+          <a:p>
+            <a:endParaRPr lang="en-US" dirty="0"/>
+          </a:p>
+        </p:txBody>
+      </p:sp>
+      <p:sp>
+        <p:nvSpPr>
+          <p:cNvPr id="6" name="TextBox 5">
+            <a:extLst>
+              <a:ext uri="{FF2B5EF4-FFF2-40B4-BE49-F238E27FC236}">
+                <a16:creationId xmlns:a16="http://schemas.microsoft.com/office/drawing/2014/main" id="{AB7AF678-5CA7-584F-7AAC-5C0C912AA300}"/>
+              </a:ext>
+            </a:extLst>
+          </p:cNvPr>
+          <p:cNvSpPr txBox="1"/>
+          <p:nvPr/>
+        </p:nvSpPr>
+        <p:spPr>
+          <a:xfrm>
+            <a:off x="4343399" y="4099035"/>
+            <a:ext cx="3799053" cy="2862322"/>
+          </a:xfrm>
+          <a:prstGeom prst="rect">
+            <a:avLst/>
+          </a:prstGeom>
+          <a:noFill/>
+        </p:spPr>
+        <p:txBody>
+          <a:bodyPr wrap="none" rtlCol="0">
+            <a:spAutoFit/>
+          </a:bodyPr>
+          <a:lstStyle/>
+          <a:p>
+            <a:r>
+              <a:rPr lang="en-US" dirty="0"/>
+              <a:t>Accessing info from matrices</a:t>
+            </a:r>
+          </a:p>
+          <a:p>
+            <a:pPr marL="285750" indent="-285750">
+              <a:buFont typeface="Arial" panose="020B0604020202020204" pitchFamily="34" charset="0"/>
+              <a:buChar char="•"/>
+            </a:pPr>
+            <a:r>
+              <a:rPr lang="en-US" dirty="0"/>
+              <a:t>M(row, column)</a:t>
+            </a:r>
+          </a:p>
+          <a:p>
+            <a:pPr marL="285750" indent="-285750">
+              <a:buFont typeface="Arial" panose="020B0604020202020204" pitchFamily="34" charset="0"/>
+              <a:buChar char="•"/>
+            </a:pPr>
+            <a:endParaRPr lang="en-US" dirty="0"/>
+          </a:p>
+          <a:p>
+            <a:pPr marL="285750" indent="-285750">
+              <a:buFont typeface="Arial" panose="020B0604020202020204" pitchFamily="34" charset="0"/>
+              <a:buChar char="•"/>
+            </a:pPr>
+            <a:r>
+              <a:rPr lang="en-US" dirty="0"/>
+              <a:t>Retrieving a row or column</a:t>
+            </a:r>
+          </a:p>
+          <a:p>
+            <a:pPr marL="742950" lvl="1" indent="-285750">
+              <a:buFont typeface="Arial" panose="020B0604020202020204" pitchFamily="34" charset="0"/>
+              <a:buChar char="•"/>
+            </a:pPr>
+            <a:r>
+              <a:rPr lang="en-US" dirty="0"/>
+              <a:t>M(row, :)</a:t>
+            </a:r>
+          </a:p>
+          <a:p>
+            <a:pPr marL="742950" lvl="1" indent="-285750">
+              <a:buFont typeface="Arial" panose="020B0604020202020204" pitchFamily="34" charset="0"/>
+              <a:buChar char="•"/>
+            </a:pPr>
+            <a:r>
+              <a:rPr lang="en-US" dirty="0"/>
+              <a:t>M(:, column)</a:t>
+            </a:r>
+          </a:p>
+          <a:p>
+            <a:pPr marL="742950" lvl="1" indent="-285750">
+              <a:buFont typeface="Arial" panose="020B0604020202020204" pitchFamily="34" charset="0"/>
+              <a:buChar char="•"/>
+            </a:pPr>
+            <a:endParaRPr lang="en-US" dirty="0"/>
+          </a:p>
+          <a:p>
+            <a:pPr marL="285750" indent="-285750">
+              <a:buFont typeface="Arial" panose="020B0604020202020204" pitchFamily="34" charset="0"/>
+              <a:buChar char="•"/>
+            </a:pPr>
+            <a:r>
+              <a:rPr lang="en-US" dirty="0"/>
+              <a:t>Getting the size of a matrix</a:t>
+            </a:r>
+          </a:p>
+          <a:p>
+            <a:pPr marL="742950" lvl="1" indent="-285750">
+              <a:buFont typeface="Arial" panose="020B0604020202020204" pitchFamily="34" charset="0"/>
+              <a:buChar char="•"/>
+            </a:pPr>
+            <a:r>
+              <a:rPr lang="en-US" dirty="0"/>
+              <a:t>result = size(M)</a:t>
+            </a:r>
+          </a:p>
+          <a:p>
+            <a:pPr marL="1200150" lvl="2" indent="-285750">
+              <a:buFont typeface="Arial" panose="020B0604020202020204" pitchFamily="34" charset="0"/>
+              <a:buChar char="•"/>
+            </a:pPr>
+            <a:r>
+              <a:rPr lang="en-US" dirty="0"/>
+              <a:t>Given as ‘rows columns’</a:t>
+            </a:r>
+          </a:p>
+        </p:txBody>
+      </p:sp>
+      <p:cxnSp>
+        <p:nvCxnSpPr>
+          <p:cNvPr id="8" name="Straight Connector 7">
+            <a:extLst>
+              <a:ext uri="{FF2B5EF4-FFF2-40B4-BE49-F238E27FC236}">
+                <a16:creationId xmlns:a16="http://schemas.microsoft.com/office/drawing/2014/main" id="{34529296-EE7B-CCFD-71AA-33F001E5DFB8}"/>
+              </a:ext>
+            </a:extLst>
+          </p:cNvPr>
+          <p:cNvCxnSpPr>
+            <a:cxnSpLocks/>
+          </p:cNvCxnSpPr>
+          <p:nvPr/>
+        </p:nvCxnSpPr>
+        <p:spPr>
+          <a:xfrm>
+            <a:off x="0" y="3908762"/>
+            <a:ext cx="8686799" cy="32074"/>
+          </a:xfrm>
+          <a:prstGeom prst="line">
+            <a:avLst/>
+          </a:prstGeom>
+          <a:ln>
+            <a:solidFill>
+              <a:schemeClr val="tx1"/>
+            </a:solidFill>
+          </a:ln>
+        </p:spPr>
+        <p:style>
+          <a:lnRef idx="2">
+            <a:schemeClr val="accent1"/>
+          </a:lnRef>
+          <a:fillRef idx="0">
+            <a:schemeClr val="accent1"/>
+          </a:fillRef>
+          <a:effectRef idx="1">
+            <a:schemeClr val="accent1"/>
+          </a:effectRef>
+          <a:fontRef idx="minor">
+            <a:schemeClr val="tx1"/>
+          </a:fontRef>
+        </p:style>
+      </p:cxnSp>
+    </p:spTree>
+    <p:extLst>
+      <p:ext uri="{BB962C8B-B14F-4D97-AF65-F5344CB8AC3E}">
+        <p14:creationId xmlns:p14="http://schemas.microsoft.com/office/powerpoint/2010/main" val="4156372680"/>
       </p:ext>
     </p:extLst>
   </p:cSld>

--- a/NumericalAnalysis.pptx
+++ b/NumericalAnalysis.pptx
@@ -4,6 +4,9 @@
   <p:sldMasterIdLst>
     <p:sldMasterId id="2147483660" r:id="rId1"/>
   </p:sldMasterIdLst>
+  <p:notesMasterIdLst>
+    <p:notesMasterId r:id="rId13"/>
+  </p:notesMasterIdLst>
   <p:sldIdLst>
     <p:sldId id="256" r:id="rId2"/>
     <p:sldId id="257" r:id="rId3"/>
@@ -13,6 +16,9 @@
     <p:sldId id="261" r:id="rId7"/>
     <p:sldId id="262" r:id="rId8"/>
     <p:sldId id="263" r:id="rId9"/>
+    <p:sldId id="264" r:id="rId10"/>
+    <p:sldId id="265" r:id="rId11"/>
+    <p:sldId id="266" r:id="rId12"/>
   </p:sldIdLst>
   <p:sldSz cx="8686800" cy="12192000"/>
   <p:notesSz cx="6858000" cy="9144000"/>
@@ -132,6 +138,9 @@
             <p14:sldId id="261"/>
             <p14:sldId id="262"/>
             <p14:sldId id="263"/>
+            <p14:sldId id="264"/>
+            <p14:sldId id="265"/>
+            <p14:sldId id="266"/>
           </p14:sldIdLst>
         </p14:section>
       </p14:sectionLst>
@@ -141,6 +150,355 @@
     </p:ext>
   </p:extLst>
 </p:presentation>
+</file>
+
+<file path=ppt/notesMasters/notesMaster1.xml><?xml version="1.0" encoding="utf-8"?>
+<p:notesMaster xmlns:a="http://schemas.openxmlformats.org/drawingml/2006/main" xmlns:r="http://schemas.openxmlformats.org/officeDocument/2006/relationships" xmlns:p="http://schemas.openxmlformats.org/presentationml/2006/main">
+  <p:cSld>
+    <p:bg>
+      <p:bgRef idx="1001">
+        <a:schemeClr val="bg1"/>
+      </p:bgRef>
+    </p:bg>
+    <p:spTree>
+      <p:nvGrpSpPr>
+        <p:cNvPr id="1" name=""/>
+        <p:cNvGrpSpPr/>
+        <p:nvPr/>
+      </p:nvGrpSpPr>
+      <p:grpSpPr>
+        <a:xfrm>
+          <a:off x="0" y="0"/>
+          <a:ext cx="0" cy="0"/>
+          <a:chOff x="0" y="0"/>
+          <a:chExt cx="0" cy="0"/>
+        </a:xfrm>
+      </p:grpSpPr>
+      <p:sp>
+        <p:nvSpPr>
+          <p:cNvPr id="2" name="Header Placeholder 1"/>
+          <p:cNvSpPr>
+            <a:spLocks noGrp="1"/>
+          </p:cNvSpPr>
+          <p:nvPr>
+            <p:ph type="hdr" sz="quarter"/>
+          </p:nvPr>
+        </p:nvSpPr>
+        <p:spPr>
+          <a:xfrm>
+            <a:off x="0" y="0"/>
+            <a:ext cx="2971800" cy="458788"/>
+          </a:xfrm>
+          <a:prstGeom prst="rect">
+            <a:avLst/>
+          </a:prstGeom>
+        </p:spPr>
+        <p:txBody>
+          <a:bodyPr vert="horz" lIns="91440" tIns="45720" rIns="91440" bIns="45720" rtlCol="0"/>
+          <a:lstStyle>
+            <a:lvl1pPr algn="l">
+              <a:defRPr sz="1200"/>
+            </a:lvl1pPr>
+          </a:lstStyle>
+          <a:p>
+            <a:endParaRPr lang="en-US"/>
+          </a:p>
+        </p:txBody>
+      </p:sp>
+      <p:sp>
+        <p:nvSpPr>
+          <p:cNvPr id="3" name="Date Placeholder 2"/>
+          <p:cNvSpPr>
+            <a:spLocks noGrp="1"/>
+          </p:cNvSpPr>
+          <p:nvPr>
+            <p:ph type="dt" idx="1"/>
+          </p:nvPr>
+        </p:nvSpPr>
+        <p:spPr>
+          <a:xfrm>
+            <a:off x="3884613" y="0"/>
+            <a:ext cx="2971800" cy="458788"/>
+          </a:xfrm>
+          <a:prstGeom prst="rect">
+            <a:avLst/>
+          </a:prstGeom>
+        </p:spPr>
+        <p:txBody>
+          <a:bodyPr vert="horz" lIns="91440" tIns="45720" rIns="91440" bIns="45720" rtlCol="0"/>
+          <a:lstStyle>
+            <a:lvl1pPr algn="r">
+              <a:defRPr sz="1200"/>
+            </a:lvl1pPr>
+          </a:lstStyle>
+          <a:p>
+            <a:fld id="{D73F8D8E-3E04-4EB4-B144-A34AD5F0C34E}" type="datetimeFigureOut">
+              <a:rPr lang="en-US" smtClean="0"/>
+              <a:t>8/25/2024</a:t>
+            </a:fld>
+            <a:endParaRPr lang="en-US"/>
+          </a:p>
+        </p:txBody>
+      </p:sp>
+      <p:sp>
+        <p:nvSpPr>
+          <p:cNvPr id="4" name="Slide Image Placeholder 3"/>
+          <p:cNvSpPr>
+            <a:spLocks noGrp="1" noRot="1" noChangeAspect="1"/>
+          </p:cNvSpPr>
+          <p:nvPr>
+            <p:ph type="sldImg" idx="2"/>
+          </p:nvPr>
+        </p:nvSpPr>
+        <p:spPr>
+          <a:xfrm>
+            <a:off x="2328863" y="1143000"/>
+            <a:ext cx="2200275" cy="3086100"/>
+          </a:xfrm>
+          <a:prstGeom prst="rect">
+            <a:avLst/>
+          </a:prstGeom>
+          <a:noFill/>
+          <a:ln w="12700">
+            <a:solidFill>
+              <a:prstClr val="black"/>
+            </a:solidFill>
+          </a:ln>
+        </p:spPr>
+        <p:txBody>
+          <a:bodyPr vert="horz" lIns="91440" tIns="45720" rIns="91440" bIns="45720" rtlCol="0" anchor="ctr"/>
+          <a:lstStyle/>
+          <a:p>
+            <a:endParaRPr lang="en-US"/>
+          </a:p>
+        </p:txBody>
+      </p:sp>
+      <p:sp>
+        <p:nvSpPr>
+          <p:cNvPr id="5" name="Notes Placeholder 4"/>
+          <p:cNvSpPr>
+            <a:spLocks noGrp="1"/>
+          </p:cNvSpPr>
+          <p:nvPr>
+            <p:ph type="body" sz="quarter" idx="3"/>
+          </p:nvPr>
+        </p:nvSpPr>
+        <p:spPr>
+          <a:xfrm>
+            <a:off x="685800" y="4400550"/>
+            <a:ext cx="5486400" cy="3600450"/>
+          </a:xfrm>
+          <a:prstGeom prst="rect">
+            <a:avLst/>
+          </a:prstGeom>
+        </p:spPr>
+        <p:txBody>
+          <a:bodyPr vert="horz" lIns="91440" tIns="45720" rIns="91440" bIns="45720" rtlCol="0"/>
+          <a:lstStyle/>
+          <a:p>
+            <a:pPr lvl="0"/>
+            <a:r>
+              <a:rPr lang="en-US"/>
+              <a:t>Click to edit Master text styles</a:t>
+            </a:r>
+          </a:p>
+          <a:p>
+            <a:pPr lvl="1"/>
+            <a:r>
+              <a:rPr lang="en-US"/>
+              <a:t>Second level</a:t>
+            </a:r>
+          </a:p>
+          <a:p>
+            <a:pPr lvl="2"/>
+            <a:r>
+              <a:rPr lang="en-US"/>
+              <a:t>Third level</a:t>
+            </a:r>
+          </a:p>
+          <a:p>
+            <a:pPr lvl="3"/>
+            <a:r>
+              <a:rPr lang="en-US"/>
+              <a:t>Fourth level</a:t>
+            </a:r>
+          </a:p>
+          <a:p>
+            <a:pPr lvl="4"/>
+            <a:r>
+              <a:rPr lang="en-US"/>
+              <a:t>Fifth level</a:t>
+            </a:r>
+          </a:p>
+        </p:txBody>
+      </p:sp>
+      <p:sp>
+        <p:nvSpPr>
+          <p:cNvPr id="6" name="Footer Placeholder 5"/>
+          <p:cNvSpPr>
+            <a:spLocks noGrp="1"/>
+          </p:cNvSpPr>
+          <p:nvPr>
+            <p:ph type="ftr" sz="quarter" idx="4"/>
+          </p:nvPr>
+        </p:nvSpPr>
+        <p:spPr>
+          <a:xfrm>
+            <a:off x="0" y="8685213"/>
+            <a:ext cx="2971800" cy="458787"/>
+          </a:xfrm>
+          <a:prstGeom prst="rect">
+            <a:avLst/>
+          </a:prstGeom>
+        </p:spPr>
+        <p:txBody>
+          <a:bodyPr vert="horz" lIns="91440" tIns="45720" rIns="91440" bIns="45720" rtlCol="0" anchor="b"/>
+          <a:lstStyle>
+            <a:lvl1pPr algn="l">
+              <a:defRPr sz="1200"/>
+            </a:lvl1pPr>
+          </a:lstStyle>
+          <a:p>
+            <a:endParaRPr lang="en-US"/>
+          </a:p>
+        </p:txBody>
+      </p:sp>
+      <p:sp>
+        <p:nvSpPr>
+          <p:cNvPr id="7" name="Slide Number Placeholder 6"/>
+          <p:cNvSpPr>
+            <a:spLocks noGrp="1"/>
+          </p:cNvSpPr>
+          <p:nvPr>
+            <p:ph type="sldNum" sz="quarter" idx="5"/>
+          </p:nvPr>
+        </p:nvSpPr>
+        <p:spPr>
+          <a:xfrm>
+            <a:off x="3884613" y="8685213"/>
+            <a:ext cx="2971800" cy="458787"/>
+          </a:xfrm>
+          <a:prstGeom prst="rect">
+            <a:avLst/>
+          </a:prstGeom>
+        </p:spPr>
+        <p:txBody>
+          <a:bodyPr vert="horz" lIns="91440" tIns="45720" rIns="91440" bIns="45720" rtlCol="0" anchor="b"/>
+          <a:lstStyle>
+            <a:lvl1pPr algn="r">
+              <a:defRPr sz="1200"/>
+            </a:lvl1pPr>
+          </a:lstStyle>
+          <a:p>
+            <a:fld id="{550809ED-F82F-4593-8DC1-32AA0042C8D3}" type="slidenum">
+              <a:rPr lang="en-US" smtClean="0"/>
+              <a:t>‹#›</a:t>
+            </a:fld>
+            <a:endParaRPr lang="en-US"/>
+          </a:p>
+        </p:txBody>
+      </p:sp>
+    </p:spTree>
+    <p:extLst>
+      <p:ext uri="{BB962C8B-B14F-4D97-AF65-F5344CB8AC3E}">
+        <p14:creationId xmlns:p14="http://schemas.microsoft.com/office/powerpoint/2010/main" val="1106266313"/>
+      </p:ext>
+    </p:extLst>
+  </p:cSld>
+  <p:clrMap bg1="lt1" tx1="dk1" bg2="lt2" tx2="dk2" accent1="accent1" accent2="accent2" accent3="accent3" accent4="accent4" accent5="accent5" accent6="accent6" hlink="hlink" folHlink="folHlink"/>
+  <p:notesStyle>
+    <a:lvl1pPr marL="0" algn="l" defTabSz="914400" rtl="0" eaLnBrk="1" latinLnBrk="0" hangingPunct="1">
+      <a:defRPr sz="1200" kern="1200">
+        <a:solidFill>
+          <a:schemeClr val="tx1"/>
+        </a:solidFill>
+        <a:latin typeface="+mn-lt"/>
+        <a:ea typeface="+mn-ea"/>
+        <a:cs typeface="+mn-cs"/>
+      </a:defRPr>
+    </a:lvl1pPr>
+    <a:lvl2pPr marL="457200" algn="l" defTabSz="914400" rtl="0" eaLnBrk="1" latinLnBrk="0" hangingPunct="1">
+      <a:defRPr sz="1200" kern="1200">
+        <a:solidFill>
+          <a:schemeClr val="tx1"/>
+        </a:solidFill>
+        <a:latin typeface="+mn-lt"/>
+        <a:ea typeface="+mn-ea"/>
+        <a:cs typeface="+mn-cs"/>
+      </a:defRPr>
+    </a:lvl2pPr>
+    <a:lvl3pPr marL="914400" algn="l" defTabSz="914400" rtl="0" eaLnBrk="1" latinLnBrk="0" hangingPunct="1">
+      <a:defRPr sz="1200" kern="1200">
+        <a:solidFill>
+          <a:schemeClr val="tx1"/>
+        </a:solidFill>
+        <a:latin typeface="+mn-lt"/>
+        <a:ea typeface="+mn-ea"/>
+        <a:cs typeface="+mn-cs"/>
+      </a:defRPr>
+    </a:lvl3pPr>
+    <a:lvl4pPr marL="1371600" algn="l" defTabSz="914400" rtl="0" eaLnBrk="1" latinLnBrk="0" hangingPunct="1">
+      <a:defRPr sz="1200" kern="1200">
+        <a:solidFill>
+          <a:schemeClr val="tx1"/>
+        </a:solidFill>
+        <a:latin typeface="+mn-lt"/>
+        <a:ea typeface="+mn-ea"/>
+        <a:cs typeface="+mn-cs"/>
+      </a:defRPr>
+    </a:lvl4pPr>
+    <a:lvl5pPr marL="1828800" algn="l" defTabSz="914400" rtl="0" eaLnBrk="1" latinLnBrk="0" hangingPunct="1">
+      <a:defRPr sz="1200" kern="1200">
+        <a:solidFill>
+          <a:schemeClr val="tx1"/>
+        </a:solidFill>
+        <a:latin typeface="+mn-lt"/>
+        <a:ea typeface="+mn-ea"/>
+        <a:cs typeface="+mn-cs"/>
+      </a:defRPr>
+    </a:lvl5pPr>
+    <a:lvl6pPr marL="2286000" algn="l" defTabSz="914400" rtl="0" eaLnBrk="1" latinLnBrk="0" hangingPunct="1">
+      <a:defRPr sz="1200" kern="1200">
+        <a:solidFill>
+          <a:schemeClr val="tx1"/>
+        </a:solidFill>
+        <a:latin typeface="+mn-lt"/>
+        <a:ea typeface="+mn-ea"/>
+        <a:cs typeface="+mn-cs"/>
+      </a:defRPr>
+    </a:lvl6pPr>
+    <a:lvl7pPr marL="2743200" algn="l" defTabSz="914400" rtl="0" eaLnBrk="1" latinLnBrk="0" hangingPunct="1">
+      <a:defRPr sz="1200" kern="1200">
+        <a:solidFill>
+          <a:schemeClr val="tx1"/>
+        </a:solidFill>
+        <a:latin typeface="+mn-lt"/>
+        <a:ea typeface="+mn-ea"/>
+        <a:cs typeface="+mn-cs"/>
+      </a:defRPr>
+    </a:lvl7pPr>
+    <a:lvl8pPr marL="3200400" algn="l" defTabSz="914400" rtl="0" eaLnBrk="1" latinLnBrk="0" hangingPunct="1">
+      <a:defRPr sz="1200" kern="1200">
+        <a:solidFill>
+          <a:schemeClr val="tx1"/>
+        </a:solidFill>
+        <a:latin typeface="+mn-lt"/>
+        <a:ea typeface="+mn-ea"/>
+        <a:cs typeface="+mn-cs"/>
+      </a:defRPr>
+    </a:lvl8pPr>
+    <a:lvl9pPr marL="3657600" algn="l" defTabSz="914400" rtl="0" eaLnBrk="1" latinLnBrk="0" hangingPunct="1">
+      <a:defRPr sz="1200" kern="1200">
+        <a:solidFill>
+          <a:schemeClr val="tx1"/>
+        </a:solidFill>
+        <a:latin typeface="+mn-lt"/>
+        <a:ea typeface="+mn-ea"/>
+        <a:cs typeface="+mn-cs"/>
+      </a:defRPr>
+    </a:lvl9pPr>
+  </p:notesStyle>
+</p:notesMaster>
 </file>
 
 <file path=ppt/slideLayouts/slideLayout1.xml><?xml version="1.0" encoding="utf-8"?>
@@ -274,7 +632,7 @@
           <a:p>
             <a:fld id="{67157E4C-E9FC-4B27-8390-C5DE454F8950}" type="datetimeFigureOut">
               <a:rPr lang="en-US" smtClean="0"/>
-              <a:t>8/21/2024</a:t>
+              <a:t>8/25/2024</a:t>
             </a:fld>
             <a:endParaRPr lang="en-US"/>
           </a:p>
@@ -444,7 +802,7 @@
           <a:p>
             <a:fld id="{67157E4C-E9FC-4B27-8390-C5DE454F8950}" type="datetimeFigureOut">
               <a:rPr lang="en-US" smtClean="0"/>
-              <a:t>8/21/2024</a:t>
+              <a:t>8/25/2024</a:t>
             </a:fld>
             <a:endParaRPr lang="en-US"/>
           </a:p>
@@ -624,7 +982,7 @@
           <a:p>
             <a:fld id="{67157E4C-E9FC-4B27-8390-C5DE454F8950}" type="datetimeFigureOut">
               <a:rPr lang="en-US" smtClean="0"/>
-              <a:t>8/21/2024</a:t>
+              <a:t>8/25/2024</a:t>
             </a:fld>
             <a:endParaRPr lang="en-US"/>
           </a:p>
@@ -794,7 +1152,7 @@
           <a:p>
             <a:fld id="{67157E4C-E9FC-4B27-8390-C5DE454F8950}" type="datetimeFigureOut">
               <a:rPr lang="en-US" smtClean="0"/>
-              <a:t>8/21/2024</a:t>
+              <a:t>8/25/2024</a:t>
             </a:fld>
             <a:endParaRPr lang="en-US"/>
           </a:p>
@@ -1040,7 +1398,7 @@
           <a:p>
             <a:fld id="{67157E4C-E9FC-4B27-8390-C5DE454F8950}" type="datetimeFigureOut">
               <a:rPr lang="en-US" smtClean="0"/>
-              <a:t>8/21/2024</a:t>
+              <a:t>8/25/2024</a:t>
             </a:fld>
             <a:endParaRPr lang="en-US"/>
           </a:p>
@@ -1272,7 +1630,7 @@
           <a:p>
             <a:fld id="{67157E4C-E9FC-4B27-8390-C5DE454F8950}" type="datetimeFigureOut">
               <a:rPr lang="en-US" smtClean="0"/>
-              <a:t>8/21/2024</a:t>
+              <a:t>8/25/2024</a:t>
             </a:fld>
             <a:endParaRPr lang="en-US"/>
           </a:p>
@@ -1639,7 +1997,7 @@
           <a:p>
             <a:fld id="{67157E4C-E9FC-4B27-8390-C5DE454F8950}" type="datetimeFigureOut">
               <a:rPr lang="en-US" smtClean="0"/>
-              <a:t>8/21/2024</a:t>
+              <a:t>8/25/2024</a:t>
             </a:fld>
             <a:endParaRPr lang="en-US"/>
           </a:p>
@@ -1757,7 +2115,7 @@
           <a:p>
             <a:fld id="{67157E4C-E9FC-4B27-8390-C5DE454F8950}" type="datetimeFigureOut">
               <a:rPr lang="en-US" smtClean="0"/>
-              <a:t>8/21/2024</a:t>
+              <a:t>8/25/2024</a:t>
             </a:fld>
             <a:endParaRPr lang="en-US"/>
           </a:p>
@@ -1852,7 +2210,7 @@
           <a:p>
             <a:fld id="{67157E4C-E9FC-4B27-8390-C5DE454F8950}" type="datetimeFigureOut">
               <a:rPr lang="en-US" smtClean="0"/>
-              <a:t>8/21/2024</a:t>
+              <a:t>8/25/2024</a:t>
             </a:fld>
             <a:endParaRPr lang="en-US"/>
           </a:p>
@@ -2129,7 +2487,7 @@
           <a:p>
             <a:fld id="{67157E4C-E9FC-4B27-8390-C5DE454F8950}" type="datetimeFigureOut">
               <a:rPr lang="en-US" smtClean="0"/>
-              <a:t>8/21/2024</a:t>
+              <a:t>8/25/2024</a:t>
             </a:fld>
             <a:endParaRPr lang="en-US"/>
           </a:p>
@@ -2386,7 +2744,7 @@
           <a:p>
             <a:fld id="{67157E4C-E9FC-4B27-8390-C5DE454F8950}" type="datetimeFigureOut">
               <a:rPr lang="en-US" smtClean="0"/>
-              <a:t>8/21/2024</a:t>
+              <a:t>8/25/2024</a:t>
             </a:fld>
             <a:endParaRPr lang="en-US"/>
           </a:p>
@@ -2599,7 +2957,7 @@
           <a:p>
             <a:fld id="{67157E4C-E9FC-4B27-8390-C5DE454F8950}" type="datetimeFigureOut">
               <a:rPr lang="en-US" smtClean="0"/>
-              <a:t>8/21/2024</a:t>
+              <a:t>8/25/2024</a:t>
             </a:fld>
             <a:endParaRPr lang="en-US"/>
           </a:p>
@@ -3987,6 +4345,573 @@
 </p:sld>
 </file>
 
+<file path=ppt/slides/slide10.xml><?xml version="1.0" encoding="utf-8"?>
+<p:sld xmlns:a="http://schemas.openxmlformats.org/drawingml/2006/main" xmlns:r="http://schemas.openxmlformats.org/officeDocument/2006/relationships" xmlns:p="http://schemas.openxmlformats.org/presentationml/2006/main">
+  <p:cSld>
+    <p:spTree>
+      <p:nvGrpSpPr>
+        <p:cNvPr id="1" name=""/>
+        <p:cNvGrpSpPr/>
+        <p:nvPr/>
+      </p:nvGrpSpPr>
+      <p:grpSpPr>
+        <a:xfrm>
+          <a:off x="0" y="0"/>
+          <a:ext cx="0" cy="0"/>
+          <a:chOff x="0" y="0"/>
+          <a:chExt cx="0" cy="0"/>
+        </a:xfrm>
+      </p:grpSpPr>
+      <p:sp>
+        <p:nvSpPr>
+          <p:cNvPr id="2" name="TextBox 1">
+            <a:extLst>
+              <a:ext uri="{FF2B5EF4-FFF2-40B4-BE49-F238E27FC236}">
+                <a16:creationId xmlns:a16="http://schemas.microsoft.com/office/drawing/2014/main" id="{FCA6E3DA-0BE9-B7EB-E5A8-8F76082002CD}"/>
+              </a:ext>
+            </a:extLst>
+          </p:cNvPr>
+          <p:cNvSpPr txBox="1"/>
+          <p:nvPr/>
+        </p:nvSpPr>
+        <p:spPr>
+          <a:xfrm>
+            <a:off x="0" y="0"/>
+            <a:ext cx="2973250" cy="461665"/>
+          </a:xfrm>
+          <a:prstGeom prst="rect">
+            <a:avLst/>
+          </a:prstGeom>
+          <a:noFill/>
+        </p:spPr>
+        <p:txBody>
+          <a:bodyPr wrap="none" rtlCol="0">
+            <a:spAutoFit/>
+          </a:bodyPr>
+          <a:lstStyle/>
+          <a:p>
+            <a:r>
+              <a:rPr lang="en-US" sz="2400" dirty="0"/>
+              <a:t>Common Operations</a:t>
+            </a:r>
+          </a:p>
+        </p:txBody>
+      </p:sp>
+      <p:sp>
+        <p:nvSpPr>
+          <p:cNvPr id="3" name="TextBox 2">
+            <a:extLst>
+              <a:ext uri="{FF2B5EF4-FFF2-40B4-BE49-F238E27FC236}">
+                <a16:creationId xmlns:a16="http://schemas.microsoft.com/office/drawing/2014/main" id="{17D3E6F1-D8BA-A653-5E5B-5156C409E498}"/>
+              </a:ext>
+            </a:extLst>
+          </p:cNvPr>
+          <p:cNvSpPr txBox="1"/>
+          <p:nvPr/>
+        </p:nvSpPr>
+        <p:spPr>
+          <a:xfrm>
+            <a:off x="0" y="461665"/>
+            <a:ext cx="8686800" cy="4524315"/>
+          </a:xfrm>
+          <a:prstGeom prst="rect">
+            <a:avLst/>
+          </a:prstGeom>
+          <a:noFill/>
+        </p:spPr>
+        <p:txBody>
+          <a:bodyPr wrap="square" rtlCol="0">
+            <a:spAutoFit/>
+          </a:bodyPr>
+          <a:lstStyle/>
+          <a:p>
+            <a:pPr marL="285750" indent="-285750">
+              <a:buFont typeface="Arial" panose="020B0604020202020204" pitchFamily="34" charset="0"/>
+              <a:buChar char="•"/>
+            </a:pPr>
+            <a:r>
+              <a:rPr lang="en-US" dirty="0"/>
+              <a:t>Importing Data:</a:t>
+            </a:r>
+          </a:p>
+          <a:p>
+            <a:pPr marL="742950" lvl="1" indent="-285750">
+              <a:buFont typeface="Arial" panose="020B0604020202020204" pitchFamily="34" charset="0"/>
+              <a:buChar char="•"/>
+            </a:pPr>
+            <a:r>
+              <a:rPr lang="en-US" dirty="0"/>
+              <a:t>csvread: reads a csv file</a:t>
+            </a:r>
+          </a:p>
+          <a:p>
+            <a:pPr marL="742950" lvl="1" indent="-285750">
+              <a:buFont typeface="Arial" panose="020B0604020202020204" pitchFamily="34" charset="0"/>
+              <a:buChar char="•"/>
+            </a:pPr>
+            <a:r>
+              <a:rPr lang="en-US" dirty="0"/>
+              <a:t>M = csvread(filename)</a:t>
+            </a:r>
+          </a:p>
+          <a:p>
+            <a:pPr marL="742950" lvl="1" indent="-285750">
+              <a:buFont typeface="Arial" panose="020B0604020202020204" pitchFamily="34" charset="0"/>
+              <a:buChar char="•"/>
+            </a:pPr>
+            <a:r>
+              <a:rPr lang="en-US" dirty="0"/>
+              <a:t>We will mainly use this function for importing data</a:t>
+            </a:r>
+          </a:p>
+          <a:p>
+            <a:pPr marL="742950" lvl="1" indent="-285750">
+              <a:buFont typeface="Arial" panose="020B0604020202020204" pitchFamily="34" charset="0"/>
+              <a:buChar char="•"/>
+            </a:pPr>
+            <a:endParaRPr lang="en-US" dirty="0"/>
+          </a:p>
+          <a:p>
+            <a:pPr marL="742950" lvl="1" indent="-285750">
+              <a:buFont typeface="Arial" panose="020B0604020202020204" pitchFamily="34" charset="0"/>
+              <a:buChar char="•"/>
+            </a:pPr>
+            <a:r>
+              <a:rPr lang="en-US" dirty="0"/>
+              <a:t>xlsread: reads excel file</a:t>
+            </a:r>
+          </a:p>
+          <a:p>
+            <a:pPr marL="742950" lvl="1" indent="-285750">
+              <a:buFont typeface="Arial" panose="020B0604020202020204" pitchFamily="34" charset="0"/>
+              <a:buChar char="•"/>
+            </a:pPr>
+            <a:r>
+              <a:rPr lang="en-US" dirty="0"/>
+              <a:t>Don’t use this, it works for older spreadsheets</a:t>
+            </a:r>
+          </a:p>
+          <a:p>
+            <a:pPr marL="742950" lvl="1" indent="-285750">
+              <a:buFont typeface="Arial" panose="020B0604020202020204" pitchFamily="34" charset="0"/>
+              <a:buChar char="•"/>
+            </a:pPr>
+            <a:endParaRPr lang="en-US" dirty="0"/>
+          </a:p>
+          <a:p>
+            <a:pPr marL="742950" lvl="1" indent="-285750">
+              <a:buFont typeface="Arial" panose="020B0604020202020204" pitchFamily="34" charset="0"/>
+              <a:buChar char="•"/>
+            </a:pPr>
+            <a:r>
+              <a:rPr lang="en-US" dirty="0"/>
+              <a:t>readcell: new version for reading excel file </a:t>
+            </a:r>
+          </a:p>
+          <a:p>
+            <a:pPr marL="742950" lvl="1" indent="-285750">
+              <a:buFont typeface="Arial" panose="020B0604020202020204" pitchFamily="34" charset="0"/>
+              <a:buChar char="•"/>
+            </a:pPr>
+            <a:endParaRPr lang="en-US" dirty="0"/>
+          </a:p>
+          <a:p>
+            <a:pPr marL="285750" indent="-285750">
+              <a:buFont typeface="Arial" panose="020B0604020202020204" pitchFamily="34" charset="0"/>
+              <a:buChar char="•"/>
+            </a:pPr>
+            <a:r>
+              <a:rPr lang="en-US" dirty="0"/>
+              <a:t>Dot Operations:</a:t>
+            </a:r>
+          </a:p>
+          <a:p>
+            <a:pPr marL="742950" lvl="1" indent="-285750">
+              <a:buFont typeface="Arial" panose="020B0604020202020204" pitchFamily="34" charset="0"/>
+              <a:buChar char="•"/>
+            </a:pPr>
+            <a:r>
+              <a:rPr lang="en-US" dirty="0"/>
+              <a:t>Allows you to combine two matrices in a variety of ways</a:t>
+            </a:r>
+          </a:p>
+          <a:p>
+            <a:pPr marL="742950" lvl="1" indent="-285750">
+              <a:buFont typeface="Arial" panose="020B0604020202020204" pitchFamily="34" charset="0"/>
+              <a:buChar char="•"/>
+            </a:pPr>
+            <a:r>
+              <a:rPr lang="en-US" dirty="0"/>
+              <a:t>‘.*’ will multiply the elements of two matrices together</a:t>
+            </a:r>
+          </a:p>
+          <a:p>
+            <a:pPr marL="742950" lvl="1" indent="-285750">
+              <a:buFont typeface="Arial" panose="020B0604020202020204" pitchFamily="34" charset="0"/>
+              <a:buChar char="•"/>
+            </a:pPr>
+            <a:r>
+              <a:rPr lang="en-US" dirty="0"/>
+              <a:t>‘./’ will divide the elements of the first matrix by the second matrix</a:t>
+            </a:r>
+          </a:p>
+          <a:p>
+            <a:pPr marL="742950" lvl="1" indent="-285750">
+              <a:buFont typeface="Arial" panose="020B0604020202020204" pitchFamily="34" charset="0"/>
+              <a:buChar char="•"/>
+            </a:pPr>
+            <a:r>
+              <a:rPr lang="en-US" dirty="0"/>
+              <a:t>‘.^’ will raise the elements of the first matrix by the second matrix</a:t>
+            </a:r>
+          </a:p>
+          <a:p>
+            <a:pPr marL="742950" lvl="1" indent="-285750">
+              <a:buFont typeface="Arial" panose="020B0604020202020204" pitchFamily="34" charset="0"/>
+              <a:buChar char="•"/>
+            </a:pPr>
+            <a:r>
+              <a:rPr lang="en-US" dirty="0"/>
+              <a:t>All these work with scalars</a:t>
+            </a:r>
+          </a:p>
+        </p:txBody>
+      </p:sp>
+      <p:pic>
+        <p:nvPicPr>
+          <p:cNvPr id="5" name="Picture 4">
+            <a:extLst>
+              <a:ext uri="{FF2B5EF4-FFF2-40B4-BE49-F238E27FC236}">
+                <a16:creationId xmlns:a16="http://schemas.microsoft.com/office/drawing/2014/main" id="{6E30A03F-6570-B3FF-588F-7A0F3C76E9A1}"/>
+              </a:ext>
+            </a:extLst>
+          </p:cNvPr>
+          <p:cNvPicPr>
+            <a:picLocks noChangeAspect="1"/>
+          </p:cNvPicPr>
+          <p:nvPr/>
+        </p:nvPicPr>
+        <p:blipFill>
+          <a:blip r:embed="rId2"/>
+          <a:stretch>
+            <a:fillRect/>
+          </a:stretch>
+        </p:blipFill>
+        <p:spPr>
+          <a:xfrm>
+            <a:off x="840921" y="4985980"/>
+            <a:ext cx="7004957" cy="1704649"/>
+          </a:xfrm>
+          <a:prstGeom prst="rect">
+            <a:avLst/>
+          </a:prstGeom>
+        </p:spPr>
+      </p:pic>
+    </p:spTree>
+    <p:extLst>
+      <p:ext uri="{BB962C8B-B14F-4D97-AF65-F5344CB8AC3E}">
+        <p14:creationId xmlns:p14="http://schemas.microsoft.com/office/powerpoint/2010/main" val="2962176930"/>
+      </p:ext>
+    </p:extLst>
+  </p:cSld>
+  <p:clrMapOvr>
+    <a:masterClrMapping/>
+  </p:clrMapOvr>
+</p:sld>
+</file>
+
+<file path=ppt/slides/slide11.xml><?xml version="1.0" encoding="utf-8"?>
+<p:sld xmlns:a="http://schemas.openxmlformats.org/drawingml/2006/main" xmlns:r="http://schemas.openxmlformats.org/officeDocument/2006/relationships" xmlns:p="http://schemas.openxmlformats.org/presentationml/2006/main">
+  <p:cSld>
+    <p:spTree>
+      <p:nvGrpSpPr>
+        <p:cNvPr id="1" name=""/>
+        <p:cNvGrpSpPr/>
+        <p:nvPr/>
+      </p:nvGrpSpPr>
+      <p:grpSpPr>
+        <a:xfrm>
+          <a:off x="0" y="0"/>
+          <a:ext cx="0" cy="0"/>
+          <a:chOff x="0" y="0"/>
+          <a:chExt cx="0" cy="0"/>
+        </a:xfrm>
+      </p:grpSpPr>
+      <p:sp>
+        <p:nvSpPr>
+          <p:cNvPr id="2" name="TextBox 1">
+            <a:extLst>
+              <a:ext uri="{FF2B5EF4-FFF2-40B4-BE49-F238E27FC236}">
+                <a16:creationId xmlns:a16="http://schemas.microsoft.com/office/drawing/2014/main" id="{7514D5AD-D997-7D45-4C04-99F9292E9175}"/>
+              </a:ext>
+            </a:extLst>
+          </p:cNvPr>
+          <p:cNvSpPr txBox="1"/>
+          <p:nvPr/>
+        </p:nvSpPr>
+        <p:spPr>
+          <a:xfrm>
+            <a:off x="0" y="4637314"/>
+            <a:ext cx="893963" cy="461665"/>
+          </a:xfrm>
+          <a:prstGeom prst="rect">
+            <a:avLst/>
+          </a:prstGeom>
+          <a:noFill/>
+        </p:spPr>
+        <p:txBody>
+          <a:bodyPr wrap="none" rtlCol="0">
+            <a:spAutoFit/>
+          </a:bodyPr>
+          <a:lstStyle/>
+          <a:p>
+            <a:r>
+              <a:rPr lang="en-US" sz="2400" dirty="0"/>
+              <a:t>Logic</a:t>
+            </a:r>
+          </a:p>
+        </p:txBody>
+      </p:sp>
+      <p:pic>
+        <p:nvPicPr>
+          <p:cNvPr id="5" name="Picture 4">
+            <a:extLst>
+              <a:ext uri="{FF2B5EF4-FFF2-40B4-BE49-F238E27FC236}">
+                <a16:creationId xmlns:a16="http://schemas.microsoft.com/office/drawing/2014/main" id="{11FFDE45-2454-5AE1-9579-6E84D5DC8AF3}"/>
+              </a:ext>
+            </a:extLst>
+          </p:cNvPr>
+          <p:cNvPicPr>
+            <a:picLocks noChangeAspect="1"/>
+          </p:cNvPicPr>
+          <p:nvPr/>
+        </p:nvPicPr>
+        <p:blipFill>
+          <a:blip r:embed="rId2"/>
+          <a:stretch>
+            <a:fillRect/>
+          </a:stretch>
+        </p:blipFill>
+        <p:spPr>
+          <a:xfrm>
+            <a:off x="255146" y="0"/>
+            <a:ext cx="7887765" cy="4583863"/>
+          </a:xfrm>
+          <a:prstGeom prst="rect">
+            <a:avLst/>
+          </a:prstGeom>
+        </p:spPr>
+      </p:pic>
+      <p:sp>
+        <p:nvSpPr>
+          <p:cNvPr id="6" name="TextBox 5">
+            <a:extLst>
+              <a:ext uri="{FF2B5EF4-FFF2-40B4-BE49-F238E27FC236}">
+                <a16:creationId xmlns:a16="http://schemas.microsoft.com/office/drawing/2014/main" id="{CE51E5F8-ACAF-FC88-12D6-DCF232DB99A2}"/>
+              </a:ext>
+            </a:extLst>
+          </p:cNvPr>
+          <p:cNvSpPr txBox="1"/>
+          <p:nvPr/>
+        </p:nvSpPr>
+        <p:spPr>
+          <a:xfrm>
+            <a:off x="0" y="5026241"/>
+            <a:ext cx="8686800" cy="5909310"/>
+          </a:xfrm>
+          <a:prstGeom prst="rect">
+            <a:avLst/>
+          </a:prstGeom>
+          <a:noFill/>
+        </p:spPr>
+        <p:txBody>
+          <a:bodyPr wrap="square" rtlCol="0">
+            <a:spAutoFit/>
+          </a:bodyPr>
+          <a:lstStyle/>
+          <a:p>
+            <a:pPr marL="285750" indent="-285750">
+              <a:buFont typeface="Arial" panose="020B0604020202020204" pitchFamily="34" charset="0"/>
+              <a:buChar char="•"/>
+            </a:pPr>
+            <a:r>
+              <a:rPr lang="en-US" dirty="0"/>
+              <a:t>If Else Statements:</a:t>
+            </a:r>
+          </a:p>
+          <a:p>
+            <a:r>
+              <a:rPr lang="en-US" dirty="0"/>
+              <a:t>If condition</a:t>
+            </a:r>
+          </a:p>
+          <a:p>
+            <a:pPr lvl="1"/>
+            <a:r>
+              <a:rPr lang="en-US" dirty="0"/>
+              <a:t>Code to execute</a:t>
+            </a:r>
+          </a:p>
+          <a:p>
+            <a:r>
+              <a:rPr lang="en-US" dirty="0"/>
+              <a:t>elseif condition </a:t>
+            </a:r>
+          </a:p>
+          <a:p>
+            <a:r>
+              <a:rPr lang="en-US" dirty="0"/>
+              <a:t>	Code to execute</a:t>
+            </a:r>
+          </a:p>
+          <a:p>
+            <a:r>
+              <a:rPr lang="en-US" dirty="0"/>
+              <a:t>else</a:t>
+            </a:r>
+          </a:p>
+          <a:p>
+            <a:pPr lvl="1"/>
+            <a:r>
+              <a:rPr lang="en-US" dirty="0"/>
+              <a:t>Code to execute</a:t>
+            </a:r>
+          </a:p>
+          <a:p>
+            <a:r>
+              <a:rPr lang="en-US" dirty="0"/>
+              <a:t>End</a:t>
+            </a:r>
+          </a:p>
+          <a:p>
+            <a:endParaRPr lang="en-US" dirty="0"/>
+          </a:p>
+          <a:p>
+            <a:pPr marL="285750" indent="-285750">
+              <a:buFont typeface="Arial" panose="020B0604020202020204" pitchFamily="34" charset="0"/>
+              <a:buChar char="•"/>
+            </a:pPr>
+            <a:r>
+              <a:rPr lang="en-US" dirty="0"/>
+              <a:t>While Loops</a:t>
+            </a:r>
+          </a:p>
+          <a:p>
+            <a:r>
+              <a:rPr lang="en-US" dirty="0"/>
+              <a:t>while condition</a:t>
+            </a:r>
+          </a:p>
+          <a:p>
+            <a:r>
+              <a:rPr lang="en-US" dirty="0"/>
+              <a:t>	code</a:t>
+            </a:r>
+          </a:p>
+          <a:p>
+            <a:r>
+              <a:rPr lang="en-US" dirty="0"/>
+              <a:t>End</a:t>
+            </a:r>
+          </a:p>
+          <a:p>
+            <a:endParaRPr lang="en-US" dirty="0"/>
+          </a:p>
+          <a:p>
+            <a:pPr marL="285750" indent="-285750">
+              <a:buFont typeface="Arial" panose="020B0604020202020204" pitchFamily="34" charset="0"/>
+              <a:buChar char="•"/>
+            </a:pPr>
+            <a:r>
+              <a:rPr lang="en-US" dirty="0"/>
+              <a:t>For loops</a:t>
+            </a:r>
+          </a:p>
+          <a:p>
+            <a:r>
+              <a:rPr lang="en-US" dirty="0"/>
+              <a:t>for iterable</a:t>
+            </a:r>
+          </a:p>
+          <a:p>
+            <a:r>
+              <a:rPr lang="en-US" dirty="0"/>
+              <a:t>	code</a:t>
+            </a:r>
+          </a:p>
+          <a:p>
+            <a:r>
+              <a:rPr lang="en-US" dirty="0"/>
+              <a:t>End</a:t>
+            </a:r>
+          </a:p>
+          <a:p>
+            <a:pPr marL="742950" lvl="1" indent="-285750">
+              <a:buFont typeface="Arial" panose="020B0604020202020204" pitchFamily="34" charset="0"/>
+              <a:buChar char="•"/>
+            </a:pPr>
+            <a:r>
+              <a:rPr lang="en-US" dirty="0"/>
+              <a:t>Iterables take the form i = start:step:stop</a:t>
+            </a:r>
+          </a:p>
+          <a:p>
+            <a:endParaRPr lang="en-US" dirty="0"/>
+          </a:p>
+          <a:p>
+            <a:pPr lvl="1"/>
+            <a:endParaRPr lang="en-US" dirty="0"/>
+          </a:p>
+        </p:txBody>
+      </p:sp>
+      <p:sp>
+        <p:nvSpPr>
+          <p:cNvPr id="7" name="TextBox 6">
+            <a:extLst>
+              <a:ext uri="{FF2B5EF4-FFF2-40B4-BE49-F238E27FC236}">
+                <a16:creationId xmlns:a16="http://schemas.microsoft.com/office/drawing/2014/main" id="{10835C3B-A988-1578-E0F9-0477F5933F12}"/>
+              </a:ext>
+            </a:extLst>
+          </p:cNvPr>
+          <p:cNvSpPr txBox="1"/>
+          <p:nvPr/>
+        </p:nvSpPr>
+        <p:spPr>
+          <a:xfrm>
+            <a:off x="3037115" y="7609114"/>
+            <a:ext cx="2318657" cy="923330"/>
+          </a:xfrm>
+          <a:prstGeom prst="rect">
+            <a:avLst/>
+          </a:prstGeom>
+          <a:noFill/>
+        </p:spPr>
+        <p:txBody>
+          <a:bodyPr wrap="square" rtlCol="0">
+            <a:spAutoFit/>
+          </a:bodyPr>
+          <a:lstStyle/>
+          <a:p>
+            <a:r>
+              <a:rPr lang="en-US" dirty="0"/>
+              <a:t>break and continue are available for loops</a:t>
+            </a:r>
+          </a:p>
+        </p:txBody>
+      </p:sp>
+    </p:spTree>
+    <p:extLst>
+      <p:ext uri="{BB962C8B-B14F-4D97-AF65-F5344CB8AC3E}">
+        <p14:creationId xmlns:p14="http://schemas.microsoft.com/office/powerpoint/2010/main" val="3456218237"/>
+      </p:ext>
+    </p:extLst>
+  </p:cSld>
+  <p:clrMapOvr>
+    <a:masterClrMapping/>
+  </p:clrMapOvr>
+</p:sld>
+</file>
+
 <file path=ppt/slides/slide2.xml><?xml version="1.0" encoding="utf-8"?>
 <p:sld xmlns:a="http://schemas.openxmlformats.org/drawingml/2006/main" xmlns:r="http://schemas.openxmlformats.org/officeDocument/2006/relationships" xmlns:p="http://schemas.openxmlformats.org/presentationml/2006/main">
   <p:cSld>
@@ -5926,7 +6851,7 @@
         </p:nvSpPr>
         <p:spPr>
           <a:xfrm>
-            <a:off x="0" y="8862805"/>
+            <a:off x="0" y="8493340"/>
             <a:ext cx="4343400" cy="1200329"/>
           </a:xfrm>
           <a:prstGeom prst="rect">
@@ -6055,8 +6980,8 @@
         </p:nvSpPr>
         <p:spPr>
           <a:xfrm>
-            <a:off x="0" y="10508957"/>
-            <a:ext cx="4343400" cy="1477328"/>
+            <a:off x="0" y="9798156"/>
+            <a:ext cx="4343400" cy="2308324"/>
           </a:xfrm>
           <a:prstGeom prst="rect">
             <a:avLst/>
@@ -6072,6 +6997,15 @@
             <a:r>
               <a:rPr lang="en-US" dirty="0"/>
               <a:t>Matrix Multiplication: The element in the resulting matrix is found by doing the scalar product for the values in the original matrices of the same column and row.</a:t>
+            </a:r>
+          </a:p>
+          <a:p>
+            <a:br>
+              <a:rPr lang="en-US" dirty="0"/>
+            </a:br>
+            <a:r>
+              <a:rPr lang="en-US" dirty="0"/>
+              <a:t>The first matrix should have as many columns  as the second has rows</a:t>
             </a:r>
           </a:p>
         </p:txBody>
@@ -6991,7 +7925,7 @@
         <p:spPr>
           <a:xfrm>
             <a:off x="4343399" y="0"/>
-            <a:ext cx="4343400" cy="3972910"/>
+            <a:ext cx="4343400" cy="4247317"/>
           </a:xfrm>
           <a:prstGeom prst="rect">
             <a:avLst/>
@@ -7004,11 +7938,11 @@
           </a:bodyPr>
           <a:lstStyle/>
           <a:p>
-            <a:endParaRPr lang="en-US"/>
-          </a:p>
-          <a:p>
-            <a:r>
-              <a:rPr lang="en-US"/>
+            <a:endParaRPr lang="en-US" dirty="0"/>
+          </a:p>
+          <a:p>
+            <a:r>
+              <a:rPr lang="en-US" dirty="0"/>
               <a:t>Transposing Vectors</a:t>
             </a:r>
           </a:p>
@@ -7018,7 +7952,7 @@
               <a:buChar char="•"/>
             </a:pPr>
             <a:r>
-              <a:rPr lang="en-US"/>
+              <a:rPr lang="en-US" dirty="0"/>
               <a:t>v = v’</a:t>
             </a:r>
           </a:p>
@@ -7027,11 +7961,21 @@
               <a:buFont typeface="Arial" panose="020B0604020202020204" pitchFamily="34" charset="0"/>
               <a:buChar char="•"/>
             </a:pPr>
-            <a:endParaRPr lang="en-US"/>
-          </a:p>
-          <a:p>
-            <a:r>
-              <a:rPr lang="en-US"/>
+            <a:r>
+              <a:rPr lang="en-US" dirty="0"/>
+              <a:t>v = transpose(v)</a:t>
+            </a:r>
+          </a:p>
+          <a:p>
+            <a:pPr marL="285750" indent="-285750">
+              <a:buFont typeface="Arial" panose="020B0604020202020204" pitchFamily="34" charset="0"/>
+              <a:buChar char="•"/>
+            </a:pPr>
+            <a:endParaRPr lang="en-US" dirty="0"/>
+          </a:p>
+          <a:p>
+            <a:r>
+              <a:rPr lang="en-US" dirty="0"/>
               <a:t>Some Vector info</a:t>
             </a:r>
           </a:p>
@@ -7041,7 +7985,7 @@
               <a:buChar char="•"/>
             </a:pPr>
             <a:r>
-              <a:rPr lang="en-US"/>
+              <a:rPr lang="en-US" dirty="0"/>
               <a:t>Get a certain value from a vector</a:t>
             </a:r>
           </a:p>
@@ -7051,7 +7995,7 @@
               <a:buChar char="•"/>
             </a:pPr>
             <a:r>
-              <a:rPr lang="en-US"/>
+              <a:rPr lang="en-US" dirty="0"/>
               <a:t>v(index)</a:t>
             </a:r>
           </a:p>
@@ -7061,7 +8005,7 @@
               <a:buChar char="•"/>
             </a:pPr>
             <a:r>
-              <a:rPr lang="en-US"/>
+              <a:rPr lang="en-US" dirty="0"/>
               <a:t>Indices start at 1, not 0</a:t>
             </a:r>
           </a:p>
@@ -7071,7 +8015,7 @@
               <a:buChar char="•"/>
             </a:pPr>
             <a:r>
-              <a:rPr lang="en-US"/>
+              <a:rPr lang="en-US" dirty="0"/>
               <a:t>Max and min</a:t>
             </a:r>
           </a:p>
@@ -7081,7 +8025,7 @@
               <a:buChar char="•"/>
             </a:pPr>
             <a:r>
-              <a:rPr lang="en-US"/>
+              <a:rPr lang="en-US" dirty="0"/>
               <a:t>[value, index] = max(v)</a:t>
             </a:r>
           </a:p>
@@ -7091,7 +8035,7 @@
               <a:buChar char="•"/>
             </a:pPr>
             <a:r>
-              <a:rPr lang="en-US"/>
+              <a:rPr lang="en-US" dirty="0"/>
               <a:t>[value, index] = min(v)</a:t>
             </a:r>
           </a:p>
@@ -7100,7 +8044,7 @@
               <a:buFont typeface="Arial" panose="020B0604020202020204" pitchFamily="34" charset="0"/>
               <a:buChar char="•"/>
             </a:pPr>
-            <a:endParaRPr lang="en-US"/>
+            <a:endParaRPr lang="en-US" dirty="0"/>
           </a:p>
           <a:p>
             <a:pPr marL="285750" indent="-285750">
@@ -7108,7 +8052,7 @@
               <a:buChar char="•"/>
             </a:pPr>
             <a:r>
-              <a:rPr lang="en-US"/>
+              <a:rPr lang="en-US" dirty="0"/>
               <a:t>Length</a:t>
             </a:r>
           </a:p>
@@ -7118,10 +8062,9 @@
               <a:buChar char="•"/>
             </a:pPr>
             <a:r>
-              <a:rPr lang="en-US"/>
+              <a:rPr lang="en-US" dirty="0"/>
               <a:t>v_length = length(v)</a:t>
             </a:r>
-            <a:endParaRPr lang="en-US" dirty="0"/>
           </a:p>
         </p:txBody>
       </p:sp>
@@ -7139,7 +8082,7 @@
         </p:nvSpPr>
         <p:spPr>
           <a:xfrm>
-            <a:off x="0" y="4099035"/>
+            <a:off x="0" y="4770537"/>
             <a:ext cx="4343399" cy="6740307"/>
           </a:xfrm>
           <a:prstGeom prst="rect">
@@ -7175,7 +8118,7 @@
             </a:pPr>
             <a:r>
               <a:rPr lang="en-US" dirty="0"/>
-              <a:t>To make matrices easier to read in the code, use ‘…’ after the row, and proceed to the next row. This will make it so your matrix looks as it functions in the code.</a:t>
+              <a:t>To make matrices easier to read in the code, use ‘…’ after the row, and proceed to the next row. This will make it, so your matrix looks as it functions in the code.</a:t>
             </a:r>
           </a:p>
           <a:p>
@@ -7328,8 +8271,8 @@
         </p:nvSpPr>
         <p:spPr>
           <a:xfrm>
-            <a:off x="4343399" y="4099035"/>
-            <a:ext cx="3799053" cy="2862322"/>
+            <a:off x="4343399" y="4770537"/>
+            <a:ext cx="3799053" cy="3693319"/>
           </a:xfrm>
           <a:prstGeom prst="rect">
             <a:avLst/>
@@ -7429,6 +8372,33 @@
             <a:r>
               <a:rPr lang="en-US" dirty="0"/>
               <a:t>Given as ‘rows columns’</a:t>
+            </a:r>
+          </a:p>
+          <a:p>
+            <a:pPr marL="1200150" lvl="2" indent="-285750">
+              <a:buFont typeface="Arial" panose="020B0604020202020204" pitchFamily="34" charset="0"/>
+              <a:buChar char="•"/>
+            </a:pPr>
+            <a:endParaRPr lang="en-US" dirty="0"/>
+          </a:p>
+          <a:p>
+            <a:pPr marL="285750" indent="-285750">
+              <a:buFont typeface="Arial" panose="020B0604020202020204" pitchFamily="34" charset="0"/>
+              <a:buChar char="•"/>
+            </a:pPr>
+            <a:r>
+              <a:rPr lang="en-US" dirty="0"/>
+              <a:t>Transposing Matrices</a:t>
+            </a:r>
+          </a:p>
+          <a:p>
+            <a:pPr marL="742950" lvl="1" indent="-285750">
+              <a:buFont typeface="Arial" panose="020B0604020202020204" pitchFamily="34" charset="0"/>
+              <a:buChar char="•"/>
+            </a:pPr>
+            <a:r>
+              <a:rPr lang="en-US" dirty="0"/>
+              <a:t>Same as Vectors</a:t>
             </a:r>
           </a:p>
         </p:txBody>
@@ -7449,7 +8419,7 @@
         </p:nvCxnSpPr>
         <p:spPr>
           <a:xfrm>
-            <a:off x="0" y="3908762"/>
+            <a:off x="0" y="4580264"/>
             <a:ext cx="8686799" cy="32074"/>
           </a:xfrm>
           <a:prstGeom prst="line">
@@ -7480,6 +8450,414 @@
     <p:extLst>
       <p:ext uri="{BB962C8B-B14F-4D97-AF65-F5344CB8AC3E}">
         <p14:creationId xmlns:p14="http://schemas.microsoft.com/office/powerpoint/2010/main" val="4156372680"/>
+      </p:ext>
+    </p:extLst>
+  </p:cSld>
+  <p:clrMapOvr>
+    <a:masterClrMapping/>
+  </p:clrMapOvr>
+</p:sld>
+</file>
+
+<file path=ppt/slides/slide9.xml><?xml version="1.0" encoding="utf-8"?>
+<p:sld xmlns:a="http://schemas.openxmlformats.org/drawingml/2006/main" xmlns:r="http://schemas.openxmlformats.org/officeDocument/2006/relationships" xmlns:p="http://schemas.openxmlformats.org/presentationml/2006/main">
+  <p:cSld>
+    <p:spTree>
+      <p:nvGrpSpPr>
+        <p:cNvPr id="1" name=""/>
+        <p:cNvGrpSpPr/>
+        <p:nvPr/>
+      </p:nvGrpSpPr>
+      <p:grpSpPr>
+        <a:xfrm>
+          <a:off x="0" y="0"/>
+          <a:ext cx="0" cy="0"/>
+          <a:chOff x="0" y="0"/>
+          <a:chExt cx="0" cy="0"/>
+        </a:xfrm>
+      </p:grpSpPr>
+      <p:sp>
+        <p:nvSpPr>
+          <p:cNvPr id="2" name="TextBox 1">
+            <a:extLst>
+              <a:ext uri="{FF2B5EF4-FFF2-40B4-BE49-F238E27FC236}">
+                <a16:creationId xmlns:a16="http://schemas.microsoft.com/office/drawing/2014/main" id="{60563EB0-BB13-C2BA-6FBC-3136058601C0}"/>
+              </a:ext>
+            </a:extLst>
+          </p:cNvPr>
+          <p:cNvSpPr txBox="1"/>
+          <p:nvPr/>
+        </p:nvSpPr>
+        <p:spPr>
+          <a:xfrm>
+            <a:off x="0" y="0"/>
+            <a:ext cx="1609671" cy="461665"/>
+          </a:xfrm>
+          <a:prstGeom prst="rect">
+            <a:avLst/>
+          </a:prstGeom>
+          <a:noFill/>
+        </p:spPr>
+        <p:txBody>
+          <a:bodyPr wrap="none" rtlCol="0">
+            <a:spAutoFit/>
+          </a:bodyPr>
+          <a:lstStyle/>
+          <a:p>
+            <a:r>
+              <a:rPr lang="en-US" sz="2400" dirty="0"/>
+              <a:t>Cell Arrays</a:t>
+            </a:r>
+          </a:p>
+        </p:txBody>
+      </p:sp>
+      <p:sp>
+        <p:nvSpPr>
+          <p:cNvPr id="3" name="TextBox 2">
+            <a:extLst>
+              <a:ext uri="{FF2B5EF4-FFF2-40B4-BE49-F238E27FC236}">
+                <a16:creationId xmlns:a16="http://schemas.microsoft.com/office/drawing/2014/main" id="{2262C3EC-F6C1-90A8-14BC-CEC1AE87C5A7}"/>
+              </a:ext>
+            </a:extLst>
+          </p:cNvPr>
+          <p:cNvSpPr txBox="1"/>
+          <p:nvPr/>
+        </p:nvSpPr>
+        <p:spPr>
+          <a:xfrm>
+            <a:off x="0" y="461665"/>
+            <a:ext cx="8686800" cy="2031325"/>
+          </a:xfrm>
+          <a:prstGeom prst="rect">
+            <a:avLst/>
+          </a:prstGeom>
+          <a:noFill/>
+        </p:spPr>
+        <p:txBody>
+          <a:bodyPr wrap="square" rtlCol="0">
+            <a:spAutoFit/>
+          </a:bodyPr>
+          <a:lstStyle/>
+          <a:p>
+            <a:pPr marL="285750" indent="-285750">
+              <a:buFont typeface="Arial" panose="020B0604020202020204" pitchFamily="34" charset="0"/>
+              <a:buChar char="•"/>
+            </a:pPr>
+            <a:r>
+              <a:rPr lang="en-US" dirty="0"/>
+              <a:t>Can hold any data type and data in the cells can differ in type</a:t>
+            </a:r>
+          </a:p>
+          <a:p>
+            <a:pPr marL="285750" indent="-285750">
+              <a:buFont typeface="Arial" panose="020B0604020202020204" pitchFamily="34" charset="0"/>
+              <a:buChar char="•"/>
+            </a:pPr>
+            <a:r>
+              <a:rPr lang="en-US" dirty="0"/>
+              <a:t>Like a list of lists from python</a:t>
+            </a:r>
+          </a:p>
+          <a:p>
+            <a:pPr marL="285750" indent="-285750">
+              <a:buFont typeface="Arial" panose="020B0604020202020204" pitchFamily="34" charset="0"/>
+              <a:buChar char="•"/>
+            </a:pPr>
+            <a:r>
+              <a:rPr lang="en-US" dirty="0"/>
+              <a:t>Useful Applications:</a:t>
+            </a:r>
+          </a:p>
+          <a:p>
+            <a:pPr marL="742950" lvl="1" indent="-285750">
+              <a:buFont typeface="Arial" panose="020B0604020202020204" pitchFamily="34" charset="0"/>
+              <a:buChar char="•"/>
+            </a:pPr>
+            <a:r>
+              <a:rPr lang="en-US" dirty="0"/>
+              <a:t>When you have many instances of a similar structure of data</a:t>
+            </a:r>
+          </a:p>
+          <a:p>
+            <a:pPr marL="1200150" lvl="2" indent="-285750">
+              <a:buFont typeface="Arial" panose="020B0604020202020204" pitchFamily="34" charset="0"/>
+              <a:buChar char="•"/>
+            </a:pPr>
+            <a:r>
+              <a:rPr lang="en-US" dirty="0"/>
+              <a:t>EX: you have 100 reactors and don’t want to individually define all of them</a:t>
+            </a:r>
+          </a:p>
+          <a:p>
+            <a:pPr marL="285750" indent="-285750">
+              <a:buFont typeface="Arial" panose="020B0604020202020204" pitchFamily="34" charset="0"/>
+              <a:buChar char="•"/>
+            </a:pPr>
+            <a:r>
+              <a:rPr lang="en-US" dirty="0"/>
+              <a:t>Creating Cell Arrays</a:t>
+            </a:r>
+          </a:p>
+          <a:p>
+            <a:pPr marL="742950" lvl="1" indent="-285750">
+              <a:buFont typeface="Arial" panose="020B0604020202020204" pitchFamily="34" charset="0"/>
+              <a:buChar char="•"/>
+            </a:pPr>
+            <a:r>
+              <a:rPr lang="en-US" dirty="0"/>
+              <a:t>cell_array{row, column} = (any type of data)</a:t>
+            </a:r>
+          </a:p>
+        </p:txBody>
+      </p:sp>
+      <p:pic>
+        <p:nvPicPr>
+          <p:cNvPr id="5" name="Picture 4">
+            <a:extLst>
+              <a:ext uri="{FF2B5EF4-FFF2-40B4-BE49-F238E27FC236}">
+                <a16:creationId xmlns:a16="http://schemas.microsoft.com/office/drawing/2014/main" id="{946F195B-FBA6-19E9-3B42-C9081FCFC068}"/>
+              </a:ext>
+            </a:extLst>
+          </p:cNvPr>
+          <p:cNvPicPr>
+            <a:picLocks noChangeAspect="1"/>
+          </p:cNvPicPr>
+          <p:nvPr/>
+        </p:nvPicPr>
+        <p:blipFill>
+          <a:blip r:embed="rId2"/>
+          <a:stretch>
+            <a:fillRect/>
+          </a:stretch>
+        </p:blipFill>
+        <p:spPr>
+          <a:xfrm>
+            <a:off x="414825" y="2651945"/>
+            <a:ext cx="2762636" cy="1238423"/>
+          </a:xfrm>
+          <a:prstGeom prst="rect">
+            <a:avLst/>
+          </a:prstGeom>
+        </p:spPr>
+      </p:pic>
+      <p:pic>
+        <p:nvPicPr>
+          <p:cNvPr id="7" name="Picture 6">
+            <a:extLst>
+              <a:ext uri="{FF2B5EF4-FFF2-40B4-BE49-F238E27FC236}">
+                <a16:creationId xmlns:a16="http://schemas.microsoft.com/office/drawing/2014/main" id="{DE6C6C98-C89D-4748-CD62-9C0A8AAC8FF7}"/>
+              </a:ext>
+            </a:extLst>
+          </p:cNvPr>
+          <p:cNvPicPr>
+            <a:picLocks noChangeAspect="1"/>
+          </p:cNvPicPr>
+          <p:nvPr/>
+        </p:nvPicPr>
+        <p:blipFill>
+          <a:blip r:embed="rId3"/>
+          <a:stretch>
+            <a:fillRect/>
+          </a:stretch>
+        </p:blipFill>
+        <p:spPr>
+          <a:xfrm>
+            <a:off x="3867083" y="2514761"/>
+            <a:ext cx="952633" cy="952633"/>
+          </a:xfrm>
+          <a:prstGeom prst="rect">
+            <a:avLst/>
+          </a:prstGeom>
+        </p:spPr>
+      </p:pic>
+      <p:sp>
+        <p:nvSpPr>
+          <p:cNvPr id="8" name="TextBox 7">
+            <a:extLst>
+              <a:ext uri="{FF2B5EF4-FFF2-40B4-BE49-F238E27FC236}">
+                <a16:creationId xmlns:a16="http://schemas.microsoft.com/office/drawing/2014/main" id="{9A7F5C25-AFEE-0E12-B79D-CFCB005721C6}"/>
+              </a:ext>
+            </a:extLst>
+          </p:cNvPr>
+          <p:cNvSpPr txBox="1"/>
+          <p:nvPr/>
+        </p:nvSpPr>
+        <p:spPr>
+          <a:xfrm>
+            <a:off x="0" y="3890368"/>
+            <a:ext cx="2488695" cy="461665"/>
+          </a:xfrm>
+          <a:prstGeom prst="rect">
+            <a:avLst/>
+          </a:prstGeom>
+          <a:noFill/>
+        </p:spPr>
+        <p:txBody>
+          <a:bodyPr wrap="none" rtlCol="0">
+            <a:spAutoFit/>
+          </a:bodyPr>
+          <a:lstStyle/>
+          <a:p>
+            <a:r>
+              <a:rPr lang="en-US" sz="2400" dirty="0"/>
+              <a:t>Structured Arrays</a:t>
+            </a:r>
+          </a:p>
+        </p:txBody>
+      </p:sp>
+      <p:sp>
+        <p:nvSpPr>
+          <p:cNvPr id="9" name="TextBox 8">
+            <a:extLst>
+              <a:ext uri="{FF2B5EF4-FFF2-40B4-BE49-F238E27FC236}">
+                <a16:creationId xmlns:a16="http://schemas.microsoft.com/office/drawing/2014/main" id="{45F38B54-40EF-BCB3-315D-7BB3C0FB40D5}"/>
+              </a:ext>
+            </a:extLst>
+          </p:cNvPr>
+          <p:cNvSpPr txBox="1"/>
+          <p:nvPr/>
+        </p:nvSpPr>
+        <p:spPr>
+          <a:xfrm>
+            <a:off x="0" y="4352033"/>
+            <a:ext cx="8474529" cy="1200329"/>
+          </a:xfrm>
+          <a:prstGeom prst="rect">
+            <a:avLst/>
+          </a:prstGeom>
+          <a:noFill/>
+        </p:spPr>
+        <p:txBody>
+          <a:bodyPr wrap="square" rtlCol="0">
+            <a:spAutoFit/>
+          </a:bodyPr>
+          <a:lstStyle/>
+          <a:p>
+            <a:pPr marL="285750" indent="-285750">
+              <a:buFont typeface="Arial" panose="020B0604020202020204" pitchFamily="34" charset="0"/>
+              <a:buChar char="•"/>
+            </a:pPr>
+            <a:r>
+              <a:rPr lang="en-US" dirty="0"/>
+              <a:t>Organize data and access it by name</a:t>
+            </a:r>
+          </a:p>
+          <a:p>
+            <a:pPr marL="285750" indent="-285750">
+              <a:buFont typeface="Arial" panose="020B0604020202020204" pitchFamily="34" charset="0"/>
+              <a:buChar char="•"/>
+            </a:pPr>
+            <a:r>
+              <a:rPr lang="en-US" dirty="0"/>
+              <a:t>Like a cell array but the second dimension is not just an integer, but a way to name  the data</a:t>
+            </a:r>
+          </a:p>
+          <a:p>
+            <a:pPr marL="285750" indent="-285750">
+              <a:buFont typeface="Arial" panose="020B0604020202020204" pitchFamily="34" charset="0"/>
+              <a:buChar char="•"/>
+            </a:pPr>
+            <a:r>
+              <a:rPr lang="en-US" dirty="0"/>
+              <a:t>Kinda like a budget python class </a:t>
+            </a:r>
+          </a:p>
+        </p:txBody>
+      </p:sp>
+      <p:pic>
+        <p:nvPicPr>
+          <p:cNvPr id="11" name="Picture 10">
+            <a:extLst>
+              <a:ext uri="{FF2B5EF4-FFF2-40B4-BE49-F238E27FC236}">
+                <a16:creationId xmlns:a16="http://schemas.microsoft.com/office/drawing/2014/main" id="{A6697E39-2A7A-7A0B-1197-B2E51055382F}"/>
+              </a:ext>
+            </a:extLst>
+          </p:cNvPr>
+          <p:cNvPicPr>
+            <a:picLocks noChangeAspect="1"/>
+          </p:cNvPicPr>
+          <p:nvPr/>
+        </p:nvPicPr>
+        <p:blipFill>
+          <a:blip r:embed="rId4"/>
+          <a:stretch>
+            <a:fillRect/>
+          </a:stretch>
+        </p:blipFill>
+        <p:spPr>
+          <a:xfrm>
+            <a:off x="0" y="5812785"/>
+            <a:ext cx="5339443" cy="1248431"/>
+          </a:xfrm>
+          <a:prstGeom prst="rect">
+            <a:avLst/>
+          </a:prstGeom>
+        </p:spPr>
+      </p:pic>
+      <p:pic>
+        <p:nvPicPr>
+          <p:cNvPr id="13" name="Picture 12">
+            <a:extLst>
+              <a:ext uri="{FF2B5EF4-FFF2-40B4-BE49-F238E27FC236}">
+                <a16:creationId xmlns:a16="http://schemas.microsoft.com/office/drawing/2014/main" id="{A5213E39-B489-985D-0561-0FAAA1196E2A}"/>
+              </a:ext>
+            </a:extLst>
+          </p:cNvPr>
+          <p:cNvPicPr>
+            <a:picLocks noChangeAspect="1"/>
+          </p:cNvPicPr>
+          <p:nvPr/>
+        </p:nvPicPr>
+        <p:blipFill>
+          <a:blip r:embed="rId5"/>
+          <a:stretch>
+            <a:fillRect/>
+          </a:stretch>
+        </p:blipFill>
+        <p:spPr>
+          <a:xfrm>
+            <a:off x="414825" y="7304378"/>
+            <a:ext cx="4932790" cy="2218416"/>
+          </a:xfrm>
+          <a:prstGeom prst="rect">
+            <a:avLst/>
+          </a:prstGeom>
+        </p:spPr>
+      </p:pic>
+      <p:pic>
+        <p:nvPicPr>
+          <p:cNvPr id="15" name="Picture 14">
+            <a:extLst>
+              <a:ext uri="{FF2B5EF4-FFF2-40B4-BE49-F238E27FC236}">
+                <a16:creationId xmlns:a16="http://schemas.microsoft.com/office/drawing/2014/main" id="{D68F1CA8-CE84-8A22-0516-1F97D1A83190}"/>
+              </a:ext>
+            </a:extLst>
+          </p:cNvPr>
+          <p:cNvPicPr>
+            <a:picLocks noChangeAspect="1"/>
+          </p:cNvPicPr>
+          <p:nvPr/>
+        </p:nvPicPr>
+        <p:blipFill>
+          <a:blip r:embed="rId6"/>
+          <a:stretch>
+            <a:fillRect/>
+          </a:stretch>
+        </p:blipFill>
+        <p:spPr>
+          <a:xfrm>
+            <a:off x="581536" y="9992428"/>
+            <a:ext cx="5191850" cy="924054"/>
+          </a:xfrm>
+          <a:prstGeom prst="rect">
+            <a:avLst/>
+          </a:prstGeom>
+        </p:spPr>
+      </p:pic>
+    </p:spTree>
+    <p:extLst>
+      <p:ext uri="{BB962C8B-B14F-4D97-AF65-F5344CB8AC3E}">
+        <p14:creationId xmlns:p14="http://schemas.microsoft.com/office/powerpoint/2010/main" val="336997920"/>
       </p:ext>
     </p:extLst>
   </p:cSld>
@@ -7802,4 +9180,319 @@
     </a:ext>
   </a:extLst>
 </a:theme>
+</file>
+
+<file path=ppt/theme/theme2.xml><?xml version="1.0" encoding="utf-8"?>
+<a:theme xmlns:a="http://schemas.openxmlformats.org/drawingml/2006/main" name="Office Theme">
+  <a:themeElements>
+    <a:clrScheme name="Office">
+      <a:dk1>
+        <a:sysClr val="windowText" lastClr="000000"/>
+      </a:dk1>
+      <a:lt1>
+        <a:sysClr val="window" lastClr="FFFFFF"/>
+      </a:lt1>
+      <a:dk2>
+        <a:srgbClr val="0E2841"/>
+      </a:dk2>
+      <a:lt2>
+        <a:srgbClr val="E8E8E8"/>
+      </a:lt2>
+      <a:accent1>
+        <a:srgbClr val="156082"/>
+      </a:accent1>
+      <a:accent2>
+        <a:srgbClr val="E97132"/>
+      </a:accent2>
+      <a:accent3>
+        <a:srgbClr val="196B24"/>
+      </a:accent3>
+      <a:accent4>
+        <a:srgbClr val="0F9ED5"/>
+      </a:accent4>
+      <a:accent5>
+        <a:srgbClr val="A02B93"/>
+      </a:accent5>
+      <a:accent6>
+        <a:srgbClr val="4EA72E"/>
+      </a:accent6>
+      <a:hlink>
+        <a:srgbClr val="467886"/>
+      </a:hlink>
+      <a:folHlink>
+        <a:srgbClr val="96607D"/>
+      </a:folHlink>
+    </a:clrScheme>
+    <a:fontScheme name="Office">
+      <a:majorFont>
+        <a:latin typeface="Aptos Display" panose="02110004020202020204"/>
+        <a:ea typeface=""/>
+        <a:cs typeface=""/>
+        <a:font script="Jpan" typeface="游ゴシック Light"/>
+        <a:font script="Hang" typeface="맑은 고딕"/>
+        <a:font script="Hans" typeface="等线 Light"/>
+        <a:font script="Hant" typeface="新細明體"/>
+        <a:font script="Arab" typeface="Times New Roman"/>
+        <a:font script="Hebr" typeface="Times New Roman"/>
+        <a:font script="Thai" typeface="Angsana New"/>
+        <a:font script="Ethi" typeface="Nyala"/>
+        <a:font script="Beng" typeface="Vrinda"/>
+        <a:font script="Gujr" typeface="Shruti"/>
+        <a:font script="Khmr" typeface="MoolBoran"/>
+        <a:font script="Knda" typeface="Tunga"/>
+        <a:font script="Guru" typeface="Raavi"/>
+        <a:font script="Cans" typeface="Euphemia"/>
+        <a:font script="Cher" typeface="Plantagenet Cherokee"/>
+        <a:font script="Yiii" typeface="Microsoft Yi Baiti"/>
+        <a:font script="Tibt" typeface="Microsoft Himalaya"/>
+        <a:font script="Thaa" typeface="MV Boli"/>
+        <a:font script="Deva" typeface="Mangal"/>
+        <a:font script="Telu" typeface="Gautami"/>
+        <a:font script="Taml" typeface="Latha"/>
+        <a:font script="Syrc" typeface="Estrangelo Edessa"/>
+        <a:font script="Orya" typeface="Kalinga"/>
+        <a:font script="Mlym" typeface="Kartika"/>
+        <a:font script="Laoo" typeface="DokChampa"/>
+        <a:font script="Sinh" typeface="Iskoola Pota"/>
+        <a:font script="Mong" typeface="Mongolian Baiti"/>
+        <a:font script="Viet" typeface="Times New Roman"/>
+        <a:font script="Uigh" typeface="Microsoft Uighur"/>
+        <a:font script="Geor" typeface="Sylfaen"/>
+        <a:font script="Armn" typeface="Arial"/>
+        <a:font script="Bugi" typeface="Leelawadee UI"/>
+        <a:font script="Bopo" typeface="Microsoft JhengHei"/>
+        <a:font script="Java" typeface="Javanese Text"/>
+        <a:font script="Lisu" typeface="Segoe UI"/>
+        <a:font script="Mymr" typeface="Myanmar Text"/>
+        <a:font script="Nkoo" typeface="Ebrima"/>
+        <a:font script="Olck" typeface="Nirmala UI"/>
+        <a:font script="Osma" typeface="Ebrima"/>
+        <a:font script="Phag" typeface="Phagspa"/>
+        <a:font script="Syrn" typeface="Estrangelo Edessa"/>
+        <a:font script="Syrj" typeface="Estrangelo Edessa"/>
+        <a:font script="Syre" typeface="Estrangelo Edessa"/>
+        <a:font script="Sora" typeface="Nirmala UI"/>
+        <a:font script="Tale" typeface="Microsoft Tai Le"/>
+        <a:font script="Talu" typeface="Microsoft New Tai Lue"/>
+        <a:font script="Tfng" typeface="Ebrima"/>
+      </a:majorFont>
+      <a:minorFont>
+        <a:latin typeface="Aptos" panose="02110004020202020204"/>
+        <a:ea typeface=""/>
+        <a:cs typeface=""/>
+        <a:font script="Jpan" typeface="游ゴシック"/>
+        <a:font script="Hang" typeface="맑은 고딕"/>
+        <a:font script="Hans" typeface="等线"/>
+        <a:font script="Hant" typeface="新細明體"/>
+        <a:font script="Arab" typeface="Arial"/>
+        <a:font script="Hebr" typeface="Arial"/>
+        <a:font script="Thai" typeface="Cordia New"/>
+        <a:font script="Ethi" typeface="Nyala"/>
+        <a:font script="Beng" typeface="Vrinda"/>
+        <a:font script="Gujr" typeface="Shruti"/>
+        <a:font script="Khmr" typeface="DaunPenh"/>
+        <a:font script="Knda" typeface="Tunga"/>
+        <a:font script="Guru" typeface="Raavi"/>
+        <a:font script="Cans" typeface="Euphemia"/>
+        <a:font script="Cher" typeface="Plantagenet Cherokee"/>
+        <a:font script="Yiii" typeface="Microsoft Yi Baiti"/>
+        <a:font script="Tibt" typeface="Microsoft Himalaya"/>
+        <a:font script="Thaa" typeface="MV Boli"/>
+        <a:font script="Deva" typeface="Mangal"/>
+        <a:font script="Telu" typeface="Gautami"/>
+        <a:font script="Taml" typeface="Latha"/>
+        <a:font script="Syrc" typeface="Estrangelo Edessa"/>
+        <a:font script="Orya" typeface="Kalinga"/>
+        <a:font script="Mlym" typeface="Kartika"/>
+        <a:font script="Laoo" typeface="DokChampa"/>
+        <a:font script="Sinh" typeface="Iskoola Pota"/>
+        <a:font script="Mong" typeface="Mongolian Baiti"/>
+        <a:font script="Viet" typeface="Arial"/>
+        <a:font script="Uigh" typeface="Microsoft Uighur"/>
+        <a:font script="Geor" typeface="Sylfaen"/>
+        <a:font script="Armn" typeface="Arial"/>
+        <a:font script="Bugi" typeface="Leelawadee UI"/>
+        <a:font script="Bopo" typeface="Microsoft JhengHei"/>
+        <a:font script="Java" typeface="Javanese Text"/>
+        <a:font script="Lisu" typeface="Segoe UI"/>
+        <a:font script="Mymr" typeface="Myanmar Text"/>
+        <a:font script="Nkoo" typeface="Ebrima"/>
+        <a:font script="Olck" typeface="Nirmala UI"/>
+        <a:font script="Osma" typeface="Ebrima"/>
+        <a:font script="Phag" typeface="Phagspa"/>
+        <a:font script="Syrn" typeface="Estrangelo Edessa"/>
+        <a:font script="Syrj" typeface="Estrangelo Edessa"/>
+        <a:font script="Syre" typeface="Estrangelo Edessa"/>
+        <a:font script="Sora" typeface="Nirmala UI"/>
+        <a:font script="Tale" typeface="Microsoft Tai Le"/>
+        <a:font script="Talu" typeface="Microsoft New Tai Lue"/>
+        <a:font script="Tfng" typeface="Ebrima"/>
+      </a:minorFont>
+    </a:fontScheme>
+    <a:fmtScheme name="Office">
+      <a:fillStyleLst>
+        <a:solidFill>
+          <a:schemeClr val="phClr"/>
+        </a:solidFill>
+        <a:gradFill rotWithShape="1">
+          <a:gsLst>
+            <a:gs pos="0">
+              <a:schemeClr val="phClr">
+                <a:lumMod val="110000"/>
+                <a:satMod val="105000"/>
+                <a:tint val="67000"/>
+              </a:schemeClr>
+            </a:gs>
+            <a:gs pos="50000">
+              <a:schemeClr val="phClr">
+                <a:lumMod val="105000"/>
+                <a:satMod val="103000"/>
+                <a:tint val="73000"/>
+              </a:schemeClr>
+            </a:gs>
+            <a:gs pos="100000">
+              <a:schemeClr val="phClr">
+                <a:lumMod val="105000"/>
+                <a:satMod val="109000"/>
+                <a:tint val="81000"/>
+              </a:schemeClr>
+            </a:gs>
+          </a:gsLst>
+          <a:lin ang="5400000" scaled="0"/>
+        </a:gradFill>
+        <a:gradFill rotWithShape="1">
+          <a:gsLst>
+            <a:gs pos="0">
+              <a:schemeClr val="phClr">
+                <a:satMod val="103000"/>
+                <a:lumMod val="102000"/>
+                <a:tint val="94000"/>
+              </a:schemeClr>
+            </a:gs>
+            <a:gs pos="50000">
+              <a:schemeClr val="phClr">
+                <a:satMod val="110000"/>
+                <a:lumMod val="100000"/>
+                <a:shade val="100000"/>
+              </a:schemeClr>
+            </a:gs>
+            <a:gs pos="100000">
+              <a:schemeClr val="phClr">
+                <a:lumMod val="99000"/>
+                <a:satMod val="120000"/>
+                <a:shade val="78000"/>
+              </a:schemeClr>
+            </a:gs>
+          </a:gsLst>
+          <a:lin ang="5400000" scaled="0"/>
+        </a:gradFill>
+      </a:fillStyleLst>
+      <a:lnStyleLst>
+        <a:ln w="12700" cap="flat" cmpd="sng" algn="ctr">
+          <a:solidFill>
+            <a:schemeClr val="phClr"/>
+          </a:solidFill>
+          <a:prstDash val="solid"/>
+          <a:miter lim="800000"/>
+        </a:ln>
+        <a:ln w="19050" cap="flat" cmpd="sng" algn="ctr">
+          <a:solidFill>
+            <a:schemeClr val="phClr"/>
+          </a:solidFill>
+          <a:prstDash val="solid"/>
+          <a:miter lim="800000"/>
+        </a:ln>
+        <a:ln w="25400" cap="flat" cmpd="sng" algn="ctr">
+          <a:solidFill>
+            <a:schemeClr val="phClr"/>
+          </a:solidFill>
+          <a:prstDash val="solid"/>
+          <a:miter lim="800000"/>
+        </a:ln>
+      </a:lnStyleLst>
+      <a:effectStyleLst>
+        <a:effectStyle>
+          <a:effectLst/>
+        </a:effectStyle>
+        <a:effectStyle>
+          <a:effectLst/>
+        </a:effectStyle>
+        <a:effectStyle>
+          <a:effectLst>
+            <a:outerShdw blurRad="57150" dist="19050" dir="5400000" algn="ctr" rotWithShape="0">
+              <a:srgbClr val="000000">
+                <a:alpha val="63000"/>
+              </a:srgbClr>
+            </a:outerShdw>
+          </a:effectLst>
+        </a:effectStyle>
+      </a:effectStyleLst>
+      <a:bgFillStyleLst>
+        <a:solidFill>
+          <a:schemeClr val="phClr"/>
+        </a:solidFill>
+        <a:solidFill>
+          <a:schemeClr val="phClr">
+            <a:tint val="95000"/>
+            <a:satMod val="170000"/>
+          </a:schemeClr>
+        </a:solidFill>
+        <a:gradFill rotWithShape="1">
+          <a:gsLst>
+            <a:gs pos="0">
+              <a:schemeClr val="phClr">
+                <a:tint val="93000"/>
+                <a:satMod val="150000"/>
+                <a:shade val="98000"/>
+                <a:lumMod val="102000"/>
+              </a:schemeClr>
+            </a:gs>
+            <a:gs pos="50000">
+              <a:schemeClr val="phClr">
+                <a:tint val="98000"/>
+                <a:satMod val="130000"/>
+                <a:shade val="90000"/>
+                <a:lumMod val="103000"/>
+              </a:schemeClr>
+            </a:gs>
+            <a:gs pos="100000">
+              <a:schemeClr val="phClr">
+                <a:shade val="63000"/>
+                <a:satMod val="120000"/>
+              </a:schemeClr>
+            </a:gs>
+          </a:gsLst>
+          <a:lin ang="5400000" scaled="0"/>
+        </a:gradFill>
+      </a:bgFillStyleLst>
+    </a:fmtScheme>
+  </a:themeElements>
+  <a:objectDefaults>
+    <a:lnDef>
+      <a:spPr/>
+      <a:bodyPr/>
+      <a:lstStyle/>
+      <a:style>
+        <a:lnRef idx="2">
+          <a:schemeClr val="accent1"/>
+        </a:lnRef>
+        <a:fillRef idx="0">
+          <a:schemeClr val="accent1"/>
+        </a:fillRef>
+        <a:effectRef idx="1">
+          <a:schemeClr val="accent1"/>
+        </a:effectRef>
+        <a:fontRef idx="minor">
+          <a:schemeClr val="tx1"/>
+        </a:fontRef>
+      </a:style>
+    </a:lnDef>
+  </a:objectDefaults>
+  <a:extraClrSchemeLst/>
+  <a:extLst>
+    <a:ext uri="{05A4C25C-085E-4340-85A3-A5531E510DB2}">
+      <thm15:themeFamily xmlns:thm15="http://schemas.microsoft.com/office/thememl/2012/main" name="Office Theme" id="{2E142A2C-CD16-42D6-873A-C26D2A0506FA}" vid="{1BDDFF52-6CD6-40A5-AB3C-68EB2F1E4D0A}"/>
+    </a:ext>
+  </a:extLst>
+</a:theme>
 </file>
--- a/NumericalAnalysis.pptx
+++ b/NumericalAnalysis.pptx
@@ -152,6 +152,73 @@
 </p:presentation>
 </file>
 
+<file path=ppt/changesInfos/changesInfo1.xml><?xml version="1.0" encoding="utf-8"?>
+<pc:chgInfo xmlns:a="http://schemas.openxmlformats.org/drawingml/2006/main" xmlns:r="http://schemas.openxmlformats.org/officeDocument/2006/relationships" xmlns:ac="http://schemas.microsoft.com/office/drawing/2013/main/command" xmlns:pc="http://schemas.microsoft.com/office/powerpoint/2013/main/command">
+  <pc:docChgLst>
+    <pc:chgData name="William Roosa" userId="b17c6545b7781650" providerId="LiveId" clId="{66548102-2CC8-4663-B151-0A7D9FAD8DFB}"/>
+    <pc:docChg chg="custSel modSld">
+      <pc:chgData name="William Roosa" userId="b17c6545b7781650" providerId="LiveId" clId="{66548102-2CC8-4663-B151-0A7D9FAD8DFB}" dt="2024-08-26T14:28:58.515" v="50" actId="20577"/>
+      <pc:docMkLst>
+        <pc:docMk/>
+      </pc:docMkLst>
+      <pc:sldChg chg="modSp mod">
+        <pc:chgData name="William Roosa" userId="b17c6545b7781650" providerId="LiveId" clId="{66548102-2CC8-4663-B151-0A7D9FAD8DFB}" dt="2024-08-26T14:15:55.960" v="12" actId="1076"/>
+        <pc:sldMkLst>
+          <pc:docMk/>
+          <pc:sldMk cId="2443503639" sldId="261"/>
+        </pc:sldMkLst>
+        <pc:picChg chg="mod">
+          <ac:chgData name="William Roosa" userId="b17c6545b7781650" providerId="LiveId" clId="{66548102-2CC8-4663-B151-0A7D9FAD8DFB}" dt="2024-08-26T14:15:55.960" v="12" actId="1076"/>
+          <ac:picMkLst>
+            <pc:docMk/>
+            <pc:sldMk cId="2443503639" sldId="261"/>
+            <ac:picMk id="5" creationId="{C373702F-BCA4-ADAB-8CFC-8D59DCFB2F2B}"/>
+          </ac:picMkLst>
+        </pc:picChg>
+      </pc:sldChg>
+      <pc:sldChg chg="modSp mod">
+        <pc:chgData name="William Roosa" userId="b17c6545b7781650" providerId="LiveId" clId="{66548102-2CC8-4663-B151-0A7D9FAD8DFB}" dt="2024-08-26T14:28:58.515" v="50" actId="20577"/>
+        <pc:sldMkLst>
+          <pc:docMk/>
+          <pc:sldMk cId="336997920" sldId="264"/>
+        </pc:sldMkLst>
+        <pc:spChg chg="mod">
+          <ac:chgData name="William Roosa" userId="b17c6545b7781650" providerId="LiveId" clId="{66548102-2CC8-4663-B151-0A7D9FAD8DFB}" dt="2024-08-26T14:28:58.515" v="50" actId="20577"/>
+          <ac:spMkLst>
+            <pc:docMk/>
+            <pc:sldMk cId="336997920" sldId="264"/>
+            <ac:spMk id="9" creationId="{45F38B54-40EF-BCB3-315D-7BB3C0FB40D5}"/>
+          </ac:spMkLst>
+        </pc:spChg>
+      </pc:sldChg>
+      <pc:sldChg chg="modSp mod">
+        <pc:chgData name="William Roosa" userId="b17c6545b7781650" providerId="LiveId" clId="{66548102-2CC8-4663-B151-0A7D9FAD8DFB}" dt="2024-08-26T14:11:39.449" v="9" actId="20577"/>
+        <pc:sldMkLst>
+          <pc:docMk/>
+          <pc:sldMk cId="3456218237" sldId="266"/>
+        </pc:sldMkLst>
+        <pc:spChg chg="mod">
+          <ac:chgData name="William Roosa" userId="b17c6545b7781650" providerId="LiveId" clId="{66548102-2CC8-4663-B151-0A7D9FAD8DFB}" dt="2024-08-26T14:11:39.449" v="9" actId="20577"/>
+          <ac:spMkLst>
+            <pc:docMk/>
+            <pc:sldMk cId="3456218237" sldId="266"/>
+            <ac:spMk id="6" creationId="{CE51E5F8-ACAF-FC88-12D6-DCF232DB99A2}"/>
+          </ac:spMkLst>
+        </pc:spChg>
+        <pc:spChg chg="mod">
+          <ac:chgData name="William Roosa" userId="b17c6545b7781650" providerId="LiveId" clId="{66548102-2CC8-4663-B151-0A7D9FAD8DFB}" dt="2024-08-26T14:11:28.486" v="3" actId="1076"/>
+          <ac:spMkLst>
+            <pc:docMk/>
+            <pc:sldMk cId="3456218237" sldId="266"/>
+            <ac:spMk id="7" creationId="{10835C3B-A988-1578-E0F9-0477F5933F12}"/>
+          </ac:spMkLst>
+        </pc:spChg>
+      </pc:sldChg>
+    </pc:docChg>
+  </pc:docChgLst>
+</pc:chgInfo>
+</file>
+
 <file path=ppt/notesMasters/notesMaster1.xml><?xml version="1.0" encoding="utf-8"?>
 <p:notesMaster xmlns:a="http://schemas.openxmlformats.org/drawingml/2006/main" xmlns:r="http://schemas.openxmlformats.org/officeDocument/2006/relationships" xmlns:p="http://schemas.openxmlformats.org/presentationml/2006/main">
   <p:cSld>
@@ -234,7 +301,7 @@
           <a:p>
             <a:fld id="{D73F8D8E-3E04-4EB4-B144-A34AD5F0C34E}" type="datetimeFigureOut">
               <a:rPr lang="en-US" smtClean="0"/>
-              <a:t>8/25/2024</a:t>
+              <a:t>8/26/2024</a:t>
             </a:fld>
             <a:endParaRPr lang="en-US"/>
           </a:p>
@@ -632,7 +699,7 @@
           <a:p>
             <a:fld id="{67157E4C-E9FC-4B27-8390-C5DE454F8950}" type="datetimeFigureOut">
               <a:rPr lang="en-US" smtClean="0"/>
-              <a:t>8/25/2024</a:t>
+              <a:t>8/26/2024</a:t>
             </a:fld>
             <a:endParaRPr lang="en-US"/>
           </a:p>
@@ -802,7 +869,7 @@
           <a:p>
             <a:fld id="{67157E4C-E9FC-4B27-8390-C5DE454F8950}" type="datetimeFigureOut">
               <a:rPr lang="en-US" smtClean="0"/>
-              <a:t>8/25/2024</a:t>
+              <a:t>8/26/2024</a:t>
             </a:fld>
             <a:endParaRPr lang="en-US"/>
           </a:p>
@@ -982,7 +1049,7 @@
           <a:p>
             <a:fld id="{67157E4C-E9FC-4B27-8390-C5DE454F8950}" type="datetimeFigureOut">
               <a:rPr lang="en-US" smtClean="0"/>
-              <a:t>8/25/2024</a:t>
+              <a:t>8/26/2024</a:t>
             </a:fld>
             <a:endParaRPr lang="en-US"/>
           </a:p>
@@ -1152,7 +1219,7 @@
           <a:p>
             <a:fld id="{67157E4C-E9FC-4B27-8390-C5DE454F8950}" type="datetimeFigureOut">
               <a:rPr lang="en-US" smtClean="0"/>
-              <a:t>8/25/2024</a:t>
+              <a:t>8/26/2024</a:t>
             </a:fld>
             <a:endParaRPr lang="en-US"/>
           </a:p>
@@ -1398,7 +1465,7 @@
           <a:p>
             <a:fld id="{67157E4C-E9FC-4B27-8390-C5DE454F8950}" type="datetimeFigureOut">
               <a:rPr lang="en-US" smtClean="0"/>
-              <a:t>8/25/2024</a:t>
+              <a:t>8/26/2024</a:t>
             </a:fld>
             <a:endParaRPr lang="en-US"/>
           </a:p>
@@ -1630,7 +1697,7 @@
           <a:p>
             <a:fld id="{67157E4C-E9FC-4B27-8390-C5DE454F8950}" type="datetimeFigureOut">
               <a:rPr lang="en-US" smtClean="0"/>
-              <a:t>8/25/2024</a:t>
+              <a:t>8/26/2024</a:t>
             </a:fld>
             <a:endParaRPr lang="en-US"/>
           </a:p>
@@ -1997,7 +2064,7 @@
           <a:p>
             <a:fld id="{67157E4C-E9FC-4B27-8390-C5DE454F8950}" type="datetimeFigureOut">
               <a:rPr lang="en-US" smtClean="0"/>
-              <a:t>8/25/2024</a:t>
+              <a:t>8/26/2024</a:t>
             </a:fld>
             <a:endParaRPr lang="en-US"/>
           </a:p>
@@ -2115,7 +2182,7 @@
           <a:p>
             <a:fld id="{67157E4C-E9FC-4B27-8390-C5DE454F8950}" type="datetimeFigureOut">
               <a:rPr lang="en-US" smtClean="0"/>
-              <a:t>8/25/2024</a:t>
+              <a:t>8/26/2024</a:t>
             </a:fld>
             <a:endParaRPr lang="en-US"/>
           </a:p>
@@ -2210,7 +2277,7 @@
           <a:p>
             <a:fld id="{67157E4C-E9FC-4B27-8390-C5DE454F8950}" type="datetimeFigureOut">
               <a:rPr lang="en-US" smtClean="0"/>
-              <a:t>8/25/2024</a:t>
+              <a:t>8/26/2024</a:t>
             </a:fld>
             <a:endParaRPr lang="en-US"/>
           </a:p>
@@ -2487,7 +2554,7 @@
           <a:p>
             <a:fld id="{67157E4C-E9FC-4B27-8390-C5DE454F8950}" type="datetimeFigureOut">
               <a:rPr lang="en-US" smtClean="0"/>
-              <a:t>8/25/2024</a:t>
+              <a:t>8/26/2024</a:t>
             </a:fld>
             <a:endParaRPr lang="en-US"/>
           </a:p>
@@ -2744,7 +2811,7 @@
           <a:p>
             <a:fld id="{67157E4C-E9FC-4B27-8390-C5DE454F8950}" type="datetimeFigureOut">
               <a:rPr lang="en-US" smtClean="0"/>
-              <a:t>8/25/2024</a:t>
+              <a:t>8/26/2024</a:t>
             </a:fld>
             <a:endParaRPr lang="en-US"/>
           </a:p>
@@ -2957,7 +3024,7 @@
           <a:p>
             <a:fld id="{67157E4C-E9FC-4B27-8390-C5DE454F8950}" type="datetimeFigureOut">
               <a:rPr lang="en-US" smtClean="0"/>
-              <a:t>8/25/2024</a:t>
+              <a:t>8/26/2024</a:t>
             </a:fld>
             <a:endParaRPr lang="en-US"/>
           </a:p>
@@ -4717,7 +4784,7 @@
         <p:spPr>
           <a:xfrm>
             <a:off x="0" y="5026241"/>
-            <a:ext cx="8686800" cy="5909310"/>
+            <a:ext cx="8686800" cy="6740307"/>
           </a:xfrm>
           <a:prstGeom prst="rect">
             <a:avLst/>
@@ -4740,6 +4807,13 @@
             </a:r>
           </a:p>
           <a:p>
+            <a:pPr marL="285750" indent="-285750">
+              <a:buFont typeface="Arial" panose="020B0604020202020204" pitchFamily="34" charset="0"/>
+              <a:buChar char="•"/>
+            </a:pPr>
+            <a:endParaRPr lang="en-US" dirty="0"/>
+          </a:p>
+          <a:p>
             <a:r>
               <a:rPr lang="en-US" dirty="0"/>
               <a:t>If condition</a:t>
@@ -4780,7 +4854,7 @@
           <a:p>
             <a:r>
               <a:rPr lang="en-US" dirty="0"/>
-              <a:t>End</a:t>
+              <a:t>end</a:t>
             </a:r>
           </a:p>
           <a:p>
@@ -4797,6 +4871,13 @@
             </a:r>
           </a:p>
           <a:p>
+            <a:pPr marL="285750" indent="-285750">
+              <a:buFont typeface="Arial" panose="020B0604020202020204" pitchFamily="34" charset="0"/>
+              <a:buChar char="•"/>
+            </a:pPr>
+            <a:endParaRPr lang="en-US" dirty="0"/>
+          </a:p>
+          <a:p>
             <a:r>
               <a:rPr lang="en-US" dirty="0"/>
               <a:t>while condition</a:t>
@@ -4811,7 +4892,7 @@
           <a:p>
             <a:r>
               <a:rPr lang="en-US" dirty="0"/>
-              <a:t>End</a:t>
+              <a:t>end</a:t>
             </a:r>
           </a:p>
           <a:p>
@@ -4828,6 +4909,13 @@
             </a:r>
           </a:p>
           <a:p>
+            <a:pPr marL="285750" indent="-285750">
+              <a:buFont typeface="Arial" panose="020B0604020202020204" pitchFamily="34" charset="0"/>
+              <a:buChar char="•"/>
+            </a:pPr>
+            <a:endParaRPr lang="en-US" dirty="0"/>
+          </a:p>
+          <a:p>
             <a:r>
               <a:rPr lang="en-US" dirty="0"/>
               <a:t>for iterable</a:t>
@@ -4842,8 +4930,13 @@
           <a:p>
             <a:r>
               <a:rPr lang="en-US" dirty="0"/>
-              <a:t>End</a:t>
-            </a:r>
+              <a:t>e</a:t>
+            </a:r>
+            <a:r>
+              <a:rPr lang="en-US"/>
+              <a:t>nd</a:t>
+            </a:r>
+            <a:endParaRPr lang="en-US" dirty="0"/>
           </a:p>
           <a:p>
             <a:pPr marL="742950" lvl="1" indent="-285750">
@@ -4878,7 +4971,7 @@
         </p:nvSpPr>
         <p:spPr>
           <a:xfrm>
-            <a:off x="3037115" y="7609114"/>
+            <a:off x="2478315" y="8608181"/>
             <a:ext cx="2318657" cy="923330"/>
           </a:xfrm>
           <a:prstGeom prst="rect">
@@ -7544,8 +7637,8 @@
         </p:blipFill>
         <p:spPr>
           <a:xfrm>
-            <a:off x="649528" y="8029040"/>
-            <a:ext cx="6905297" cy="3688139"/>
+            <a:off x="127000" y="7688017"/>
+            <a:ext cx="8432800" cy="4503983"/>
           </a:xfrm>
           <a:prstGeom prst="rect">
             <a:avLst/>
@@ -8759,7 +8852,7 @@
             </a:pPr>
             <a:r>
               <a:rPr lang="en-US" dirty="0"/>
-              <a:t>Kinda like a budget python class </a:t>
+              <a:t>Like a python dictionary</a:t>
             </a:r>
           </a:p>
         </p:txBody>

--- a/NumericalAnalysis.pptx
+++ b/NumericalAnalysis.pptx
@@ -5,7 +5,7 @@
     <p:sldMasterId id="2147483660" r:id="rId1"/>
   </p:sldMasterIdLst>
   <p:notesMasterIdLst>
-    <p:notesMasterId r:id="rId13"/>
+    <p:notesMasterId r:id="rId15"/>
   </p:notesMasterIdLst>
   <p:sldIdLst>
     <p:sldId id="256" r:id="rId2"/>
@@ -19,6 +19,8 @@
     <p:sldId id="264" r:id="rId10"/>
     <p:sldId id="265" r:id="rId11"/>
     <p:sldId id="266" r:id="rId12"/>
+    <p:sldId id="267" r:id="rId13"/>
+    <p:sldId id="268" r:id="rId14"/>
   </p:sldIdLst>
   <p:sldSz cx="8686800" cy="12192000"/>
   <p:notesSz cx="6858000" cy="9144000"/>
@@ -141,6 +143,8 @@
             <p14:sldId id="264"/>
             <p14:sldId id="265"/>
             <p14:sldId id="266"/>
+            <p14:sldId id="267"/>
+            <p14:sldId id="268"/>
           </p14:sldIdLst>
         </p14:section>
       </p14:sectionLst>
@@ -301,7 +305,7 @@
           <a:p>
             <a:fld id="{D73F8D8E-3E04-4EB4-B144-A34AD5F0C34E}" type="datetimeFigureOut">
               <a:rPr lang="en-US" smtClean="0"/>
-              <a:t>8/26/2024</a:t>
+              <a:t>8/27/2024</a:t>
             </a:fld>
             <a:endParaRPr lang="en-US"/>
           </a:p>
@@ -699,7 +703,7 @@
           <a:p>
             <a:fld id="{67157E4C-E9FC-4B27-8390-C5DE454F8950}" type="datetimeFigureOut">
               <a:rPr lang="en-US" smtClean="0"/>
-              <a:t>8/26/2024</a:t>
+              <a:t>8/27/2024</a:t>
             </a:fld>
             <a:endParaRPr lang="en-US"/>
           </a:p>
@@ -869,7 +873,7 @@
           <a:p>
             <a:fld id="{67157E4C-E9FC-4B27-8390-C5DE454F8950}" type="datetimeFigureOut">
               <a:rPr lang="en-US" smtClean="0"/>
-              <a:t>8/26/2024</a:t>
+              <a:t>8/27/2024</a:t>
             </a:fld>
             <a:endParaRPr lang="en-US"/>
           </a:p>
@@ -1049,7 +1053,7 @@
           <a:p>
             <a:fld id="{67157E4C-E9FC-4B27-8390-C5DE454F8950}" type="datetimeFigureOut">
               <a:rPr lang="en-US" smtClean="0"/>
-              <a:t>8/26/2024</a:t>
+              <a:t>8/27/2024</a:t>
             </a:fld>
             <a:endParaRPr lang="en-US"/>
           </a:p>
@@ -1219,7 +1223,7 @@
           <a:p>
             <a:fld id="{67157E4C-E9FC-4B27-8390-C5DE454F8950}" type="datetimeFigureOut">
               <a:rPr lang="en-US" smtClean="0"/>
-              <a:t>8/26/2024</a:t>
+              <a:t>8/27/2024</a:t>
             </a:fld>
             <a:endParaRPr lang="en-US"/>
           </a:p>
@@ -1465,7 +1469,7 @@
           <a:p>
             <a:fld id="{67157E4C-E9FC-4B27-8390-C5DE454F8950}" type="datetimeFigureOut">
               <a:rPr lang="en-US" smtClean="0"/>
-              <a:t>8/26/2024</a:t>
+              <a:t>8/27/2024</a:t>
             </a:fld>
             <a:endParaRPr lang="en-US"/>
           </a:p>
@@ -1697,7 +1701,7 @@
           <a:p>
             <a:fld id="{67157E4C-E9FC-4B27-8390-C5DE454F8950}" type="datetimeFigureOut">
               <a:rPr lang="en-US" smtClean="0"/>
-              <a:t>8/26/2024</a:t>
+              <a:t>8/27/2024</a:t>
             </a:fld>
             <a:endParaRPr lang="en-US"/>
           </a:p>
@@ -2064,7 +2068,7 @@
           <a:p>
             <a:fld id="{67157E4C-E9FC-4B27-8390-C5DE454F8950}" type="datetimeFigureOut">
               <a:rPr lang="en-US" smtClean="0"/>
-              <a:t>8/26/2024</a:t>
+              <a:t>8/27/2024</a:t>
             </a:fld>
             <a:endParaRPr lang="en-US"/>
           </a:p>
@@ -2182,7 +2186,7 @@
           <a:p>
             <a:fld id="{67157E4C-E9FC-4B27-8390-C5DE454F8950}" type="datetimeFigureOut">
               <a:rPr lang="en-US" smtClean="0"/>
-              <a:t>8/26/2024</a:t>
+              <a:t>8/27/2024</a:t>
             </a:fld>
             <a:endParaRPr lang="en-US"/>
           </a:p>
@@ -2277,7 +2281,7 @@
           <a:p>
             <a:fld id="{67157E4C-E9FC-4B27-8390-C5DE454F8950}" type="datetimeFigureOut">
               <a:rPr lang="en-US" smtClean="0"/>
-              <a:t>8/26/2024</a:t>
+              <a:t>8/27/2024</a:t>
             </a:fld>
             <a:endParaRPr lang="en-US"/>
           </a:p>
@@ -2554,7 +2558,7 @@
           <a:p>
             <a:fld id="{67157E4C-E9FC-4B27-8390-C5DE454F8950}" type="datetimeFigureOut">
               <a:rPr lang="en-US" smtClean="0"/>
-              <a:t>8/26/2024</a:t>
+              <a:t>8/27/2024</a:t>
             </a:fld>
             <a:endParaRPr lang="en-US"/>
           </a:p>
@@ -2811,7 +2815,7 @@
           <a:p>
             <a:fld id="{67157E4C-E9FC-4B27-8390-C5DE454F8950}" type="datetimeFigureOut">
               <a:rPr lang="en-US" smtClean="0"/>
-              <a:t>8/26/2024</a:t>
+              <a:t>8/27/2024</a:t>
             </a:fld>
             <a:endParaRPr lang="en-US"/>
           </a:p>
@@ -3024,7 +3028,7 @@
           <a:p>
             <a:fld id="{67157E4C-E9FC-4B27-8390-C5DE454F8950}" type="datetimeFigureOut">
               <a:rPr lang="en-US" smtClean="0"/>
-              <a:t>8/26/2024</a:t>
+              <a:t>8/27/2024</a:t>
             </a:fld>
             <a:endParaRPr lang="en-US"/>
           </a:p>
@@ -4674,6 +4678,36 @@
           </a:prstGeom>
         </p:spPr>
       </p:pic>
+      <p:pic>
+        <p:nvPicPr>
+          <p:cNvPr id="4" name="Picture 3">
+            <a:extLst>
+              <a:ext uri="{FF2B5EF4-FFF2-40B4-BE49-F238E27FC236}">
+                <a16:creationId xmlns:a16="http://schemas.microsoft.com/office/drawing/2014/main" id="{11FFDE45-2454-5AE1-9579-6E84D5DC8AF3}"/>
+              </a:ext>
+            </a:extLst>
+          </p:cNvPr>
+          <p:cNvPicPr>
+            <a:picLocks noChangeAspect="1"/>
+          </p:cNvPicPr>
+          <p:nvPr/>
+        </p:nvPicPr>
+        <p:blipFill>
+          <a:blip r:embed="rId3"/>
+          <a:stretch>
+            <a:fillRect/>
+          </a:stretch>
+        </p:blipFill>
+        <p:spPr>
+          <a:xfrm>
+            <a:off x="399516" y="7146472"/>
+            <a:ext cx="7887765" cy="4583863"/>
+          </a:xfrm>
+          <a:prstGeom prst="rect">
+            <a:avLst/>
+          </a:prstGeom>
+        </p:spPr>
+      </p:pic>
     </p:spTree>
     <p:extLst>
       <p:ext uri="{BB962C8B-B14F-4D97-AF65-F5344CB8AC3E}">
@@ -4718,7 +4752,7 @@
         </p:nvSpPr>
         <p:spPr>
           <a:xfrm>
-            <a:off x="0" y="4637314"/>
+            <a:off x="0" y="0"/>
             <a:ext cx="893963" cy="461665"/>
           </a:xfrm>
           <a:prstGeom prst="rect">
@@ -4739,12 +4773,389 @@
           </a:p>
         </p:txBody>
       </p:sp>
+      <p:sp>
+        <p:nvSpPr>
+          <p:cNvPr id="6" name="TextBox 5">
+            <a:extLst>
+              <a:ext uri="{FF2B5EF4-FFF2-40B4-BE49-F238E27FC236}">
+                <a16:creationId xmlns:a16="http://schemas.microsoft.com/office/drawing/2014/main" id="{CE51E5F8-ACAF-FC88-12D6-DCF232DB99A2}"/>
+              </a:ext>
+            </a:extLst>
+          </p:cNvPr>
+          <p:cNvSpPr txBox="1"/>
+          <p:nvPr/>
+        </p:nvSpPr>
+        <p:spPr>
+          <a:xfrm>
+            <a:off x="0" y="388927"/>
+            <a:ext cx="8686800" cy="2585323"/>
+          </a:xfrm>
+          <a:prstGeom prst="rect">
+            <a:avLst/>
+          </a:prstGeom>
+          <a:noFill/>
+        </p:spPr>
+        <p:txBody>
+          <a:bodyPr wrap="square" rtlCol="0">
+            <a:spAutoFit/>
+          </a:bodyPr>
+          <a:lstStyle/>
+          <a:p>
+            <a:pPr marL="285750" indent="-285750">
+              <a:buFont typeface="Arial" panose="020B0604020202020204" pitchFamily="34" charset="0"/>
+              <a:buChar char="•"/>
+            </a:pPr>
+            <a:r>
+              <a:rPr lang="en-US" dirty="0"/>
+              <a:t>If Else Statements:</a:t>
+            </a:r>
+          </a:p>
+          <a:p>
+            <a:pPr marL="285750" indent="-285750">
+              <a:buFont typeface="Arial" panose="020B0604020202020204" pitchFamily="34" charset="0"/>
+              <a:buChar char="•"/>
+            </a:pPr>
+            <a:endParaRPr lang="en-US" dirty="0"/>
+          </a:p>
+          <a:p>
+            <a:r>
+              <a:rPr lang="en-US" dirty="0"/>
+              <a:t>If condition</a:t>
+            </a:r>
+          </a:p>
+          <a:p>
+            <a:pPr lvl="1"/>
+            <a:r>
+              <a:rPr lang="en-US" dirty="0"/>
+              <a:t>Code to execute</a:t>
+            </a:r>
+          </a:p>
+          <a:p>
+            <a:r>
+              <a:rPr lang="en-US" dirty="0"/>
+              <a:t>elseif condition </a:t>
+            </a:r>
+          </a:p>
+          <a:p>
+            <a:r>
+              <a:rPr lang="en-US" dirty="0"/>
+              <a:t>	Code to execute</a:t>
+            </a:r>
+          </a:p>
+          <a:p>
+            <a:r>
+              <a:rPr lang="en-US" dirty="0"/>
+              <a:t>else</a:t>
+            </a:r>
+          </a:p>
+          <a:p>
+            <a:pPr lvl="1"/>
+            <a:r>
+              <a:rPr lang="en-US" dirty="0"/>
+              <a:t>Code to execute</a:t>
+            </a:r>
+          </a:p>
+          <a:p>
+            <a:r>
+              <a:rPr lang="en-US" dirty="0"/>
+              <a:t>end</a:t>
+            </a:r>
+          </a:p>
+        </p:txBody>
+      </p:sp>
+      <p:sp>
+        <p:nvSpPr>
+          <p:cNvPr id="7" name="TextBox 6">
+            <a:extLst>
+              <a:ext uri="{FF2B5EF4-FFF2-40B4-BE49-F238E27FC236}">
+                <a16:creationId xmlns:a16="http://schemas.microsoft.com/office/drawing/2014/main" id="{10835C3B-A988-1578-E0F9-0477F5933F12}"/>
+              </a:ext>
+            </a:extLst>
+          </p:cNvPr>
+          <p:cNvSpPr txBox="1"/>
+          <p:nvPr/>
+        </p:nvSpPr>
+        <p:spPr>
+          <a:xfrm>
+            <a:off x="5203372" y="1219923"/>
+            <a:ext cx="2318657" cy="923330"/>
+          </a:xfrm>
+          <a:prstGeom prst="rect">
+            <a:avLst/>
+          </a:prstGeom>
+          <a:noFill/>
+        </p:spPr>
+        <p:txBody>
+          <a:bodyPr wrap="square" rtlCol="0">
+            <a:spAutoFit/>
+          </a:bodyPr>
+          <a:lstStyle/>
+          <a:p>
+            <a:r>
+              <a:rPr lang="en-US" dirty="0"/>
+              <a:t>break and continue are available for loops</a:t>
+            </a:r>
+          </a:p>
+        </p:txBody>
+      </p:sp>
+      <p:sp>
+        <p:nvSpPr>
+          <p:cNvPr id="3" name="TextBox 2">
+            <a:extLst>
+              <a:ext uri="{FF2B5EF4-FFF2-40B4-BE49-F238E27FC236}">
+                <a16:creationId xmlns:a16="http://schemas.microsoft.com/office/drawing/2014/main" id="{76A1063B-BAC5-ECA0-7B63-CD0F85C47F00}"/>
+              </a:ext>
+            </a:extLst>
+          </p:cNvPr>
+          <p:cNvSpPr txBox="1"/>
+          <p:nvPr/>
+        </p:nvSpPr>
+        <p:spPr>
+          <a:xfrm>
+            <a:off x="-1" y="3185487"/>
+            <a:ext cx="1125629" cy="461665"/>
+          </a:xfrm>
+          <a:prstGeom prst="rect">
+            <a:avLst/>
+          </a:prstGeom>
+          <a:noFill/>
+        </p:spPr>
+        <p:txBody>
+          <a:bodyPr wrap="none" rtlCol="0">
+            <a:spAutoFit/>
+          </a:bodyPr>
+          <a:lstStyle/>
+          <a:p>
+            <a:r>
+              <a:rPr lang="en-US" sz="2400" dirty="0"/>
+              <a:t>Output</a:t>
+            </a:r>
+          </a:p>
+        </p:txBody>
+      </p:sp>
+      <p:sp>
+        <p:nvSpPr>
+          <p:cNvPr id="4" name="TextBox 3">
+            <a:extLst>
+              <a:ext uri="{FF2B5EF4-FFF2-40B4-BE49-F238E27FC236}">
+                <a16:creationId xmlns:a16="http://schemas.microsoft.com/office/drawing/2014/main" id="{D3298F75-2C30-BFA0-0998-DE68DEDA574E}"/>
+              </a:ext>
+            </a:extLst>
+          </p:cNvPr>
+          <p:cNvSpPr txBox="1"/>
+          <p:nvPr/>
+        </p:nvSpPr>
+        <p:spPr>
+          <a:xfrm>
+            <a:off x="0" y="3647152"/>
+            <a:ext cx="8686800" cy="2308324"/>
+          </a:xfrm>
+          <a:prstGeom prst="rect">
+            <a:avLst/>
+          </a:prstGeom>
+          <a:noFill/>
+        </p:spPr>
+        <p:txBody>
+          <a:bodyPr wrap="square" rtlCol="0">
+            <a:spAutoFit/>
+          </a:bodyPr>
+          <a:lstStyle/>
+          <a:p>
+            <a:pPr marL="285750" indent="-285750">
+              <a:buFont typeface="Arial" panose="020B0604020202020204" pitchFamily="34" charset="0"/>
+              <a:buChar char="•"/>
+            </a:pPr>
+            <a:r>
+              <a:rPr lang="en-US" dirty="0"/>
+              <a:t>Copying values from MATLAB into excel is possible</a:t>
+            </a:r>
+          </a:p>
+          <a:p>
+            <a:pPr marL="742950" lvl="1" indent="-285750">
+              <a:buFont typeface="Arial" panose="020B0604020202020204" pitchFamily="34" charset="0"/>
+              <a:buChar char="•"/>
+            </a:pPr>
+            <a:r>
+              <a:rPr lang="en-US" dirty="0"/>
+              <a:t>Just open the spreadsheet menu and copy and paste</a:t>
+            </a:r>
+          </a:p>
+          <a:p>
+            <a:pPr marL="742950" lvl="1" indent="-285750">
+              <a:buFont typeface="Arial" panose="020B0604020202020204" pitchFamily="34" charset="0"/>
+              <a:buChar char="•"/>
+            </a:pPr>
+            <a:r>
+              <a:rPr lang="en-US" dirty="0"/>
+              <a:t>Also, downloading .mat files for a single variable or all variables in your workspace is possible </a:t>
+            </a:r>
+          </a:p>
+          <a:p>
+            <a:pPr marL="285750" indent="-285750">
+              <a:buFont typeface="Arial" panose="020B0604020202020204" pitchFamily="34" charset="0"/>
+              <a:buChar char="•"/>
+            </a:pPr>
+            <a:r>
+              <a:rPr lang="en-US" dirty="0"/>
+              <a:t>fprintf(formatted string)</a:t>
+            </a:r>
+          </a:p>
+          <a:p>
+            <a:pPr marL="742950" lvl="1" indent="-285750">
+              <a:buFont typeface="Arial" panose="020B0604020202020204" pitchFamily="34" charset="0"/>
+              <a:buChar char="•"/>
+            </a:pPr>
+            <a:r>
+              <a:rPr lang="en-US" dirty="0"/>
+              <a:t>Can use this to format your outputs (like an f string)</a:t>
+            </a:r>
+          </a:p>
+          <a:p>
+            <a:pPr marL="1200150" lvl="2" indent="-285750">
+              <a:buFont typeface="Arial" panose="020B0604020202020204" pitchFamily="34" charset="0"/>
+              <a:buChar char="•"/>
+            </a:pPr>
+            <a:r>
+              <a:rPr lang="en-US" dirty="0"/>
+              <a:t>Can put multiple variables in a string</a:t>
+            </a:r>
+          </a:p>
+          <a:p>
+            <a:pPr marL="742950" lvl="1" indent="-285750">
+              <a:buFont typeface="Arial" panose="020B0604020202020204" pitchFamily="34" charset="0"/>
+              <a:buChar char="•"/>
+            </a:pPr>
+            <a:r>
+              <a:rPr lang="en-US" dirty="0"/>
+              <a:t>Use ‘\n’ to jump to the next line</a:t>
+            </a:r>
+          </a:p>
+        </p:txBody>
+      </p:sp>
+      <p:sp>
+        <p:nvSpPr>
+          <p:cNvPr id="8" name="TextBox 7">
+            <a:extLst>
+              <a:ext uri="{FF2B5EF4-FFF2-40B4-BE49-F238E27FC236}">
+                <a16:creationId xmlns:a16="http://schemas.microsoft.com/office/drawing/2014/main" id="{70C12D11-DA1B-5D81-9215-258E008D23D4}"/>
+              </a:ext>
+            </a:extLst>
+          </p:cNvPr>
+          <p:cNvSpPr txBox="1"/>
+          <p:nvPr/>
+        </p:nvSpPr>
+        <p:spPr>
+          <a:xfrm>
+            <a:off x="2815166" y="0"/>
+            <a:ext cx="5198533" cy="3970318"/>
+          </a:xfrm>
+          <a:prstGeom prst="rect">
+            <a:avLst/>
+          </a:prstGeom>
+          <a:noFill/>
+        </p:spPr>
+        <p:txBody>
+          <a:bodyPr wrap="square" rtlCol="0">
+            <a:spAutoFit/>
+          </a:bodyPr>
+          <a:lstStyle/>
+          <a:p>
+            <a:pPr marL="285750" indent="-285750">
+              <a:buFont typeface="Arial" panose="020B0604020202020204" pitchFamily="34" charset="0"/>
+              <a:buChar char="•"/>
+            </a:pPr>
+            <a:r>
+              <a:rPr lang="en-US" dirty="0"/>
+              <a:t>While Loops</a:t>
+            </a:r>
+          </a:p>
+          <a:p>
+            <a:pPr marL="285750" indent="-285750">
+              <a:buFont typeface="Arial" panose="020B0604020202020204" pitchFamily="34" charset="0"/>
+              <a:buChar char="•"/>
+            </a:pPr>
+            <a:endParaRPr lang="en-US" dirty="0"/>
+          </a:p>
+          <a:p>
+            <a:r>
+              <a:rPr lang="en-US" dirty="0"/>
+              <a:t>while condition</a:t>
+            </a:r>
+          </a:p>
+          <a:p>
+            <a:r>
+              <a:rPr lang="en-US" dirty="0"/>
+              <a:t>	code</a:t>
+            </a:r>
+          </a:p>
+          <a:p>
+            <a:r>
+              <a:rPr lang="en-US" dirty="0"/>
+              <a:t>end</a:t>
+            </a:r>
+          </a:p>
+          <a:p>
+            <a:endParaRPr lang="en-US" dirty="0"/>
+          </a:p>
+          <a:p>
+            <a:pPr marL="285750" indent="-285750">
+              <a:buFont typeface="Arial" panose="020B0604020202020204" pitchFamily="34" charset="0"/>
+              <a:buChar char="•"/>
+            </a:pPr>
+            <a:r>
+              <a:rPr lang="en-US" dirty="0"/>
+              <a:t>For loops</a:t>
+            </a:r>
+          </a:p>
+          <a:p>
+            <a:pPr marL="285750" indent="-285750">
+              <a:buFont typeface="Arial" panose="020B0604020202020204" pitchFamily="34" charset="0"/>
+              <a:buChar char="•"/>
+            </a:pPr>
+            <a:endParaRPr lang="en-US" dirty="0"/>
+          </a:p>
+          <a:p>
+            <a:r>
+              <a:rPr lang="en-US" dirty="0"/>
+              <a:t>for iterable</a:t>
+            </a:r>
+          </a:p>
+          <a:p>
+            <a:r>
+              <a:rPr lang="en-US" dirty="0"/>
+              <a:t>	code</a:t>
+            </a:r>
+          </a:p>
+          <a:p>
+            <a:r>
+              <a:rPr lang="en-US" dirty="0"/>
+              <a:t>end</a:t>
+            </a:r>
+          </a:p>
+          <a:p>
+            <a:pPr marL="742950" lvl="1" indent="-285750">
+              <a:buFont typeface="Arial" panose="020B0604020202020204" pitchFamily="34" charset="0"/>
+              <a:buChar char="•"/>
+            </a:pPr>
+            <a:r>
+              <a:rPr lang="en-US" dirty="0"/>
+              <a:t>Iterables take the form i = start:step:stop</a:t>
+            </a:r>
+          </a:p>
+          <a:p>
+            <a:endParaRPr lang="en-US" dirty="0"/>
+          </a:p>
+          <a:p>
+            <a:endParaRPr lang="en-US" dirty="0"/>
+          </a:p>
+        </p:txBody>
+      </p:sp>
       <p:pic>
         <p:nvPicPr>
-          <p:cNvPr id="5" name="Picture 4">
+          <p:cNvPr id="9" name="Picture 8">
             <a:extLst>
               <a:ext uri="{FF2B5EF4-FFF2-40B4-BE49-F238E27FC236}">
-                <a16:creationId xmlns:a16="http://schemas.microsoft.com/office/drawing/2014/main" id="{11FFDE45-2454-5AE1-9579-6E84D5DC8AF3}"/>
+                <a16:creationId xmlns:a16="http://schemas.microsoft.com/office/drawing/2014/main" id="{398C2BA4-E94B-098F-653C-3DF9D6B5E121}"/>
               </a:ext>
             </a:extLst>
           </p:cNvPr>
@@ -4761,20 +5172,50 @@
         </p:blipFill>
         <p:spPr>
           <a:xfrm>
-            <a:off x="255146" y="0"/>
-            <a:ext cx="7887765" cy="4583863"/>
+            <a:off x="0" y="5955476"/>
+            <a:ext cx="8686800" cy="4397789"/>
           </a:xfrm>
           <a:prstGeom prst="rect">
             <a:avLst/>
           </a:prstGeom>
         </p:spPr>
       </p:pic>
+    </p:spTree>
+    <p:extLst>
+      <p:ext uri="{BB962C8B-B14F-4D97-AF65-F5344CB8AC3E}">
+        <p14:creationId xmlns:p14="http://schemas.microsoft.com/office/powerpoint/2010/main" val="3456218237"/>
+      </p:ext>
+    </p:extLst>
+  </p:cSld>
+  <p:clrMapOvr>
+    <a:masterClrMapping/>
+  </p:clrMapOvr>
+</p:sld>
+</file>
+
+<file path=ppt/slides/slide12.xml><?xml version="1.0" encoding="utf-8"?>
+<p:sld xmlns:a="http://schemas.openxmlformats.org/drawingml/2006/main" xmlns:r="http://schemas.openxmlformats.org/officeDocument/2006/relationships" xmlns:p="http://schemas.openxmlformats.org/presentationml/2006/main">
+  <p:cSld>
+    <p:spTree>
+      <p:nvGrpSpPr>
+        <p:cNvPr id="1" name=""/>
+        <p:cNvGrpSpPr/>
+        <p:nvPr/>
+      </p:nvGrpSpPr>
+      <p:grpSpPr>
+        <a:xfrm>
+          <a:off x="0" y="0"/>
+          <a:ext cx="0" cy="0"/>
+          <a:chOff x="0" y="0"/>
+          <a:chExt cx="0" cy="0"/>
+        </a:xfrm>
+      </p:grpSpPr>
       <p:sp>
         <p:nvSpPr>
           <p:cNvPr id="6" name="TextBox 5">
             <a:extLst>
               <a:ext uri="{FF2B5EF4-FFF2-40B4-BE49-F238E27FC236}">
-                <a16:creationId xmlns:a16="http://schemas.microsoft.com/office/drawing/2014/main" id="{CE51E5F8-ACAF-FC88-12D6-DCF232DB99A2}"/>
+                <a16:creationId xmlns:a16="http://schemas.microsoft.com/office/drawing/2014/main" id="{A5AC42F5-96A6-959F-0A64-C422DC4ABEE7}"/>
               </a:ext>
             </a:extLst>
           </p:cNvPr>
@@ -4783,8 +5224,8 @@
         </p:nvSpPr>
         <p:spPr>
           <a:xfrm>
-            <a:off x="0" y="5026241"/>
-            <a:ext cx="8686800" cy="6740307"/>
+            <a:off x="16030" y="0"/>
+            <a:ext cx="1109599" cy="461665"/>
           </a:xfrm>
           <a:prstGeom prst="rect">
             <a:avLst/>
@@ -4792,168 +5233,15 @@
           <a:noFill/>
         </p:spPr>
         <p:txBody>
-          <a:bodyPr wrap="square" rtlCol="0">
+          <a:bodyPr wrap="none" rtlCol="0">
             <a:spAutoFit/>
           </a:bodyPr>
           <a:lstStyle/>
           <a:p>
-            <a:pPr marL="285750" indent="-285750">
-              <a:buFont typeface="Arial" panose="020B0604020202020204" pitchFamily="34" charset="0"/>
-              <a:buChar char="•"/>
-            </a:pPr>
-            <a:r>
-              <a:rPr lang="en-US" dirty="0"/>
-              <a:t>If Else Statements:</a:t>
-            </a:r>
-          </a:p>
-          <a:p>
-            <a:pPr marL="285750" indent="-285750">
-              <a:buFont typeface="Arial" panose="020B0604020202020204" pitchFamily="34" charset="0"/>
-              <a:buChar char="•"/>
-            </a:pPr>
-            <a:endParaRPr lang="en-US" dirty="0"/>
-          </a:p>
-          <a:p>
-            <a:r>
-              <a:rPr lang="en-US" dirty="0"/>
-              <a:t>If condition</a:t>
-            </a:r>
-          </a:p>
-          <a:p>
-            <a:pPr lvl="1"/>
-            <a:r>
-              <a:rPr lang="en-US" dirty="0"/>
-              <a:t>Code to execute</a:t>
-            </a:r>
-          </a:p>
-          <a:p>
-            <a:r>
-              <a:rPr lang="en-US" dirty="0"/>
-              <a:t>elseif condition </a:t>
-            </a:r>
-          </a:p>
-          <a:p>
-            <a:r>
-              <a:rPr lang="en-US" dirty="0"/>
-              <a:t>	Code to execute</a:t>
-            </a:r>
-          </a:p>
-          <a:p>
-            <a:r>
-              <a:rPr lang="en-US" dirty="0"/>
-              <a:t>else</a:t>
-            </a:r>
-          </a:p>
-          <a:p>
-            <a:pPr lvl="1"/>
-            <a:r>
-              <a:rPr lang="en-US" dirty="0"/>
-              <a:t>Code to execute</a:t>
-            </a:r>
-          </a:p>
-          <a:p>
-            <a:r>
-              <a:rPr lang="en-US" dirty="0"/>
-              <a:t>end</a:t>
-            </a:r>
-          </a:p>
-          <a:p>
-            <a:endParaRPr lang="en-US" dirty="0"/>
-          </a:p>
-          <a:p>
-            <a:pPr marL="285750" indent="-285750">
-              <a:buFont typeface="Arial" panose="020B0604020202020204" pitchFamily="34" charset="0"/>
-              <a:buChar char="•"/>
-            </a:pPr>
-            <a:r>
-              <a:rPr lang="en-US" dirty="0"/>
-              <a:t>While Loops</a:t>
-            </a:r>
-          </a:p>
-          <a:p>
-            <a:pPr marL="285750" indent="-285750">
-              <a:buFont typeface="Arial" panose="020B0604020202020204" pitchFamily="34" charset="0"/>
-              <a:buChar char="•"/>
-            </a:pPr>
-            <a:endParaRPr lang="en-US" dirty="0"/>
-          </a:p>
-          <a:p>
-            <a:r>
-              <a:rPr lang="en-US" dirty="0"/>
-              <a:t>while condition</a:t>
-            </a:r>
-          </a:p>
-          <a:p>
-            <a:r>
-              <a:rPr lang="en-US" dirty="0"/>
-              <a:t>	code</a:t>
-            </a:r>
-          </a:p>
-          <a:p>
-            <a:r>
-              <a:rPr lang="en-US" dirty="0"/>
-              <a:t>end</a:t>
-            </a:r>
-          </a:p>
-          <a:p>
-            <a:endParaRPr lang="en-US" dirty="0"/>
-          </a:p>
-          <a:p>
-            <a:pPr marL="285750" indent="-285750">
-              <a:buFont typeface="Arial" panose="020B0604020202020204" pitchFamily="34" charset="0"/>
-              <a:buChar char="•"/>
-            </a:pPr>
-            <a:r>
-              <a:rPr lang="en-US" dirty="0"/>
-              <a:t>For loops</a:t>
-            </a:r>
-          </a:p>
-          <a:p>
-            <a:pPr marL="285750" indent="-285750">
-              <a:buFont typeface="Arial" panose="020B0604020202020204" pitchFamily="34" charset="0"/>
-              <a:buChar char="•"/>
-            </a:pPr>
-            <a:endParaRPr lang="en-US" dirty="0"/>
-          </a:p>
-          <a:p>
-            <a:r>
-              <a:rPr lang="en-US" dirty="0"/>
-              <a:t>for iterable</a:t>
-            </a:r>
-          </a:p>
-          <a:p>
-            <a:r>
-              <a:rPr lang="en-US" dirty="0"/>
-              <a:t>	code</a:t>
-            </a:r>
-          </a:p>
-          <a:p>
-            <a:r>
-              <a:rPr lang="en-US" dirty="0"/>
-              <a:t>e</a:t>
-            </a:r>
-            <a:r>
-              <a:rPr lang="en-US"/>
-              <a:t>nd</a:t>
-            </a:r>
-            <a:endParaRPr lang="en-US" dirty="0"/>
-          </a:p>
-          <a:p>
-            <a:pPr marL="742950" lvl="1" indent="-285750">
-              <a:buFont typeface="Arial" panose="020B0604020202020204" pitchFamily="34" charset="0"/>
-              <a:buChar char="•"/>
-            </a:pPr>
-            <a:r>
-              <a:rPr lang="en-US" dirty="0"/>
-              <a:t>Iterables take the form i = start:step:stop</a:t>
-            </a:r>
-          </a:p>
-          <a:p>
-            <a:endParaRPr lang="en-US" dirty="0"/>
-          </a:p>
-          <a:p>
-            <a:pPr lvl="1"/>
-            <a:endParaRPr lang="en-US" dirty="0"/>
+            <a:r>
+              <a:rPr lang="en-US" sz="2400" dirty="0"/>
+              <a:t>m-files</a:t>
+            </a:r>
           </a:p>
         </p:txBody>
       </p:sp>
@@ -4962,7 +5250,7 @@
           <p:cNvPr id="7" name="TextBox 6">
             <a:extLst>
               <a:ext uri="{FF2B5EF4-FFF2-40B4-BE49-F238E27FC236}">
-                <a16:creationId xmlns:a16="http://schemas.microsoft.com/office/drawing/2014/main" id="{10835C3B-A988-1578-E0F9-0477F5933F12}"/>
+                <a16:creationId xmlns:a16="http://schemas.microsoft.com/office/drawing/2014/main" id="{5DDC7252-E124-89C9-3F8A-8CF629D21F44}"/>
               </a:ext>
             </a:extLst>
           </p:cNvPr>
@@ -4971,8 +5259,8 @@
         </p:nvSpPr>
         <p:spPr>
           <a:xfrm>
-            <a:off x="2478315" y="8608181"/>
-            <a:ext cx="2318657" cy="923330"/>
+            <a:off x="0" y="461665"/>
+            <a:ext cx="6580519" cy="1200329"/>
           </a:xfrm>
           <a:prstGeom prst="rect">
             <a:avLst/>
@@ -4980,22 +5268,709 @@
           <a:noFill/>
         </p:spPr>
         <p:txBody>
+          <a:bodyPr wrap="none" rtlCol="0">
+            <a:spAutoFit/>
+          </a:bodyPr>
+          <a:lstStyle/>
+          <a:p>
+            <a:pPr marL="285750" indent="-285750">
+              <a:buFont typeface="Arial" panose="020B0604020202020204" pitchFamily="34" charset="0"/>
+              <a:buChar char="•"/>
+            </a:pPr>
+            <a:r>
+              <a:rPr lang="en-US" dirty="0"/>
+              <a:t>Used for creating functions\</a:t>
+            </a:r>
+          </a:p>
+          <a:p>
+            <a:pPr marL="285750" indent="-285750">
+              <a:buFont typeface="Arial" panose="020B0604020202020204" pitchFamily="34" charset="0"/>
+              <a:buChar char="•"/>
+            </a:pPr>
+            <a:r>
+              <a:rPr lang="en-US" dirty="0"/>
+              <a:t>Anonymous functions (Lambda functions)</a:t>
+            </a:r>
+          </a:p>
+          <a:p>
+            <a:pPr marL="742950" lvl="1" indent="-285750">
+              <a:buFont typeface="Arial" panose="020B0604020202020204" pitchFamily="34" charset="0"/>
+              <a:buChar char="•"/>
+            </a:pPr>
+            <a:r>
+              <a:rPr lang="en-US" dirty="0"/>
+              <a:t>Takes the form: function_name = @(var1, var2…) function</a:t>
+            </a:r>
+          </a:p>
+          <a:p>
+            <a:pPr marL="285750" indent="-285750">
+              <a:buFont typeface="Arial" panose="020B0604020202020204" pitchFamily="34" charset="0"/>
+              <a:buChar char="•"/>
+            </a:pPr>
+            <a:r>
+              <a:rPr lang="en-US" dirty="0"/>
+              <a:t>Actual functions as files</a:t>
+            </a:r>
+          </a:p>
+        </p:txBody>
+      </p:sp>
+      <p:pic>
+        <p:nvPicPr>
+          <p:cNvPr id="9" name="Picture 8">
+            <a:extLst>
+              <a:ext uri="{FF2B5EF4-FFF2-40B4-BE49-F238E27FC236}">
+                <a16:creationId xmlns:a16="http://schemas.microsoft.com/office/drawing/2014/main" id="{68A7D8C5-FE8A-1280-2E1D-EF3ABD7C9CB5}"/>
+              </a:ext>
+            </a:extLst>
+          </p:cNvPr>
+          <p:cNvPicPr>
+            <a:picLocks noChangeAspect="1"/>
+          </p:cNvPicPr>
+          <p:nvPr/>
+        </p:nvPicPr>
+        <p:blipFill>
+          <a:blip r:embed="rId2"/>
+          <a:stretch>
+            <a:fillRect/>
+          </a:stretch>
+        </p:blipFill>
+        <p:spPr>
+          <a:xfrm>
+            <a:off x="16030" y="1661994"/>
+            <a:ext cx="8686800" cy="5564133"/>
+          </a:xfrm>
+          <a:prstGeom prst="rect">
+            <a:avLst/>
+          </a:prstGeom>
+        </p:spPr>
+      </p:pic>
+      <p:sp>
+        <p:nvSpPr>
+          <p:cNvPr id="10" name="TextBox 9">
+            <a:extLst>
+              <a:ext uri="{FF2B5EF4-FFF2-40B4-BE49-F238E27FC236}">
+                <a16:creationId xmlns:a16="http://schemas.microsoft.com/office/drawing/2014/main" id="{46E5C337-1306-0B6B-9E23-A5C1336F08A2}"/>
+              </a:ext>
+            </a:extLst>
+          </p:cNvPr>
+          <p:cNvSpPr txBox="1"/>
+          <p:nvPr/>
+        </p:nvSpPr>
+        <p:spPr>
+          <a:xfrm>
+            <a:off x="1" y="7226126"/>
+            <a:ext cx="8702830" cy="923330"/>
+          </a:xfrm>
+          <a:prstGeom prst="rect">
+            <a:avLst/>
+          </a:prstGeom>
+          <a:noFill/>
+        </p:spPr>
+        <p:txBody>
           <a:bodyPr wrap="square" rtlCol="0">
             <a:spAutoFit/>
           </a:bodyPr>
           <a:lstStyle/>
           <a:p>
-            <a:r>
-              <a:rPr lang="en-US" dirty="0"/>
-              <a:t>break and continue are available for loops</a:t>
-            </a:r>
-          </a:p>
-        </p:txBody>
-      </p:sp>
+            <a:pPr marL="742950" lvl="1" indent="-285750">
+              <a:buFont typeface="Arial" panose="020B0604020202020204" pitchFamily="34" charset="0"/>
+              <a:buChar char="•"/>
+            </a:pPr>
+            <a:r>
+              <a:rPr lang="en-US" dirty="0"/>
+              <a:t>Functions can have multiple outputs. To take advantage of this, use a vector [var1, var2]</a:t>
+            </a:r>
+          </a:p>
+          <a:p>
+            <a:pPr marL="742950" lvl="1" indent="-285750">
+              <a:buFont typeface="Arial" panose="020B0604020202020204" pitchFamily="34" charset="0"/>
+              <a:buChar char="•"/>
+            </a:pPr>
+            <a:r>
+              <a:rPr lang="en-US" dirty="0"/>
+              <a:t>Useful for large amounts of code</a:t>
+            </a:r>
+          </a:p>
+        </p:txBody>
+      </p:sp>
+      <p:sp>
+        <p:nvSpPr>
+          <p:cNvPr id="11" name="TextBox 10">
+            <a:extLst>
+              <a:ext uri="{FF2B5EF4-FFF2-40B4-BE49-F238E27FC236}">
+                <a16:creationId xmlns:a16="http://schemas.microsoft.com/office/drawing/2014/main" id="{C466EBC2-ED42-C890-26C0-05F8460133A2}"/>
+              </a:ext>
+            </a:extLst>
+          </p:cNvPr>
+          <p:cNvSpPr txBox="1"/>
+          <p:nvPr/>
+        </p:nvSpPr>
+        <p:spPr>
+          <a:xfrm>
+            <a:off x="-31259" y="8086246"/>
+            <a:ext cx="1204176" cy="461665"/>
+          </a:xfrm>
+          <a:prstGeom prst="rect">
+            <a:avLst/>
+          </a:prstGeom>
+          <a:noFill/>
+        </p:spPr>
+        <p:txBody>
+          <a:bodyPr wrap="none" rtlCol="0">
+            <a:spAutoFit/>
+          </a:bodyPr>
+          <a:lstStyle/>
+          <a:p>
+            <a:r>
+              <a:rPr lang="en-US" sz="2400" dirty="0"/>
+              <a:t>Plotting</a:t>
+            </a:r>
+          </a:p>
+        </p:txBody>
+      </p:sp>
+      <p:sp>
+        <p:nvSpPr>
+          <p:cNvPr id="12" name="TextBox 11">
+            <a:extLst>
+              <a:ext uri="{FF2B5EF4-FFF2-40B4-BE49-F238E27FC236}">
+                <a16:creationId xmlns:a16="http://schemas.microsoft.com/office/drawing/2014/main" id="{AE7C817A-EA48-E4D4-ED9A-001FC2B8BFB7}"/>
+              </a:ext>
+            </a:extLst>
+          </p:cNvPr>
+          <p:cNvSpPr txBox="1"/>
+          <p:nvPr/>
+        </p:nvSpPr>
+        <p:spPr>
+          <a:xfrm>
+            <a:off x="0" y="8547911"/>
+            <a:ext cx="6778138" cy="646331"/>
+          </a:xfrm>
+          <a:prstGeom prst="rect">
+            <a:avLst/>
+          </a:prstGeom>
+          <a:noFill/>
+        </p:spPr>
+        <p:txBody>
+          <a:bodyPr wrap="none" rtlCol="0">
+            <a:spAutoFit/>
+          </a:bodyPr>
+          <a:lstStyle/>
+          <a:p>
+            <a:pPr marL="285750" indent="-285750">
+              <a:buFont typeface="Arial" panose="020B0604020202020204" pitchFamily="34" charset="0"/>
+              <a:buChar char="•"/>
+            </a:pPr>
+            <a:r>
+              <a:rPr lang="en-US" dirty="0"/>
+              <a:t>plot(x, y) creates quick, dirty plots</a:t>
+            </a:r>
+          </a:p>
+          <a:p>
+            <a:pPr marL="285750" indent="-285750">
+              <a:buFont typeface="Arial" panose="020B0604020202020204" pitchFamily="34" charset="0"/>
+              <a:buChar char="•"/>
+            </a:pPr>
+            <a:r>
+              <a:rPr lang="en-US" dirty="0"/>
+              <a:t>Some formatting can easily be applied to make your plots better</a:t>
+            </a:r>
+          </a:p>
+        </p:txBody>
+      </p:sp>
+      <p:pic>
+        <p:nvPicPr>
+          <p:cNvPr id="14" name="Picture 13">
+            <a:extLst>
+              <a:ext uri="{FF2B5EF4-FFF2-40B4-BE49-F238E27FC236}">
+                <a16:creationId xmlns:a16="http://schemas.microsoft.com/office/drawing/2014/main" id="{4B9A13B4-7176-9F0B-1DAA-AC108CED1718}"/>
+              </a:ext>
+            </a:extLst>
+          </p:cNvPr>
+          <p:cNvPicPr>
+            <a:picLocks noChangeAspect="1"/>
+          </p:cNvPicPr>
+          <p:nvPr/>
+        </p:nvPicPr>
+        <p:blipFill>
+          <a:blip r:embed="rId3"/>
+          <a:stretch>
+            <a:fillRect/>
+          </a:stretch>
+        </p:blipFill>
+        <p:spPr>
+          <a:xfrm>
+            <a:off x="905858" y="9109251"/>
+            <a:ext cx="6875083" cy="3082749"/>
+          </a:xfrm>
+          <a:prstGeom prst="rect">
+            <a:avLst/>
+          </a:prstGeom>
+        </p:spPr>
+      </p:pic>
     </p:spTree>
     <p:extLst>
       <p:ext uri="{BB962C8B-B14F-4D97-AF65-F5344CB8AC3E}">
-        <p14:creationId xmlns:p14="http://schemas.microsoft.com/office/powerpoint/2010/main" val="3456218237"/>
+        <p14:creationId xmlns:p14="http://schemas.microsoft.com/office/powerpoint/2010/main" val="1587277591"/>
+      </p:ext>
+    </p:extLst>
+  </p:cSld>
+  <p:clrMapOvr>
+    <a:masterClrMapping/>
+  </p:clrMapOvr>
+</p:sld>
+</file>
+
+<file path=ppt/slides/slide13.xml><?xml version="1.0" encoding="utf-8"?>
+<p:sld xmlns:a="http://schemas.openxmlformats.org/drawingml/2006/main" xmlns:r="http://schemas.openxmlformats.org/officeDocument/2006/relationships" xmlns:p="http://schemas.openxmlformats.org/presentationml/2006/main">
+  <p:cSld>
+    <p:spTree>
+      <p:nvGrpSpPr>
+        <p:cNvPr id="1" name=""/>
+        <p:cNvGrpSpPr/>
+        <p:nvPr/>
+      </p:nvGrpSpPr>
+      <p:grpSpPr>
+        <a:xfrm>
+          <a:off x="0" y="0"/>
+          <a:ext cx="0" cy="0"/>
+          <a:chOff x="0" y="0"/>
+          <a:chExt cx="0" cy="0"/>
+        </a:xfrm>
+      </p:grpSpPr>
+      <p:sp>
+        <p:nvSpPr>
+          <p:cNvPr id="2" name="TextBox 1">
+            <a:extLst>
+              <a:ext uri="{FF2B5EF4-FFF2-40B4-BE49-F238E27FC236}">
+                <a16:creationId xmlns:a16="http://schemas.microsoft.com/office/drawing/2014/main" id="{D3D3BFC8-E5C3-F91E-CDAD-5DB67C651FBE}"/>
+              </a:ext>
+            </a:extLst>
+          </p:cNvPr>
+          <p:cNvSpPr txBox="1"/>
+          <p:nvPr/>
+        </p:nvSpPr>
+        <p:spPr>
+          <a:xfrm>
+            <a:off x="0" y="0"/>
+            <a:ext cx="7846635" cy="3693319"/>
+          </a:xfrm>
+          <a:prstGeom prst="rect">
+            <a:avLst/>
+          </a:prstGeom>
+          <a:noFill/>
+        </p:spPr>
+        <p:txBody>
+          <a:bodyPr wrap="none" rtlCol="0">
+            <a:spAutoFit/>
+          </a:bodyPr>
+          <a:lstStyle/>
+          <a:p>
+            <a:pPr marL="285750" indent="-285750">
+              <a:buFont typeface="Arial" panose="020B0604020202020204" pitchFamily="34" charset="0"/>
+              <a:buChar char="•"/>
+            </a:pPr>
+            <a:r>
+              <a:rPr lang="en-US" dirty="0"/>
+              <a:t>Plot formatting</a:t>
+            </a:r>
+          </a:p>
+          <a:p>
+            <a:pPr marL="742950" lvl="1" indent="-285750">
+              <a:buFont typeface="Arial" panose="020B0604020202020204" pitchFamily="34" charset="0"/>
+              <a:buChar char="•"/>
+            </a:pPr>
+            <a:r>
+              <a:rPr lang="en-US" dirty="0"/>
+              <a:t>plotted_data = plot(x_data, y_data)</a:t>
+            </a:r>
+          </a:p>
+          <a:p>
+            <a:pPr marL="1200150" lvl="2" indent="-285750">
+              <a:buFont typeface="Arial" panose="020B0604020202020204" pitchFamily="34" charset="0"/>
+              <a:buChar char="•"/>
+            </a:pPr>
+            <a:r>
+              <a:rPr lang="en-US" dirty="0"/>
+              <a:t>To put multiple data sets on a plot, use ‘hold on’ after the first one</a:t>
+            </a:r>
+          </a:p>
+          <a:p>
+            <a:pPr marL="742950" lvl="1" indent="-285750">
+              <a:buFont typeface="Arial" panose="020B0604020202020204" pitchFamily="34" charset="0"/>
+              <a:buChar char="•"/>
+            </a:pPr>
+            <a:r>
+              <a:rPr lang="en-US" dirty="0"/>
+              <a:t>set(plotted_data, ‘Color’, [R, G, B]) The RGB values are normalized to 1</a:t>
+            </a:r>
+          </a:p>
+          <a:p>
+            <a:pPr marL="742950" lvl="1" indent="-285750">
+              <a:buFont typeface="Arial" panose="020B0604020202020204" pitchFamily="34" charset="0"/>
+              <a:buChar char="•"/>
+            </a:pPr>
+            <a:r>
+              <a:rPr lang="en-US" dirty="0"/>
+              <a:t>set(plotted_data, ‘LineStyle’, ‘-’)</a:t>
+            </a:r>
+          </a:p>
+          <a:p>
+            <a:pPr marL="742950" lvl="1" indent="-285750">
+              <a:buFont typeface="Arial" panose="020B0604020202020204" pitchFamily="34" charset="0"/>
+              <a:buChar char="•"/>
+            </a:pPr>
+            <a:r>
+              <a:rPr lang="en-US" dirty="0"/>
+              <a:t>to change bounds</a:t>
+            </a:r>
+          </a:p>
+          <a:p>
+            <a:pPr marL="1200150" lvl="2" indent="-285750">
+              <a:buFont typeface="Arial" panose="020B0604020202020204" pitchFamily="34" charset="0"/>
+              <a:buChar char="•"/>
+            </a:pPr>
+            <a:r>
+              <a:rPr lang="en-US" dirty="0"/>
+              <a:t>xlim([start, stop])</a:t>
+            </a:r>
+          </a:p>
+          <a:p>
+            <a:pPr marL="1200150" lvl="2" indent="-285750">
+              <a:buFont typeface="Arial" panose="020B0604020202020204" pitchFamily="34" charset="0"/>
+              <a:buChar char="•"/>
+            </a:pPr>
+            <a:r>
+              <a:rPr lang="en-US" dirty="0"/>
+              <a:t>ylim([start, stop])</a:t>
+            </a:r>
+          </a:p>
+          <a:p>
+            <a:pPr marL="742950" lvl="1" indent="-285750">
+              <a:buFont typeface="Arial" panose="020B0604020202020204" pitchFamily="34" charset="0"/>
+              <a:buChar char="•"/>
+            </a:pPr>
+            <a:r>
+              <a:rPr lang="en-US" dirty="0"/>
+              <a:t>to change axis labels</a:t>
+            </a:r>
+          </a:p>
+          <a:p>
+            <a:pPr marL="1200150" lvl="2" indent="-285750">
+              <a:buFont typeface="Arial" panose="020B0604020202020204" pitchFamily="34" charset="0"/>
+              <a:buChar char="•"/>
+            </a:pPr>
+            <a:r>
+              <a:rPr lang="en-US" dirty="0"/>
+              <a:t>xlabel(‘name’, ‘FontSize’, int)</a:t>
+            </a:r>
+          </a:p>
+          <a:p>
+            <a:pPr marL="1200150" lvl="2" indent="-285750">
+              <a:buFont typeface="Arial" panose="020B0604020202020204" pitchFamily="34" charset="0"/>
+              <a:buChar char="•"/>
+            </a:pPr>
+            <a:r>
+              <a:rPr lang="en-US" dirty="0"/>
+              <a:t>xlabel(‘name’, ‘FontSize’, int)</a:t>
+            </a:r>
+          </a:p>
+          <a:p>
+            <a:pPr marL="742950" lvl="1" indent="-285750">
+              <a:buFont typeface="Arial" panose="020B0604020202020204" pitchFamily="34" charset="0"/>
+              <a:buChar char="•"/>
+            </a:pPr>
+            <a:r>
+              <a:rPr lang="en-US" dirty="0"/>
+              <a:t>Title:</a:t>
+            </a:r>
+          </a:p>
+          <a:p>
+            <a:pPr marL="1200150" lvl="2" indent="-285750">
+              <a:buFont typeface="Arial" panose="020B0604020202020204" pitchFamily="34" charset="0"/>
+              <a:buChar char="•"/>
+            </a:pPr>
+            <a:r>
+              <a:rPr lang="en-US" dirty="0"/>
+              <a:t>title(‘title’, ‘FontSize’, int)</a:t>
+            </a:r>
+          </a:p>
+        </p:txBody>
+      </p:sp>
+      <p:sp>
+        <p:nvSpPr>
+          <p:cNvPr id="3" name="TextBox 2">
+            <a:extLst>
+              <a:ext uri="{FF2B5EF4-FFF2-40B4-BE49-F238E27FC236}">
+                <a16:creationId xmlns:a16="http://schemas.microsoft.com/office/drawing/2014/main" id="{E51C0E98-1F34-0EF9-1DE2-DD86A58E772D}"/>
+              </a:ext>
+            </a:extLst>
+          </p:cNvPr>
+          <p:cNvSpPr txBox="1"/>
+          <p:nvPr/>
+        </p:nvSpPr>
+        <p:spPr>
+          <a:xfrm>
+            <a:off x="0" y="3693319"/>
+            <a:ext cx="2501069" cy="461665"/>
+          </a:xfrm>
+          <a:prstGeom prst="rect">
+            <a:avLst/>
+          </a:prstGeom>
+          <a:noFill/>
+        </p:spPr>
+        <p:txBody>
+          <a:bodyPr wrap="none" rtlCol="0">
+            <a:spAutoFit/>
+          </a:bodyPr>
+          <a:lstStyle/>
+          <a:p>
+            <a:r>
+              <a:rPr lang="en-US" sz="2400" dirty="0"/>
+              <a:t>Symbolic Toolbox</a:t>
+            </a:r>
+          </a:p>
+        </p:txBody>
+      </p:sp>
+      <p:sp>
+        <p:nvSpPr>
+          <p:cNvPr id="4" name="TextBox 3">
+            <a:extLst>
+              <a:ext uri="{FF2B5EF4-FFF2-40B4-BE49-F238E27FC236}">
+                <a16:creationId xmlns:a16="http://schemas.microsoft.com/office/drawing/2014/main" id="{AB037CA8-C26D-0285-CAAE-CDC95EFA3B56}"/>
+              </a:ext>
+            </a:extLst>
+          </p:cNvPr>
+          <p:cNvSpPr txBox="1"/>
+          <p:nvPr/>
+        </p:nvSpPr>
+        <p:spPr>
+          <a:xfrm>
+            <a:off x="0" y="4154984"/>
+            <a:ext cx="5579604" cy="5909310"/>
+          </a:xfrm>
+          <a:prstGeom prst="rect">
+            <a:avLst/>
+          </a:prstGeom>
+          <a:noFill/>
+        </p:spPr>
+        <p:txBody>
+          <a:bodyPr wrap="none" rtlCol="0">
+            <a:spAutoFit/>
+          </a:bodyPr>
+          <a:lstStyle/>
+          <a:p>
+            <a:pPr marL="285750" indent="-285750">
+              <a:buFont typeface="Arial" panose="020B0604020202020204" pitchFamily="34" charset="0"/>
+              <a:buChar char="•"/>
+            </a:pPr>
+            <a:r>
+              <a:rPr lang="en-US" dirty="0"/>
+              <a:t>defining symbolic variables</a:t>
+            </a:r>
+          </a:p>
+          <a:p>
+            <a:pPr marL="742950" lvl="1" indent="-285750">
+              <a:buFont typeface="Arial" panose="020B0604020202020204" pitchFamily="34" charset="0"/>
+              <a:buChar char="•"/>
+            </a:pPr>
+            <a:r>
+              <a:rPr lang="en-US" dirty="0"/>
+              <a:t>syms var</a:t>
+            </a:r>
+          </a:p>
+          <a:p>
+            <a:pPr marL="285750" indent="-285750">
+              <a:buFont typeface="Arial" panose="020B0604020202020204" pitchFamily="34" charset="0"/>
+              <a:buChar char="•"/>
+            </a:pPr>
+            <a:r>
+              <a:rPr lang="en-US" dirty="0"/>
+              <a:t>To do fractional math without decimal points</a:t>
+            </a:r>
+          </a:p>
+          <a:p>
+            <a:pPr marL="742950" lvl="1" indent="-285750">
+              <a:buFont typeface="Arial" panose="020B0604020202020204" pitchFamily="34" charset="0"/>
+              <a:buChar char="•"/>
+            </a:pPr>
+            <a:r>
+              <a:rPr lang="en-US" dirty="0"/>
+              <a:t>sym(frac)</a:t>
+            </a:r>
+          </a:p>
+          <a:p>
+            <a:pPr marL="285750" indent="-285750">
+              <a:buFont typeface="Arial" panose="020B0604020202020204" pitchFamily="34" charset="0"/>
+              <a:buChar char="•"/>
+            </a:pPr>
+            <a:r>
+              <a:rPr lang="en-US" dirty="0"/>
+              <a:t>Simplify functions</a:t>
+            </a:r>
+          </a:p>
+          <a:p>
+            <a:pPr marL="742950" lvl="1" indent="-285750">
+              <a:buFont typeface="Arial" panose="020B0604020202020204" pitchFamily="34" charset="0"/>
+              <a:buChar char="•"/>
+            </a:pPr>
+            <a:r>
+              <a:rPr lang="en-US" dirty="0"/>
+              <a:t>expand(sym_func)</a:t>
+            </a:r>
+          </a:p>
+          <a:p>
+            <a:pPr marL="742950" lvl="1" indent="-285750">
+              <a:buFont typeface="Arial" panose="020B0604020202020204" pitchFamily="34" charset="0"/>
+              <a:buChar char="•"/>
+            </a:pPr>
+            <a:r>
+              <a:rPr lang="en-US" dirty="0"/>
+              <a:t>simplify(sym_func)</a:t>
+            </a:r>
+          </a:p>
+          <a:p>
+            <a:pPr marL="285750" indent="-285750">
+              <a:buFont typeface="Arial" panose="020B0604020202020204" pitchFamily="34" charset="0"/>
+              <a:buChar char="•"/>
+            </a:pPr>
+            <a:r>
+              <a:rPr lang="en-US" dirty="0"/>
+              <a:t>substitute values in a symbolic function</a:t>
+            </a:r>
+          </a:p>
+          <a:p>
+            <a:pPr marL="742950" lvl="1" indent="-285750">
+              <a:buFont typeface="Arial" panose="020B0604020202020204" pitchFamily="34" charset="0"/>
+              <a:buChar char="•"/>
+            </a:pPr>
+            <a:r>
+              <a:rPr lang="en-US" dirty="0"/>
+              <a:t>subs(sym_func, [var1, var2, …], [val1, val2, …])</a:t>
+            </a:r>
+          </a:p>
+          <a:p>
+            <a:pPr marL="285750" indent="-285750">
+              <a:buFont typeface="Arial" panose="020B0604020202020204" pitchFamily="34" charset="0"/>
+              <a:buChar char="•"/>
+            </a:pPr>
+            <a:r>
+              <a:rPr lang="en-US" dirty="0"/>
+              <a:t>Factor polynomials</a:t>
+            </a:r>
+          </a:p>
+          <a:p>
+            <a:pPr marL="742950" lvl="1" indent="-285750">
+              <a:buFont typeface="Arial" panose="020B0604020202020204" pitchFamily="34" charset="0"/>
+              <a:buChar char="•"/>
+            </a:pPr>
+            <a:r>
+              <a:rPr lang="en-US" dirty="0"/>
+              <a:t>factor(sym_func)</a:t>
+            </a:r>
+          </a:p>
+          <a:p>
+            <a:pPr marL="285750" indent="-285750">
+              <a:buFont typeface="Arial" panose="020B0604020202020204" pitchFamily="34" charset="0"/>
+              <a:buChar char="•"/>
+            </a:pPr>
+            <a:r>
+              <a:rPr lang="en-US" dirty="0"/>
+              <a:t>Convert to anonymous function</a:t>
+            </a:r>
+          </a:p>
+          <a:p>
+            <a:pPr marL="742950" lvl="1" indent="-285750">
+              <a:buFont typeface="Arial" panose="020B0604020202020204" pitchFamily="34" charset="0"/>
+              <a:buChar char="•"/>
+            </a:pPr>
+            <a:r>
+              <a:rPr lang="en-US" dirty="0"/>
+              <a:t>matlabFunction(sym_func)</a:t>
+            </a:r>
+          </a:p>
+          <a:p>
+            <a:pPr marL="285750" indent="-285750">
+              <a:buFont typeface="Arial" panose="020B0604020202020204" pitchFamily="34" charset="0"/>
+              <a:buChar char="•"/>
+            </a:pPr>
+            <a:r>
+              <a:rPr lang="en-US" dirty="0"/>
+              <a:t>Derivatives/Integrals</a:t>
+            </a:r>
+          </a:p>
+          <a:p>
+            <a:pPr marL="742950" lvl="1" indent="-285750">
+              <a:buFont typeface="Arial" panose="020B0604020202020204" pitchFamily="34" charset="0"/>
+              <a:buChar char="•"/>
+            </a:pPr>
+            <a:r>
+              <a:rPr lang="en-US" dirty="0"/>
+              <a:t>diff(sym_func, var, order)</a:t>
+            </a:r>
+          </a:p>
+          <a:p>
+            <a:pPr marL="742950" lvl="1" indent="-285750">
+              <a:buFont typeface="Arial" panose="020B0604020202020204" pitchFamily="34" charset="0"/>
+              <a:buChar char="•"/>
+            </a:pPr>
+            <a:r>
+              <a:rPr lang="en-US" dirty="0"/>
+              <a:t>int(sym_func, var): indefinite</a:t>
+            </a:r>
+          </a:p>
+          <a:p>
+            <a:pPr marL="742950" lvl="1" indent="-285750">
+              <a:buFont typeface="Arial" panose="020B0604020202020204" pitchFamily="34" charset="0"/>
+              <a:buChar char="•"/>
+            </a:pPr>
+            <a:r>
+              <a:rPr lang="en-US" dirty="0"/>
+              <a:t>int(sym_func, var, from, to) definite</a:t>
+            </a:r>
+          </a:p>
+          <a:p>
+            <a:pPr marL="1200150" lvl="2" indent="-285750">
+              <a:buFont typeface="Arial" panose="020B0604020202020204" pitchFamily="34" charset="0"/>
+              <a:buChar char="•"/>
+            </a:pPr>
+            <a:r>
+              <a:rPr lang="en-US" dirty="0"/>
+              <a:t>can use symbolic variables for form and to</a:t>
+            </a:r>
+          </a:p>
+          <a:p>
+            <a:pPr marL="742950" lvl="1" indent="-285750">
+              <a:buFont typeface="Arial" panose="020B0604020202020204" pitchFamily="34" charset="0"/>
+              <a:buChar char="•"/>
+            </a:pPr>
+            <a:r>
+              <a:rPr lang="en-US" dirty="0"/>
+              <a:t>What if your integral has no easy solution?</a:t>
+            </a:r>
+          </a:p>
+          <a:p>
+            <a:pPr marL="1200150" lvl="2" indent="-285750">
+              <a:buFont typeface="Arial" panose="020B0604020202020204" pitchFamily="34" charset="0"/>
+              <a:buChar char="•"/>
+            </a:pPr>
+            <a:r>
+              <a:rPr lang="en-US" dirty="0"/>
+              <a:t>vpa(integral)</a:t>
+            </a:r>
+          </a:p>
+          <a:p>
+            <a:pPr marL="285750" indent="-285750">
+              <a:buFont typeface="Arial" panose="020B0604020202020204" pitchFamily="34" charset="0"/>
+              <a:buChar char="•"/>
+            </a:pPr>
+            <a:endParaRPr lang="en-US" dirty="0"/>
+          </a:p>
+        </p:txBody>
+      </p:sp>
+    </p:spTree>
+    <p:extLst>
+      <p:ext uri="{BB962C8B-B14F-4D97-AF65-F5344CB8AC3E}">
+        <p14:creationId xmlns:p14="http://schemas.microsoft.com/office/powerpoint/2010/main" val="4241957812"/>
       </p:ext>
     </p:extLst>
   </p:cSld>

--- a/NumericalAnalysis.pptx
+++ b/NumericalAnalysis.pptx
@@ -5,7 +5,7 @@
     <p:sldMasterId id="2147483660" r:id="rId1"/>
   </p:sldMasterIdLst>
   <p:notesMasterIdLst>
-    <p:notesMasterId r:id="rId15"/>
+    <p:notesMasterId r:id="rId16"/>
   </p:notesMasterIdLst>
   <p:sldIdLst>
     <p:sldId id="256" r:id="rId2"/>
@@ -21,6 +21,7 @@
     <p:sldId id="266" r:id="rId12"/>
     <p:sldId id="267" r:id="rId13"/>
     <p:sldId id="268" r:id="rId14"/>
+    <p:sldId id="269" r:id="rId15"/>
   </p:sldIdLst>
   <p:sldSz cx="8686800" cy="12192000"/>
   <p:notesSz cx="6858000" cy="9144000"/>
@@ -145,6 +146,7 @@
             <p14:sldId id="266"/>
             <p14:sldId id="267"/>
             <p14:sldId id="268"/>
+            <p14:sldId id="269"/>
           </p14:sldIdLst>
         </p14:section>
       </p14:sectionLst>
@@ -305,7 +307,7 @@
           <a:p>
             <a:fld id="{D73F8D8E-3E04-4EB4-B144-A34AD5F0C34E}" type="datetimeFigureOut">
               <a:rPr lang="en-US" smtClean="0"/>
-              <a:t>8/27/2024</a:t>
+              <a:t>8/29/2024</a:t>
             </a:fld>
             <a:endParaRPr lang="en-US"/>
           </a:p>
@@ -703,7 +705,7 @@
           <a:p>
             <a:fld id="{67157E4C-E9FC-4B27-8390-C5DE454F8950}" type="datetimeFigureOut">
               <a:rPr lang="en-US" smtClean="0"/>
-              <a:t>8/27/2024</a:t>
+              <a:t>8/29/2024</a:t>
             </a:fld>
             <a:endParaRPr lang="en-US"/>
           </a:p>
@@ -873,7 +875,7 @@
           <a:p>
             <a:fld id="{67157E4C-E9FC-4B27-8390-C5DE454F8950}" type="datetimeFigureOut">
               <a:rPr lang="en-US" smtClean="0"/>
-              <a:t>8/27/2024</a:t>
+              <a:t>8/29/2024</a:t>
             </a:fld>
             <a:endParaRPr lang="en-US"/>
           </a:p>
@@ -1053,7 +1055,7 @@
           <a:p>
             <a:fld id="{67157E4C-E9FC-4B27-8390-C5DE454F8950}" type="datetimeFigureOut">
               <a:rPr lang="en-US" smtClean="0"/>
-              <a:t>8/27/2024</a:t>
+              <a:t>8/29/2024</a:t>
             </a:fld>
             <a:endParaRPr lang="en-US"/>
           </a:p>
@@ -1223,7 +1225,7 @@
           <a:p>
             <a:fld id="{67157E4C-E9FC-4B27-8390-C5DE454F8950}" type="datetimeFigureOut">
               <a:rPr lang="en-US" smtClean="0"/>
-              <a:t>8/27/2024</a:t>
+              <a:t>8/29/2024</a:t>
             </a:fld>
             <a:endParaRPr lang="en-US"/>
           </a:p>
@@ -1469,7 +1471,7 @@
           <a:p>
             <a:fld id="{67157E4C-E9FC-4B27-8390-C5DE454F8950}" type="datetimeFigureOut">
               <a:rPr lang="en-US" smtClean="0"/>
-              <a:t>8/27/2024</a:t>
+              <a:t>8/29/2024</a:t>
             </a:fld>
             <a:endParaRPr lang="en-US"/>
           </a:p>
@@ -1701,7 +1703,7 @@
           <a:p>
             <a:fld id="{67157E4C-E9FC-4B27-8390-C5DE454F8950}" type="datetimeFigureOut">
               <a:rPr lang="en-US" smtClean="0"/>
-              <a:t>8/27/2024</a:t>
+              <a:t>8/29/2024</a:t>
             </a:fld>
             <a:endParaRPr lang="en-US"/>
           </a:p>
@@ -2068,7 +2070,7 @@
           <a:p>
             <a:fld id="{67157E4C-E9FC-4B27-8390-C5DE454F8950}" type="datetimeFigureOut">
               <a:rPr lang="en-US" smtClean="0"/>
-              <a:t>8/27/2024</a:t>
+              <a:t>8/29/2024</a:t>
             </a:fld>
             <a:endParaRPr lang="en-US"/>
           </a:p>
@@ -2186,7 +2188,7 @@
           <a:p>
             <a:fld id="{67157E4C-E9FC-4B27-8390-C5DE454F8950}" type="datetimeFigureOut">
               <a:rPr lang="en-US" smtClean="0"/>
-              <a:t>8/27/2024</a:t>
+              <a:t>8/29/2024</a:t>
             </a:fld>
             <a:endParaRPr lang="en-US"/>
           </a:p>
@@ -2281,7 +2283,7 @@
           <a:p>
             <a:fld id="{67157E4C-E9FC-4B27-8390-C5DE454F8950}" type="datetimeFigureOut">
               <a:rPr lang="en-US" smtClean="0"/>
-              <a:t>8/27/2024</a:t>
+              <a:t>8/29/2024</a:t>
             </a:fld>
             <a:endParaRPr lang="en-US"/>
           </a:p>
@@ -2558,7 +2560,7 @@
           <a:p>
             <a:fld id="{67157E4C-E9FC-4B27-8390-C5DE454F8950}" type="datetimeFigureOut">
               <a:rPr lang="en-US" smtClean="0"/>
-              <a:t>8/27/2024</a:t>
+              <a:t>8/29/2024</a:t>
             </a:fld>
             <a:endParaRPr lang="en-US"/>
           </a:p>
@@ -2815,7 +2817,7 @@
           <a:p>
             <a:fld id="{67157E4C-E9FC-4B27-8390-C5DE454F8950}" type="datetimeFigureOut">
               <a:rPr lang="en-US" smtClean="0"/>
-              <a:t>8/27/2024</a:t>
+              <a:t>8/29/2024</a:t>
             </a:fld>
             <a:endParaRPr lang="en-US"/>
           </a:p>
@@ -3028,7 +3030,7 @@
           <a:p>
             <a:fld id="{67157E4C-E9FC-4B27-8390-C5DE454F8950}" type="datetimeFigureOut">
               <a:rPr lang="en-US" smtClean="0"/>
-              <a:t>8/27/2024</a:t>
+              <a:t>8/29/2024</a:t>
             </a:fld>
             <a:endParaRPr lang="en-US"/>
           </a:p>
@@ -5980,6 +5982,91 @@
 </p:sld>
 </file>
 
+<file path=ppt/slides/slide14.xml><?xml version="1.0" encoding="utf-8"?>
+<p:sld xmlns:a="http://schemas.openxmlformats.org/drawingml/2006/main" xmlns:r="http://schemas.openxmlformats.org/officeDocument/2006/relationships" xmlns:p="http://schemas.openxmlformats.org/presentationml/2006/main">
+  <p:cSld>
+    <p:spTree>
+      <p:nvGrpSpPr>
+        <p:cNvPr id="1" name=""/>
+        <p:cNvGrpSpPr/>
+        <p:nvPr/>
+      </p:nvGrpSpPr>
+      <p:grpSpPr>
+        <a:xfrm>
+          <a:off x="0" y="0"/>
+          <a:ext cx="0" cy="0"/>
+          <a:chOff x="0" y="0"/>
+          <a:chExt cx="0" cy="0"/>
+        </a:xfrm>
+      </p:grpSpPr>
+      <p:sp>
+        <p:nvSpPr>
+          <p:cNvPr id="2" name="TextBox 1">
+            <a:extLst>
+              <a:ext uri="{FF2B5EF4-FFF2-40B4-BE49-F238E27FC236}">
+                <a16:creationId xmlns:a16="http://schemas.microsoft.com/office/drawing/2014/main" id="{D1C40061-1FEE-7FB7-9711-DF9DB0E24120}"/>
+              </a:ext>
+            </a:extLst>
+          </p:cNvPr>
+          <p:cNvSpPr txBox="1"/>
+          <p:nvPr/>
+        </p:nvSpPr>
+        <p:spPr>
+          <a:xfrm>
+            <a:off x="0" y="0"/>
+            <a:ext cx="5422190" cy="923330"/>
+          </a:xfrm>
+          <a:prstGeom prst="rect">
+            <a:avLst/>
+          </a:prstGeom>
+          <a:noFill/>
+        </p:spPr>
+        <p:txBody>
+          <a:bodyPr wrap="none" rtlCol="0">
+            <a:spAutoFit/>
+          </a:bodyPr>
+          <a:lstStyle/>
+          <a:p>
+            <a:r>
+              <a:rPr lang="en-US" dirty="0"/>
+              <a:t>Some other functions that are useful</a:t>
+            </a:r>
+          </a:p>
+          <a:p>
+            <a:pPr marL="285750" indent="-285750">
+              <a:buFont typeface="Arial" panose="020B0604020202020204" pitchFamily="34" charset="0"/>
+              <a:buChar char="•"/>
+            </a:pPr>
+            <a:r>
+              <a:rPr lang="en-US" dirty="0"/>
+              <a:t>lower(str) -&gt; returns the string but in all lowercase</a:t>
+            </a:r>
+          </a:p>
+          <a:p>
+            <a:pPr marL="285750" indent="-285750">
+              <a:buFont typeface="Arial" panose="020B0604020202020204" pitchFamily="34" charset="0"/>
+              <a:buChar char="•"/>
+            </a:pPr>
+            <a:r>
+              <a:rPr lang="en-US" dirty="0"/>
+              <a:t>error(message) -&gt; raises an error</a:t>
+            </a:r>
+          </a:p>
+        </p:txBody>
+      </p:sp>
+    </p:spTree>
+    <p:extLst>
+      <p:ext uri="{BB962C8B-B14F-4D97-AF65-F5344CB8AC3E}">
+        <p14:creationId xmlns:p14="http://schemas.microsoft.com/office/powerpoint/2010/main" val="2749181702"/>
+      </p:ext>
+    </p:extLst>
+  </p:cSld>
+  <p:clrMapOvr>
+    <a:masterClrMapping/>
+  </p:clrMapOvr>
+</p:sld>
+</file>
+
 <file path=ppt/slides/slide2.xml><?xml version="1.0" encoding="utf-8"?>
 <p:sld xmlns:a="http://schemas.openxmlformats.org/drawingml/2006/main" xmlns:r="http://schemas.openxmlformats.org/officeDocument/2006/relationships" xmlns:p="http://schemas.openxmlformats.org/presentationml/2006/main">
   <p:cSld>
@@ -6147,7 +6234,7 @@
             </a:pPr>
             <a:r>
               <a:rPr lang="en-US" dirty="0"/>
-              <a:t>Similar to convergence, but for differential equations, stability has a different meaning. Will be covered when we get there</a:t>
+              <a:t>Like convergence, but for differential equations, stability has a different meaning. Will be covered when we get there</a:t>
             </a:r>
           </a:p>
           <a:p>
